--- a/Synopsis/Synopsis Presentation.pptx
+++ b/Synopsis/Synopsis Presentation.pptx
@@ -3522,7 +3522,7 @@
         </p:nvSpPr>
         <p:spPr>
           <a:xfrm>
-            <a:off x="1332017" y="4814955"/>
+            <a:off x="974663" y="4878035"/>
             <a:ext cx="3601713" cy="707886"/>
           </a:xfrm>
           <a:prstGeom prst="rect">
@@ -3576,7 +3576,7 @@
         </p:nvSpPr>
         <p:spPr>
           <a:xfrm>
-            <a:off x="5591264" y="4815672"/>
+            <a:off x="4913043" y="4877296"/>
             <a:ext cx="1903732" cy="707886"/>
           </a:xfrm>
           <a:prstGeom prst="rect">
@@ -3623,7 +3623,7 @@
         </p:nvSpPr>
         <p:spPr>
           <a:xfrm>
-            <a:off x="8152531" y="4814955"/>
+            <a:off x="7220973" y="4877296"/>
             <a:ext cx="1903732" cy="707886"/>
           </a:xfrm>
           <a:prstGeom prst="rect">
@@ -3670,7 +3670,7 @@
         </p:nvSpPr>
         <p:spPr>
           <a:xfrm>
-            <a:off x="1020022" y="3004931"/>
+            <a:off x="1020021" y="2809174"/>
             <a:ext cx="10142202" cy="1500411"/>
           </a:xfrm>
           <a:prstGeom prst="rect">
@@ -3783,7 +3783,7 @@
               </a:spcBef>
             </a:pPr>
             <a:r>
-              <a:rPr lang="en-IN" sz="4400" b="1" dirty="0" err="1">
+              <a:rPr lang="en-US" sz="4400" b="1" dirty="0">
                 <a:solidFill>
                   <a:schemeClr val="accent1">
                     <a:lumMod val="75000"/>
@@ -3792,10 +3792,10 @@
                 <a:latin typeface="Times New Roman" panose="02020603050405020304" pitchFamily="18" charset="0"/>
                 <a:cs typeface="Times New Roman" panose="02020603050405020304" pitchFamily="18" charset="0"/>
               </a:rPr>
-              <a:t>Patrsrijan</a:t>
-            </a:r>
-            <a:r>
-              <a:rPr lang="en-IN" sz="4400" b="1" dirty="0">
+              <a:t>W</a:t>
+            </a:r>
+            <a:r>
+              <a:rPr lang="en-IN" sz="4400" b="1" dirty="0" err="1">
                 <a:solidFill>
                   <a:schemeClr val="accent1">
                     <a:lumMod val="75000"/>
@@ -3804,7 +3804,19 @@
                 <a:latin typeface="Times New Roman" panose="02020603050405020304" pitchFamily="18" charset="0"/>
                 <a:cs typeface="Times New Roman" panose="02020603050405020304" pitchFamily="18" charset="0"/>
               </a:rPr>
-              <a:t> - Streamlining Certificate Creation</a:t>
+              <a:t>eb</a:t>
+            </a:r>
+            <a:r>
+              <a:rPr lang="en-IN" sz="4400" b="1" dirty="0">
+                <a:solidFill>
+                  <a:schemeClr val="accent1">
+                    <a:lumMod val="75000"/>
+                  </a:schemeClr>
+                </a:solidFill>
+                <a:latin typeface="Times New Roman" panose="02020603050405020304" pitchFamily="18" charset="0"/>
+                <a:cs typeface="Times New Roman" panose="02020603050405020304" pitchFamily="18" charset="0"/>
+              </a:rPr>
+              <a:t>-Based Automatic Timetable Scheduler for Schools &amp; Colleges</a:t>
             </a:r>
             <a:endParaRPr lang="en-US" sz="4400" b="1" dirty="0">
               <a:solidFill>
@@ -3830,7 +3842,7 @@
         </p:nvSpPr>
         <p:spPr>
           <a:xfrm>
-            <a:off x="2085033" y="2402320"/>
+            <a:off x="2142539" y="2282961"/>
             <a:ext cx="7897167" cy="507831"/>
           </a:xfrm>
           <a:prstGeom prst="rect">
@@ -3946,34 +3958,14 @@
               </a:spcBef>
             </a:pPr>
             <a:r>
-              <a:rPr sz="3200" b="1" spc="-40" dirty="0">
+              <a:rPr lang="en-US" sz="3200" b="1" spc="-15" dirty="0">
                 <a:solidFill>
                   <a:srgbClr val="2B2B2B"/>
                 </a:solidFill>
                 <a:latin typeface="Times New Roman" panose="02020603050405020304" pitchFamily="18" charset="0"/>
                 <a:cs typeface="Times New Roman" panose="02020603050405020304" pitchFamily="18" charset="0"/>
               </a:rPr>
-              <a:t>A</a:t>
-            </a:r>
-            <a:r>
-              <a:rPr lang="en-IN" sz="3200" b="1" spc="-85" dirty="0">
-                <a:solidFill>
-                  <a:srgbClr val="2B2B2B"/>
-                </a:solidFill>
-                <a:latin typeface="Times New Roman" panose="02020603050405020304" pitchFamily="18" charset="0"/>
-                <a:cs typeface="Times New Roman" panose="02020603050405020304" pitchFamily="18" charset="0"/>
-              </a:rPr>
-              <a:t> Mini </a:t>
-            </a:r>
-            <a:r>
-              <a:rPr lang="en-US" sz="3200" b="1" spc="-15" dirty="0">
-                <a:solidFill>
-                  <a:srgbClr val="2B2B2B"/>
-                </a:solidFill>
-                <a:latin typeface="Times New Roman" panose="02020603050405020304" pitchFamily="18" charset="0"/>
-                <a:cs typeface="Times New Roman" panose="02020603050405020304" pitchFamily="18" charset="0"/>
-              </a:rPr>
-              <a:t>Project Synopsis</a:t>
+              <a:t>Project Phase I Synopsis</a:t>
             </a:r>
             <a:r>
               <a:rPr sz="3200" b="1" spc="-85" dirty="0">
@@ -4036,8 +4028,8 @@
         </p:nvSpPr>
         <p:spPr>
           <a:xfrm>
-            <a:off x="1332017" y="5951119"/>
-            <a:ext cx="3549561" cy="400110"/>
+            <a:off x="977121" y="5853040"/>
+            <a:ext cx="3599255" cy="400110"/>
           </a:xfrm>
           <a:prstGeom prst="rect">
             <a:avLst/>
@@ -4062,21 +4054,7 @@
                 <a:latin typeface="Times New Roman" panose="02020603050405020304" pitchFamily="18" charset="0"/>
                 <a:cs typeface="Times New Roman" panose="02020603050405020304" pitchFamily="18" charset="0"/>
               </a:rPr>
-              <a:t>Prof. </a:t>
-            </a:r>
-            <a:r>
-              <a:rPr lang="en-US" sz="2000" b="1" dirty="0" err="1">
-                <a:latin typeface="Times New Roman" panose="02020603050405020304" pitchFamily="18" charset="0"/>
-                <a:cs typeface="Times New Roman" panose="02020603050405020304" pitchFamily="18" charset="0"/>
-              </a:rPr>
-              <a:t>Nagaraja</a:t>
-            </a:r>
-            <a:r>
-              <a:rPr lang="en-US" sz="2000" b="1" dirty="0">
-                <a:latin typeface="Times New Roman" panose="02020603050405020304" pitchFamily="18" charset="0"/>
-                <a:cs typeface="Times New Roman" panose="02020603050405020304" pitchFamily="18" charset="0"/>
-              </a:rPr>
-              <a:t> N S</a:t>
+              <a:t>Prof. Chaithanya D</a:t>
             </a:r>
             <a:endParaRPr lang="en-IN" sz="2000" b="1" dirty="0">
               <a:latin typeface="Times New Roman" panose="02020603050405020304" pitchFamily="18" charset="0"/>
@@ -4142,7 +4120,7 @@
         </p:blipFill>
         <p:spPr>
           <a:xfrm>
-            <a:off x="9755666" y="431699"/>
+            <a:off x="10085593" y="196188"/>
             <a:ext cx="1076630" cy="1076630"/>
           </a:xfrm>
           <a:prstGeom prst="rect">
@@ -4178,7 +4156,7 @@
         </p:blipFill>
         <p:spPr>
           <a:xfrm>
-            <a:off x="1332017" y="389357"/>
+            <a:off x="1020021" y="246767"/>
             <a:ext cx="1537116" cy="1076630"/>
           </a:xfrm>
           <a:prstGeom prst="rect">
@@ -4202,8 +4180,8 @@
         </p:nvSpPr>
         <p:spPr>
           <a:xfrm>
-            <a:off x="2887427" y="208950"/>
-            <a:ext cx="6407392" cy="380873"/>
+            <a:off x="351331" y="195029"/>
+            <a:ext cx="11534602" cy="380873"/>
           </a:xfrm>
           <a:prstGeom prst="rect">
             <a:avLst/>
@@ -4372,8 +4350,8 @@
         </p:nvSpPr>
         <p:spPr>
           <a:xfrm>
-            <a:off x="3195499" y="435622"/>
-            <a:ext cx="6081026" cy="1125116"/>
+            <a:off x="351330" y="435622"/>
+            <a:ext cx="11489340" cy="1125116"/>
           </a:xfrm>
           <a:prstGeom prst="rect">
             <a:avLst/>
@@ -4869,8 +4847,8 @@
         </p:nvSpPr>
         <p:spPr>
           <a:xfrm>
-            <a:off x="2031142" y="1759185"/>
-            <a:ext cx="8262839" cy="646331"/>
+            <a:off x="351330" y="1655518"/>
+            <a:ext cx="11489340" cy="369332"/>
           </a:xfrm>
           <a:prstGeom prst="rect">
             <a:avLst/>
@@ -4878,11 +4856,12 @@
           <a:noFill/>
         </p:spPr>
         <p:txBody>
-          <a:bodyPr wrap="none" rtlCol="0">
+          <a:bodyPr wrap="square" rtlCol="0">
             <a:spAutoFit/>
           </a:bodyPr>
           <a:lstStyle/>
           <a:p>
+            <a:pPr algn="ctr"/>
             <a:r>
               <a:rPr lang="en-US" sz="1800" b="1" spc="-120" dirty="0">
                 <a:solidFill>
@@ -4921,12 +4900,52 @@
               <a:cs typeface="Times New Roman" panose="02020603050405020304" pitchFamily="18" charset="0"/>
             </a:endParaRPr>
           </a:p>
-          <a:p>
-            <a:endParaRPr lang="en-IN" dirty="0">
-              <a:solidFill>
-                <a:srgbClr val="FF5757"/>
-              </a:solidFill>
-            </a:endParaRPr>
+        </p:txBody>
+      </p:sp>
+      <p:sp>
+        <p:nvSpPr>
+          <p:cNvPr id="2" name="TextBox 1">
+            <a:extLst>
+              <a:ext uri="{FF2B5EF4-FFF2-40B4-BE49-F238E27FC236}">
+                <a16:creationId xmlns:a16="http://schemas.microsoft.com/office/drawing/2014/main" id="{7C98FF11-04AB-5EB9-CFFA-0B20AFA29D15}"/>
+              </a:ext>
+            </a:extLst>
+          </p:cNvPr>
+          <p:cNvSpPr txBox="1"/>
+          <p:nvPr/>
+        </p:nvSpPr>
+        <p:spPr>
+          <a:xfrm>
+            <a:off x="9528903" y="4877296"/>
+            <a:ext cx="1903732" cy="707886"/>
+          </a:xfrm>
+          <a:prstGeom prst="rect">
+            <a:avLst/>
+          </a:prstGeom>
+          <a:noFill/>
+        </p:spPr>
+        <p:txBody>
+          <a:bodyPr wrap="square" rtlCol="0">
+            <a:spAutoFit/>
+          </a:bodyPr>
+          <a:lstStyle/>
+          <a:p>
+            <a:r>
+              <a:rPr lang="en-IN" sz="2000" b="1" dirty="0">
+                <a:latin typeface="Times New Roman" panose="02020603050405020304" pitchFamily="18" charset="0"/>
+                <a:cs typeface="Times New Roman" panose="02020603050405020304" pitchFamily="18" charset="0"/>
+              </a:rPr>
+              <a:t>Supreetha N S</a:t>
+            </a:r>
+          </a:p>
+          <a:p>
+            <a:r>
+              <a:rPr lang="en-IN" sz="2000" b="1" dirty="0">
+                <a:latin typeface="Times New Roman" panose="02020603050405020304" pitchFamily="18" charset="0"/>
+                <a:cs typeface="Times New Roman" panose="02020603050405020304" pitchFamily="18" charset="0"/>
+              </a:rPr>
+              <a:t>4VP22CD058</a:t>
+            </a:r>
           </a:p>
         </p:txBody>
       </p:sp>

--- a/Synopsis/Synopsis Presentation.pptx
+++ b/Synopsis/Synopsis Presentation.pptx
@@ -205,7 +205,7 @@
           <a:p>
             <a:fld id="{DDBD07C2-A8D5-442F-93E7-71925FF71000}" type="datetimeFigureOut">
               <a:rPr lang="en-IN" smtClean="0"/>
-              <a:t>15-03-2025</a:t>
+              <a:t>25-03-2025</a:t>
             </a:fld>
             <a:endParaRPr lang="en-IN"/>
           </a:p>
@@ -772,7 +772,7 @@
           <a:p>
             <a:fld id="{AD3F4CC6-F3FB-47BE-AC03-611F875C78F9}" type="datetime1">
               <a:rPr lang="en-IN" smtClean="0"/>
-              <a:t>15-03-2025</a:t>
+              <a:t>25-03-2025</a:t>
             </a:fld>
             <a:endParaRPr lang="en-IN"/>
           </a:p>
@@ -942,7 +942,7 @@
           <a:p>
             <a:fld id="{EE20E305-C125-4A8A-B0DE-601EE21F5071}" type="datetime1">
               <a:rPr lang="en-IN" smtClean="0"/>
-              <a:t>15-03-2025</a:t>
+              <a:t>25-03-2025</a:t>
             </a:fld>
             <a:endParaRPr lang="en-IN"/>
           </a:p>
@@ -1122,7 +1122,7 @@
           <a:p>
             <a:fld id="{4778304C-AB85-435B-A0C3-3BCD74CCEF52}" type="datetime1">
               <a:rPr lang="en-IN" smtClean="0"/>
-              <a:t>15-03-2025</a:t>
+              <a:t>25-03-2025</a:t>
             </a:fld>
             <a:endParaRPr lang="en-IN"/>
           </a:p>
@@ -1292,7 +1292,7 @@
           <a:p>
             <a:fld id="{4E6C69CB-A300-4889-9581-BDF5B68A7209}" type="datetime1">
               <a:rPr lang="en-IN" smtClean="0"/>
-              <a:t>15-03-2025</a:t>
+              <a:t>25-03-2025</a:t>
             </a:fld>
             <a:endParaRPr lang="en-IN"/>
           </a:p>
@@ -1538,7 +1538,7 @@
           <a:p>
             <a:fld id="{7456E215-631F-4CEB-9330-D2E2D4D38DB8}" type="datetime1">
               <a:rPr lang="en-IN" smtClean="0"/>
-              <a:t>15-03-2025</a:t>
+              <a:t>25-03-2025</a:t>
             </a:fld>
             <a:endParaRPr lang="en-IN"/>
           </a:p>
@@ -1770,7 +1770,7 @@
           <a:p>
             <a:fld id="{EA4B2955-88C4-4DB3-952E-AAAB9C1C2206}" type="datetime1">
               <a:rPr lang="en-IN" smtClean="0"/>
-              <a:t>15-03-2025</a:t>
+              <a:t>25-03-2025</a:t>
             </a:fld>
             <a:endParaRPr lang="en-IN"/>
           </a:p>
@@ -2137,7 +2137,7 @@
           <a:p>
             <a:fld id="{B7C1D74B-5FF4-42E9-82AB-3DA4F8AC0E13}" type="datetime1">
               <a:rPr lang="en-IN" smtClean="0"/>
-              <a:t>15-03-2025</a:t>
+              <a:t>25-03-2025</a:t>
             </a:fld>
             <a:endParaRPr lang="en-IN"/>
           </a:p>
@@ -2255,7 +2255,7 @@
           <a:p>
             <a:fld id="{54504F77-6474-4104-B4A7-A75A5A09B471}" type="datetime1">
               <a:rPr lang="en-IN" smtClean="0"/>
-              <a:t>15-03-2025</a:t>
+              <a:t>25-03-2025</a:t>
             </a:fld>
             <a:endParaRPr lang="en-IN"/>
           </a:p>
@@ -2350,7 +2350,7 @@
           <a:p>
             <a:fld id="{44A1398B-25B8-43D3-8133-74A4D14D31C6}" type="datetime1">
               <a:rPr lang="en-IN" smtClean="0"/>
-              <a:t>15-03-2025</a:t>
+              <a:t>25-03-2025</a:t>
             </a:fld>
             <a:endParaRPr lang="en-IN"/>
           </a:p>
@@ -2627,7 +2627,7 @@
           <a:p>
             <a:fld id="{EECA2E70-6B44-4906-91B0-A7DF2298B6C3}" type="datetime1">
               <a:rPr lang="en-IN" smtClean="0"/>
-              <a:t>15-03-2025</a:t>
+              <a:t>25-03-2025</a:t>
             </a:fld>
             <a:endParaRPr lang="en-IN"/>
           </a:p>
@@ -2884,7 +2884,7 @@
           <a:p>
             <a:fld id="{F403C9A3-3EE5-47F9-848F-B641E74E4566}" type="datetime1">
               <a:rPr lang="en-IN" smtClean="0"/>
-              <a:t>15-03-2025</a:t>
+              <a:t>25-03-2025</a:t>
             </a:fld>
             <a:endParaRPr lang="en-IN"/>
           </a:p>
@@ -3102,7 +3102,7 @@
           <a:p>
             <a:fld id="{8C9F6764-CDD9-4B0E-B979-6FCEC6BC2AF9}" type="datetime1">
               <a:rPr lang="en-IN" smtClean="0"/>
-              <a:t>15-03-2025</a:t>
+              <a:t>25-03-2025</a:t>
             </a:fld>
             <a:endParaRPr lang="en-IN"/>
           </a:p>
@@ -5057,27 +5057,10 @@
                 <a:spcPct val="160000"/>
               </a:lnSpc>
             </a:pPr>
-            <a:r>
-              <a:rPr lang="en-IN" sz="2400" dirty="0">
-                <a:latin typeface="Times New Roman" panose="02020603050405020304" pitchFamily="18" charset="0"/>
-                <a:cs typeface="Times New Roman" panose="02020603050405020304" pitchFamily="18" charset="0"/>
-              </a:rPr>
-              <a:t>Delays in certificate issuance following online events and offline competitions.</a:t>
-            </a:r>
-          </a:p>
-          <a:p>
-            <a:pPr algn="just">
-              <a:lnSpc>
-                <a:spcPct val="160000"/>
-              </a:lnSpc>
-            </a:pPr>
-            <a:r>
-              <a:rPr lang="en-IN" sz="2400" dirty="0">
-                <a:latin typeface="Times New Roman" panose="02020603050405020304" pitchFamily="18" charset="0"/>
-                <a:cs typeface="Times New Roman" panose="02020603050405020304" pitchFamily="18" charset="0"/>
-              </a:rPr>
-              <a:t>Generating and accessing certificates in bulk can be time consuming and unreliable.</a:t>
-            </a:r>
+            <a:endParaRPr lang="en-IN" sz="2400" dirty="0">
+              <a:latin typeface="Times New Roman" panose="02020603050405020304" pitchFamily="18" charset="0"/>
+              <a:cs typeface="Times New Roman" panose="02020603050405020304" pitchFamily="18" charset="0"/>
+            </a:endParaRPr>
           </a:p>
         </p:txBody>
       </p:sp>
@@ -5218,41 +5201,10 @@
                 <a:spcPct val="150000"/>
               </a:lnSpc>
             </a:pPr>
-            <a:r>
-              <a:rPr lang="en-IN" sz="2400" dirty="0">
-                <a:latin typeface="Times New Roman" panose="02020603050405020304" pitchFamily="18" charset="0"/>
-                <a:cs typeface="Times New Roman" panose="02020603050405020304" pitchFamily="18" charset="0"/>
-              </a:rPr>
-              <a:t>Manual certificate printing and handing over to the students at institution level.</a:t>
-            </a:r>
-          </a:p>
-          <a:p>
-            <a:pPr>
-              <a:lnSpc>
-                <a:spcPct val="150000"/>
-              </a:lnSpc>
-            </a:pPr>
-            <a:r>
-              <a:rPr lang="en-IN" sz="2400" dirty="0">
-                <a:latin typeface="Times New Roman" panose="02020603050405020304" pitchFamily="18" charset="0"/>
-                <a:cs typeface="Times New Roman" panose="02020603050405020304" pitchFamily="18" charset="0"/>
-              </a:rPr>
-              <a:t>Manually typing all the details of the participants and allowing them to download.</a:t>
-            </a:r>
-          </a:p>
-          <a:p>
-            <a:pPr algn="just">
-              <a:lnSpc>
-                <a:spcPct val="150000"/>
-              </a:lnSpc>
-            </a:pPr>
-            <a:r>
-              <a:rPr lang="en-IN" sz="2400" dirty="0">
-                <a:latin typeface="Times New Roman" panose="02020603050405020304" pitchFamily="18" charset="0"/>
-                <a:cs typeface="Times New Roman" panose="02020603050405020304" pitchFamily="18" charset="0"/>
-              </a:rPr>
-              <a:t>Organisation uploads the event certificates in bulk, and participants will have to download it.</a:t>
-            </a:r>
+            <a:endParaRPr lang="en-IN" sz="2400" dirty="0">
+              <a:latin typeface="Times New Roman" panose="02020603050405020304" pitchFamily="18" charset="0"/>
+              <a:cs typeface="Times New Roman" panose="02020603050405020304" pitchFamily="18" charset="0"/>
+            </a:endParaRPr>
           </a:p>
         </p:txBody>
       </p:sp>
@@ -5393,41 +5345,10 @@
                 <a:spcPct val="150000"/>
               </a:lnSpc>
             </a:pPr>
-            <a:r>
-              <a:rPr lang="en-IN" sz="2400" dirty="0">
-                <a:latin typeface="Times New Roman" panose="02020603050405020304" pitchFamily="18" charset="0"/>
-                <a:cs typeface="Times New Roman" panose="02020603050405020304" pitchFamily="18" charset="0"/>
-              </a:rPr>
-              <a:t>The organiser generates the certificate using the information provided by participants during the event. The certificates are then sent to each participant’s email address, allowing them to download it easily.</a:t>
-            </a:r>
-          </a:p>
-          <a:p>
-            <a:pPr algn="just">
-              <a:lnSpc>
-                <a:spcPct val="150000"/>
-              </a:lnSpc>
-            </a:pPr>
-            <a:r>
-              <a:rPr lang="en-IN" sz="2400" dirty="0">
-                <a:latin typeface="Times New Roman" panose="02020603050405020304" pitchFamily="18" charset="0"/>
-                <a:cs typeface="Times New Roman" panose="02020603050405020304" pitchFamily="18" charset="0"/>
-              </a:rPr>
-              <a:t>The organiser can upload customised templates of the certificates based on event requirements.</a:t>
-            </a:r>
-          </a:p>
-          <a:p>
-            <a:pPr algn="just">
-              <a:lnSpc>
-                <a:spcPct val="150000"/>
-              </a:lnSpc>
-            </a:pPr>
-            <a:r>
-              <a:rPr lang="en-IN" sz="2400" dirty="0">
-                <a:latin typeface="Times New Roman" panose="02020603050405020304" pitchFamily="18" charset="0"/>
-                <a:cs typeface="Times New Roman" panose="02020603050405020304" pitchFamily="18" charset="0"/>
-              </a:rPr>
-              <a:t>Participant receives the certificate specifically via Gmail.</a:t>
-            </a:r>
+            <a:endParaRPr lang="en-IN" sz="2400" dirty="0">
+              <a:latin typeface="Times New Roman" panose="02020603050405020304" pitchFamily="18" charset="0"/>
+              <a:cs typeface="Times New Roman" panose="02020603050405020304" pitchFamily="18" charset="0"/>
+            </a:endParaRPr>
           </a:p>
         </p:txBody>
       </p:sp>
@@ -6274,27 +6195,6 @@
             <a:pPr marL="0" indent="0" algn="just">
               <a:buNone/>
             </a:pPr>
-            <a:r>
-              <a:rPr lang="en-US" sz="2400" dirty="0">
-                <a:solidFill>
-                  <a:srgbClr val="000000"/>
-                </a:solidFill>
-                <a:latin typeface="Times New Roman" panose="02020603050405020304" pitchFamily="18" charset="0"/>
-                <a:cs typeface="Times New Roman" panose="02020603050405020304" pitchFamily="18" charset="0"/>
-              </a:rPr>
-              <a:t>An</a:t>
-            </a:r>
-            <a:r>
-              <a:rPr lang="en-US" sz="2400" b="0" i="0" dirty="0">
-                <a:solidFill>
-                  <a:srgbClr val="000000"/>
-                </a:solidFill>
-                <a:effectLst/>
-                <a:latin typeface="Times New Roman" panose="02020603050405020304" pitchFamily="18" charset="0"/>
-                <a:cs typeface="Times New Roman" panose="02020603050405020304" pitchFamily="18" charset="0"/>
-              </a:rPr>
-              <a:t> efficient certificate issuance process is essential for participant satisfaction. By allowing organizers to generate certificates using event information and customized templates, thus streamlining the delivery. Sending certificate directly to participant’s Gmail ensures easy access and timely recognition of their achievements.</a:t>
-            </a:r>
             <a:endParaRPr lang="en-IN" sz="2400" dirty="0">
               <a:latin typeface="Times New Roman" panose="02020603050405020304" pitchFamily="18" charset="0"/>
               <a:cs typeface="Times New Roman" panose="02020603050405020304" pitchFamily="18" charset="0"/>
@@ -6435,286 +6335,10 @@
           <a:lstStyle/>
           <a:p>
             <a:pPr algn="just"/>
-            <a:r>
-              <a:rPr lang="en-IN" sz="2400" dirty="0">
-                <a:latin typeface="Times New Roman" panose="02020603050405020304" pitchFamily="18" charset="0"/>
-                <a:cs typeface="Times New Roman" panose="02020603050405020304" pitchFamily="18" charset="0"/>
-              </a:rPr>
-              <a:t>Soham </a:t>
-            </a:r>
-            <a:r>
-              <a:rPr lang="en-IN" sz="2400" dirty="0" err="1">
-                <a:latin typeface="Times New Roman" panose="02020603050405020304" pitchFamily="18" charset="0"/>
-                <a:cs typeface="Times New Roman" panose="02020603050405020304" pitchFamily="18" charset="0"/>
-              </a:rPr>
-              <a:t>Bandgar</a:t>
-            </a:r>
-            <a:r>
-              <a:rPr lang="en-IN" sz="2400" dirty="0">
-                <a:latin typeface="Times New Roman" panose="02020603050405020304" pitchFamily="18" charset="0"/>
-                <a:cs typeface="Times New Roman" panose="02020603050405020304" pitchFamily="18" charset="0"/>
-              </a:rPr>
-              <a:t>, Atharv Patil, Tanmay </a:t>
-            </a:r>
-            <a:r>
-              <a:rPr lang="en-IN" sz="2400" dirty="0" err="1">
-                <a:latin typeface="Times New Roman" panose="02020603050405020304" pitchFamily="18" charset="0"/>
-                <a:cs typeface="Times New Roman" panose="02020603050405020304" pitchFamily="18" charset="0"/>
-              </a:rPr>
-              <a:t>Mungekar</a:t>
-            </a:r>
-            <a:r>
-              <a:rPr lang="en-IN" sz="2400" dirty="0">
-                <a:latin typeface="Times New Roman" panose="02020603050405020304" pitchFamily="18" charset="0"/>
-                <a:cs typeface="Times New Roman" panose="02020603050405020304" pitchFamily="18" charset="0"/>
-              </a:rPr>
-              <a:t>, Prof. Bhanu </a:t>
-            </a:r>
-            <a:r>
-              <a:rPr lang="en-IN" sz="2400" dirty="0" err="1">
-                <a:latin typeface="Times New Roman" panose="02020603050405020304" pitchFamily="18" charset="0"/>
-                <a:cs typeface="Times New Roman" panose="02020603050405020304" pitchFamily="18" charset="0"/>
-              </a:rPr>
-              <a:t>Tekwani</a:t>
-            </a:r>
-            <a:r>
-              <a:rPr lang="en-IN" sz="2400" dirty="0">
-                <a:latin typeface="Times New Roman" panose="02020603050405020304" pitchFamily="18" charset="0"/>
-                <a:cs typeface="Times New Roman" panose="02020603050405020304" pitchFamily="18" charset="0"/>
-              </a:rPr>
-              <a:t>     “</a:t>
-            </a:r>
-            <a:r>
-              <a:rPr lang="en-IN" sz="2400" b="1" dirty="0">
-                <a:latin typeface="Times New Roman" panose="02020603050405020304" pitchFamily="18" charset="0"/>
-                <a:cs typeface="Times New Roman" panose="02020603050405020304" pitchFamily="18" charset="0"/>
-              </a:rPr>
-              <a:t>Online certificate generation and verification system</a:t>
-            </a:r>
-            <a:r>
-              <a:rPr lang="en-IN" sz="2400" dirty="0">
-                <a:latin typeface="Times New Roman" panose="02020603050405020304" pitchFamily="18" charset="0"/>
-                <a:cs typeface="Times New Roman" panose="02020603050405020304" pitchFamily="18" charset="0"/>
-              </a:rPr>
-              <a:t>” </a:t>
-            </a:r>
-          </a:p>
-          <a:p>
-            <a:pPr marL="457200" lvl="1" indent="0" algn="just">
-              <a:buNone/>
-            </a:pPr>
-            <a:r>
-              <a:rPr lang="en-IN" dirty="0">
-                <a:latin typeface="Times New Roman" panose="02020603050405020304" pitchFamily="18" charset="0"/>
-                <a:cs typeface="Times New Roman" panose="02020603050405020304" pitchFamily="18" charset="0"/>
-              </a:rPr>
-              <a:t>(IJRMETS - </a:t>
-            </a:r>
-            <a:r>
-              <a:rPr lang="en-US" dirty="0">
-                <a:latin typeface="Times New Roman" panose="02020603050405020304" pitchFamily="18" charset="0"/>
-                <a:cs typeface="Times New Roman" panose="02020603050405020304" pitchFamily="18" charset="0"/>
-              </a:rPr>
-              <a:t>Volume:04/Issue:02/February-2022</a:t>
-            </a:r>
-            <a:r>
-              <a:rPr lang="en-IN" dirty="0">
-                <a:latin typeface="Times New Roman" panose="02020603050405020304" pitchFamily="18" charset="0"/>
-                <a:cs typeface="Times New Roman" panose="02020603050405020304" pitchFamily="18" charset="0"/>
-              </a:rPr>
-              <a:t>)</a:t>
-            </a:r>
-          </a:p>
-          <a:p>
-            <a:pPr algn="just"/>
-            <a:r>
-              <a:rPr lang="en-IN" sz="2400" dirty="0">
-                <a:latin typeface="Times New Roman" panose="02020603050405020304" pitchFamily="18" charset="0"/>
-                <a:cs typeface="Times New Roman" panose="02020603050405020304" pitchFamily="18" charset="0"/>
-              </a:rPr>
-              <a:t>Rohan </a:t>
-            </a:r>
-            <a:r>
-              <a:rPr lang="en-IN" sz="2400" dirty="0" err="1">
-                <a:latin typeface="Times New Roman" panose="02020603050405020304" pitchFamily="18" charset="0"/>
-                <a:cs typeface="Times New Roman" panose="02020603050405020304" pitchFamily="18" charset="0"/>
-              </a:rPr>
-              <a:t>Hargude</a:t>
-            </a:r>
-            <a:r>
-              <a:rPr lang="en-IN" sz="2400" dirty="0">
-                <a:latin typeface="Times New Roman" panose="02020603050405020304" pitchFamily="18" charset="0"/>
-                <a:cs typeface="Times New Roman" panose="02020603050405020304" pitchFamily="18" charset="0"/>
-              </a:rPr>
-              <a:t>, </a:t>
-            </a:r>
-            <a:r>
-              <a:rPr lang="en-IN" sz="2400" dirty="0" err="1">
-                <a:latin typeface="Times New Roman" panose="02020603050405020304" pitchFamily="18" charset="0"/>
-                <a:cs typeface="Times New Roman" panose="02020603050405020304" pitchFamily="18" charset="0"/>
-              </a:rPr>
-              <a:t>Ghule</a:t>
-            </a:r>
-            <a:r>
-              <a:rPr lang="en-IN" sz="2400" dirty="0">
-                <a:latin typeface="Times New Roman" panose="02020603050405020304" pitchFamily="18" charset="0"/>
-                <a:cs typeface="Times New Roman" panose="02020603050405020304" pitchFamily="18" charset="0"/>
-              </a:rPr>
-              <a:t> Ashutosh, Abhijit </a:t>
-            </a:r>
-            <a:r>
-              <a:rPr lang="en-IN" sz="2400" dirty="0" err="1">
-                <a:latin typeface="Times New Roman" panose="02020603050405020304" pitchFamily="18" charset="0"/>
-                <a:cs typeface="Times New Roman" panose="02020603050405020304" pitchFamily="18" charset="0"/>
-              </a:rPr>
-              <a:t>Nawale</a:t>
-            </a:r>
-            <a:r>
-              <a:rPr lang="en-IN" sz="2400" dirty="0">
-                <a:latin typeface="Times New Roman" panose="02020603050405020304" pitchFamily="18" charset="0"/>
-                <a:cs typeface="Times New Roman" panose="02020603050405020304" pitchFamily="18" charset="0"/>
-              </a:rPr>
-              <a:t>, </a:t>
-            </a:r>
-            <a:r>
-              <a:rPr lang="en-IN" sz="2400" dirty="0" err="1">
-                <a:latin typeface="Times New Roman" panose="02020603050405020304" pitchFamily="18" charset="0"/>
-                <a:cs typeface="Times New Roman" panose="02020603050405020304" pitchFamily="18" charset="0"/>
-              </a:rPr>
-              <a:t>Prof.Sharad</a:t>
-            </a:r>
-            <a:r>
-              <a:rPr lang="en-IN" sz="2400" dirty="0">
-                <a:latin typeface="Times New Roman" panose="02020603050405020304" pitchFamily="18" charset="0"/>
-                <a:cs typeface="Times New Roman" panose="02020603050405020304" pitchFamily="18" charset="0"/>
-              </a:rPr>
-              <a:t> </a:t>
-            </a:r>
-            <a:r>
-              <a:rPr lang="en-IN" sz="2400" dirty="0" err="1">
-                <a:latin typeface="Times New Roman" panose="02020603050405020304" pitchFamily="18" charset="0"/>
-                <a:cs typeface="Times New Roman" panose="02020603050405020304" pitchFamily="18" charset="0"/>
-              </a:rPr>
-              <a:t>Adsure</a:t>
-            </a:r>
-            <a:r>
-              <a:rPr lang="en-IN" sz="2400" dirty="0">
-                <a:latin typeface="Times New Roman" panose="02020603050405020304" pitchFamily="18" charset="0"/>
-                <a:cs typeface="Times New Roman" panose="02020603050405020304" pitchFamily="18" charset="0"/>
-              </a:rPr>
-              <a:t> “</a:t>
-            </a:r>
-            <a:r>
-              <a:rPr lang="en-IN" sz="2400" b="1" dirty="0">
-                <a:latin typeface="Times New Roman" panose="02020603050405020304" pitchFamily="18" charset="0"/>
-                <a:cs typeface="Times New Roman" panose="02020603050405020304" pitchFamily="18" charset="0"/>
-              </a:rPr>
-              <a:t>Generating E-Certificate and Validation using Blockchain</a:t>
-            </a:r>
-            <a:r>
-              <a:rPr lang="en-IN" sz="2400" dirty="0">
-                <a:latin typeface="Times New Roman" panose="02020603050405020304" pitchFamily="18" charset="0"/>
-                <a:cs typeface="Times New Roman" panose="02020603050405020304" pitchFamily="18" charset="0"/>
-              </a:rPr>
-              <a:t>” </a:t>
-            </a:r>
-          </a:p>
-          <a:p>
-            <a:pPr marL="457200" lvl="1" indent="0" algn="just">
-              <a:buNone/>
-            </a:pPr>
-            <a:r>
-              <a:rPr lang="en-IN" dirty="0">
-                <a:latin typeface="Times New Roman" panose="02020603050405020304" pitchFamily="18" charset="0"/>
-                <a:cs typeface="Times New Roman" panose="02020603050405020304" pitchFamily="18" charset="0"/>
-              </a:rPr>
-              <a:t>(IJCRT - IJCRT2107013)</a:t>
-            </a:r>
-          </a:p>
-          <a:p>
-            <a:pPr algn="just"/>
-            <a:r>
-              <a:rPr lang="en-IN" sz="2400" dirty="0">
-                <a:latin typeface="Times New Roman" panose="02020603050405020304" pitchFamily="18" charset="0"/>
-                <a:cs typeface="Times New Roman" panose="02020603050405020304" pitchFamily="18" charset="0"/>
-              </a:rPr>
-              <a:t>Ravi Singh </a:t>
-            </a:r>
-            <a:r>
-              <a:rPr lang="en-IN" sz="2400" dirty="0" err="1">
-                <a:latin typeface="Times New Roman" panose="02020603050405020304" pitchFamily="18" charset="0"/>
-                <a:cs typeface="Times New Roman" panose="02020603050405020304" pitchFamily="18" charset="0"/>
-              </a:rPr>
-              <a:t>Lamkoti</a:t>
-            </a:r>
-            <a:r>
-              <a:rPr lang="en-IN" sz="2400" dirty="0">
-                <a:latin typeface="Times New Roman" panose="02020603050405020304" pitchFamily="18" charset="0"/>
-                <a:cs typeface="Times New Roman" panose="02020603050405020304" pitchFamily="18" charset="0"/>
-              </a:rPr>
-              <a:t>, </a:t>
-            </a:r>
-            <a:r>
-              <a:rPr lang="en-IN" sz="2400" dirty="0" err="1">
-                <a:latin typeface="Times New Roman" panose="02020603050405020304" pitchFamily="18" charset="0"/>
-                <a:cs typeface="Times New Roman" panose="02020603050405020304" pitchFamily="18" charset="0"/>
-              </a:rPr>
-              <a:t>Devdoot</a:t>
-            </a:r>
-            <a:r>
-              <a:rPr lang="en-IN" sz="2400" dirty="0">
-                <a:latin typeface="Times New Roman" panose="02020603050405020304" pitchFamily="18" charset="0"/>
-                <a:cs typeface="Times New Roman" panose="02020603050405020304" pitchFamily="18" charset="0"/>
-              </a:rPr>
-              <a:t> Maji, Hitesh Shetty, Prof. Bharati </a:t>
-            </a:r>
-            <a:r>
-              <a:rPr lang="en-IN" sz="2400" dirty="0" err="1">
-                <a:latin typeface="Times New Roman" panose="02020603050405020304" pitchFamily="18" charset="0"/>
-                <a:cs typeface="Times New Roman" panose="02020603050405020304" pitchFamily="18" charset="0"/>
-              </a:rPr>
-              <a:t>Gondhalekar</a:t>
-            </a:r>
-            <a:r>
-              <a:rPr lang="en-IN" sz="2400" dirty="0">
-                <a:latin typeface="Times New Roman" panose="02020603050405020304" pitchFamily="18" charset="0"/>
-                <a:cs typeface="Times New Roman" panose="02020603050405020304" pitchFamily="18" charset="0"/>
-              </a:rPr>
-              <a:t> “</a:t>
-            </a:r>
-            <a:r>
-              <a:rPr lang="en-IN" sz="2400" b="1" dirty="0">
-                <a:latin typeface="Times New Roman" panose="02020603050405020304" pitchFamily="18" charset="0"/>
-                <a:cs typeface="Times New Roman" panose="02020603050405020304" pitchFamily="18" charset="0"/>
-              </a:rPr>
-              <a:t>Certificate Verification using Blockchain and Generation of Transcript </a:t>
-            </a:r>
-            <a:r>
-              <a:rPr lang="en-IN" sz="2400" dirty="0">
-                <a:latin typeface="Times New Roman" panose="02020603050405020304" pitchFamily="18" charset="0"/>
-                <a:cs typeface="Times New Roman" panose="02020603050405020304" pitchFamily="18" charset="0"/>
-              </a:rPr>
-              <a:t>”</a:t>
-            </a:r>
-          </a:p>
-          <a:p>
-            <a:pPr marL="457200" lvl="1" indent="0" algn="just">
-              <a:buNone/>
-            </a:pPr>
-            <a:r>
-              <a:rPr lang="en-IN" dirty="0">
-                <a:latin typeface="Times New Roman" panose="02020603050405020304" pitchFamily="18" charset="0"/>
-                <a:cs typeface="Times New Roman" panose="02020603050405020304" pitchFamily="18" charset="0"/>
-              </a:rPr>
-              <a:t>(IJERT - IJERTV10IS030260</a:t>
-            </a:r>
-            <a:r>
-              <a:rPr lang="en-IN" sz="2000" dirty="0">
-                <a:latin typeface="Times New Roman" panose="02020603050405020304" pitchFamily="18" charset="0"/>
-                <a:cs typeface="Times New Roman" panose="02020603050405020304" pitchFamily="18" charset="0"/>
-              </a:rPr>
-              <a:t>)</a:t>
-            </a:r>
+            <a:endParaRPr lang="en-US" sz="2400" dirty="0">
+              <a:latin typeface="Times New Roman" panose="02020603050405020304" pitchFamily="18" charset="0"/>
+              <a:cs typeface="Times New Roman" panose="02020603050405020304" pitchFamily="18" charset="0"/>
+            </a:endParaRPr>
           </a:p>
         </p:txBody>
       </p:sp>

--- a/Synopsis/Synopsis Presentation.pptx
+++ b/Synopsis/Synopsis Presentation.pptx
@@ -5,7 +5,7 @@
     <p:sldMasterId id="2147483696" r:id="rId1"/>
   </p:sldMasterIdLst>
   <p:notesMasterIdLst>
-    <p:notesMasterId r:id="rId11"/>
+    <p:notesMasterId r:id="rId12"/>
   </p:notesMasterIdLst>
   <p:sldIdLst>
     <p:sldId id="256" r:id="rId2"/>
@@ -14,9 +14,10 @@
     <p:sldId id="259" r:id="rId5"/>
     <p:sldId id="260" r:id="rId6"/>
     <p:sldId id="261" r:id="rId7"/>
-    <p:sldId id="264" r:id="rId8"/>
-    <p:sldId id="262" r:id="rId9"/>
-    <p:sldId id="263" r:id="rId10"/>
+    <p:sldId id="265" r:id="rId8"/>
+    <p:sldId id="264" r:id="rId9"/>
+    <p:sldId id="262" r:id="rId10"/>
+    <p:sldId id="263" r:id="rId11"/>
   </p:sldIdLst>
   <p:sldSz cx="12192000" cy="6858000"/>
   <p:notesSz cx="6858000" cy="9144000"/>
@@ -205,7 +206,7 @@
           <a:p>
             <a:fld id="{DDBD07C2-A8D5-442F-93E7-71925FF71000}" type="datetimeFigureOut">
               <a:rPr lang="en-IN" smtClean="0"/>
-              <a:t>25-03-2025</a:t>
+              <a:t>26-03-2025</a:t>
             </a:fld>
             <a:endParaRPr lang="en-IN"/>
           </a:p>
@@ -770,9 +771,9 @@
           <a:bodyPr/>
           <a:lstStyle/>
           <a:p>
-            <a:fld id="{AD3F4CC6-F3FB-47BE-AC03-611F875C78F9}" type="datetime1">
+            <a:fld id="{93FE507B-74E9-434B-B589-61639C269BD2}" type="datetime1">
               <a:rPr lang="en-IN" smtClean="0"/>
-              <a:t>25-03-2025</a:t>
+              <a:t>26-03-2025</a:t>
             </a:fld>
             <a:endParaRPr lang="en-IN"/>
           </a:p>
@@ -940,9 +941,9 @@
           <a:bodyPr/>
           <a:lstStyle/>
           <a:p>
-            <a:fld id="{EE20E305-C125-4A8A-B0DE-601EE21F5071}" type="datetime1">
+            <a:fld id="{1DF852E4-941D-4D93-8BE7-96DFDEB218D4}" type="datetime1">
               <a:rPr lang="en-IN" smtClean="0"/>
-              <a:t>25-03-2025</a:t>
+              <a:t>26-03-2025</a:t>
             </a:fld>
             <a:endParaRPr lang="en-IN"/>
           </a:p>
@@ -1120,9 +1121,9 @@
           <a:bodyPr/>
           <a:lstStyle/>
           <a:p>
-            <a:fld id="{4778304C-AB85-435B-A0C3-3BCD74CCEF52}" type="datetime1">
+            <a:fld id="{B713C6D0-628E-4C8C-B674-0FC5911BFD3F}" type="datetime1">
               <a:rPr lang="en-IN" smtClean="0"/>
-              <a:t>25-03-2025</a:t>
+              <a:t>26-03-2025</a:t>
             </a:fld>
             <a:endParaRPr lang="en-IN"/>
           </a:p>
@@ -1290,9 +1291,9 @@
           <a:bodyPr/>
           <a:lstStyle/>
           <a:p>
-            <a:fld id="{4E6C69CB-A300-4889-9581-BDF5B68A7209}" type="datetime1">
+            <a:fld id="{02C27CEE-AECC-488D-B081-6669003DE492}" type="datetime1">
               <a:rPr lang="en-IN" smtClean="0"/>
-              <a:t>25-03-2025</a:t>
+              <a:t>26-03-2025</a:t>
             </a:fld>
             <a:endParaRPr lang="en-IN"/>
           </a:p>
@@ -1536,9 +1537,9 @@
           <a:bodyPr/>
           <a:lstStyle/>
           <a:p>
-            <a:fld id="{7456E215-631F-4CEB-9330-D2E2D4D38DB8}" type="datetime1">
+            <a:fld id="{5F907550-43C7-482D-BA34-265D3A59D17F}" type="datetime1">
               <a:rPr lang="en-IN" smtClean="0"/>
-              <a:t>25-03-2025</a:t>
+              <a:t>26-03-2025</a:t>
             </a:fld>
             <a:endParaRPr lang="en-IN"/>
           </a:p>
@@ -1768,9 +1769,9 @@
           <a:bodyPr/>
           <a:lstStyle/>
           <a:p>
-            <a:fld id="{EA4B2955-88C4-4DB3-952E-AAAB9C1C2206}" type="datetime1">
+            <a:fld id="{94D77DB3-F920-470E-B309-869FDF9C0108}" type="datetime1">
               <a:rPr lang="en-IN" smtClean="0"/>
-              <a:t>25-03-2025</a:t>
+              <a:t>26-03-2025</a:t>
             </a:fld>
             <a:endParaRPr lang="en-IN"/>
           </a:p>
@@ -2135,9 +2136,9 @@
           <a:bodyPr/>
           <a:lstStyle/>
           <a:p>
-            <a:fld id="{B7C1D74B-5FF4-42E9-82AB-3DA4F8AC0E13}" type="datetime1">
+            <a:fld id="{5B45A2ED-077A-4579-A46A-43231F0F597B}" type="datetime1">
               <a:rPr lang="en-IN" smtClean="0"/>
-              <a:t>25-03-2025</a:t>
+              <a:t>26-03-2025</a:t>
             </a:fld>
             <a:endParaRPr lang="en-IN"/>
           </a:p>
@@ -2253,9 +2254,9 @@
           <a:bodyPr/>
           <a:lstStyle/>
           <a:p>
-            <a:fld id="{54504F77-6474-4104-B4A7-A75A5A09B471}" type="datetime1">
+            <a:fld id="{485FFD98-AA31-4581-BF2A-5A2077300591}" type="datetime1">
               <a:rPr lang="en-IN" smtClean="0"/>
-              <a:t>25-03-2025</a:t>
+              <a:t>26-03-2025</a:t>
             </a:fld>
             <a:endParaRPr lang="en-IN"/>
           </a:p>
@@ -2348,9 +2349,9 @@
           <a:bodyPr/>
           <a:lstStyle/>
           <a:p>
-            <a:fld id="{44A1398B-25B8-43D3-8133-74A4D14D31C6}" type="datetime1">
+            <a:fld id="{4058E697-6A5A-41D6-A5BF-DF6DC04A6DFC}" type="datetime1">
               <a:rPr lang="en-IN" smtClean="0"/>
-              <a:t>25-03-2025</a:t>
+              <a:t>26-03-2025</a:t>
             </a:fld>
             <a:endParaRPr lang="en-IN"/>
           </a:p>
@@ -2625,9 +2626,9 @@
           <a:bodyPr/>
           <a:lstStyle/>
           <a:p>
-            <a:fld id="{EECA2E70-6B44-4906-91B0-A7DF2298B6C3}" type="datetime1">
+            <a:fld id="{86822B0A-2DE6-43ED-9578-1137B94F3B65}" type="datetime1">
               <a:rPr lang="en-IN" smtClean="0"/>
-              <a:t>25-03-2025</a:t>
+              <a:t>26-03-2025</a:t>
             </a:fld>
             <a:endParaRPr lang="en-IN"/>
           </a:p>
@@ -2882,9 +2883,9 @@
           <a:bodyPr/>
           <a:lstStyle/>
           <a:p>
-            <a:fld id="{F403C9A3-3EE5-47F9-848F-B641E74E4566}" type="datetime1">
+            <a:fld id="{0781F493-348F-40BE-912D-787DF7E33694}" type="datetime1">
               <a:rPr lang="en-IN" smtClean="0"/>
-              <a:t>25-03-2025</a:t>
+              <a:t>26-03-2025</a:t>
             </a:fld>
             <a:endParaRPr lang="en-IN"/>
           </a:p>
@@ -3100,9 +3101,9 @@
             </a:lvl1pPr>
           </a:lstStyle>
           <a:p>
-            <a:fld id="{8C9F6764-CDD9-4B0E-B979-6FCEC6BC2AF9}" type="datetime1">
+            <a:fld id="{D296BE42-94BA-4EFF-BD05-5C4A4AD389AE}" type="datetime1">
               <a:rPr lang="en-IN" smtClean="0"/>
-              <a:t>25-03-2025</a:t>
+              <a:t>26-03-2025</a:t>
             </a:fld>
             <a:endParaRPr lang="en-IN"/>
           </a:p>
@@ -4088,7 +4089,7 @@
               <a:rPr lang="en-IN" smtClean="0"/>
               <a:t>1</a:t>
             </a:fld>
-            <a:endParaRPr lang="en-IN"/>
+            <a:endParaRPr lang="en-IN" dirty="0"/>
           </a:p>
         </p:txBody>
       </p:sp>
@@ -4962,6 +4963,503 @@
 </p:sld>
 </file>
 
+<file path=ppt/slides/slide10.xml><?xml version="1.0" encoding="utf-8"?>
+<p:sld xmlns:a="http://schemas.openxmlformats.org/drawingml/2006/main" xmlns:r="http://schemas.openxmlformats.org/officeDocument/2006/relationships" xmlns:p="http://schemas.openxmlformats.org/presentationml/2006/main">
+  <p:cSld>
+    <p:spTree>
+      <p:nvGrpSpPr>
+        <p:cNvPr id="1" name=""/>
+        <p:cNvGrpSpPr/>
+        <p:nvPr/>
+      </p:nvGrpSpPr>
+      <p:grpSpPr>
+        <a:xfrm>
+          <a:off x="0" y="0"/>
+          <a:ext cx="0" cy="0"/>
+          <a:chOff x="0" y="0"/>
+          <a:chExt cx="0" cy="0"/>
+        </a:xfrm>
+      </p:grpSpPr>
+      <p:sp>
+        <p:nvSpPr>
+          <p:cNvPr id="2" name="Title 1">
+            <a:extLst>
+              <a:ext uri="{FF2B5EF4-FFF2-40B4-BE49-F238E27FC236}">
+                <a16:creationId xmlns:a16="http://schemas.microsoft.com/office/drawing/2014/main" id="{EDF604D6-DAB9-26D1-CB5F-815BC7DF2B74}"/>
+              </a:ext>
+            </a:extLst>
+          </p:cNvPr>
+          <p:cNvSpPr>
+            <a:spLocks noGrp="1"/>
+          </p:cNvSpPr>
+          <p:nvPr>
+            <p:ph type="title"/>
+          </p:nvPr>
+        </p:nvSpPr>
+        <p:spPr>
+          <a:xfrm>
+            <a:off x="537258" y="411424"/>
+            <a:ext cx="10515600" cy="1325563"/>
+          </a:xfrm>
+        </p:spPr>
+        <p:txBody>
+          <a:bodyPr/>
+          <a:lstStyle/>
+          <a:p>
+            <a:pPr marL="571500" indent="-571500" algn="just">
+              <a:buFont typeface="Wingdings" panose="05000000000000000000" pitchFamily="2" charset="2"/>
+              <a:buChar char="Ø"/>
+            </a:pPr>
+            <a:r>
+              <a:rPr lang="en-IN" dirty="0">
+                <a:solidFill>
+                  <a:schemeClr val="accent1">
+                    <a:lumMod val="75000"/>
+                  </a:schemeClr>
+                </a:solidFill>
+                <a:latin typeface="Times New Roman" panose="02020603050405020304" pitchFamily="18" charset="0"/>
+                <a:cs typeface="Times New Roman" panose="02020603050405020304" pitchFamily="18" charset="0"/>
+              </a:rPr>
+              <a:t>References</a:t>
+            </a:r>
+          </a:p>
+        </p:txBody>
+      </p:sp>
+      <p:sp>
+        <p:nvSpPr>
+          <p:cNvPr id="3" name="Content Placeholder 2">
+            <a:extLst>
+              <a:ext uri="{FF2B5EF4-FFF2-40B4-BE49-F238E27FC236}">
+                <a16:creationId xmlns:a16="http://schemas.microsoft.com/office/drawing/2014/main" id="{DDA3C992-E4DC-44AF-E7CE-E9D3E65FFD3A}"/>
+              </a:ext>
+            </a:extLst>
+          </p:cNvPr>
+          <p:cNvSpPr>
+            <a:spLocks noGrp="1"/>
+          </p:cNvSpPr>
+          <p:nvPr>
+            <p:ph idx="1"/>
+          </p:nvPr>
+        </p:nvSpPr>
+        <p:spPr>
+          <a:xfrm>
+            <a:off x="537258" y="1736987"/>
+            <a:ext cx="10515600" cy="4351338"/>
+          </a:xfrm>
+          <a:noFill/>
+          <a:ln>
+            <a:noFill/>
+          </a:ln>
+        </p:spPr>
+        <p:txBody>
+          <a:bodyPr>
+            <a:normAutofit/>
+          </a:bodyPr>
+          <a:lstStyle/>
+          <a:p>
+            <a:pPr algn="just"/>
+            <a:r>
+              <a:rPr lang="en-IN" sz="2000" b="0" i="0" dirty="0">
+                <a:effectLst/>
+                <a:latin typeface="Times New Roman" panose="02020603050405020304" pitchFamily="18" charset="0"/>
+                <a:cs typeface="Times New Roman" panose="02020603050405020304" pitchFamily="18" charset="0"/>
+                <a:hlinkClick r:id="rId2">
+                  <a:extLst>
+                    <a:ext uri="{A12FA001-AC4F-418D-AE19-62706E023703}">
+                      <ahyp:hlinkClr xmlns:ahyp="http://schemas.microsoft.com/office/drawing/2018/hyperlinkcolor" val="tx"/>
+                    </a:ext>
+                  </a:extLst>
+                </a:hlinkClick>
+              </a:rPr>
+              <a:t>Mittal, Dipesh, Hiral Doshi, Mohammed </a:t>
+            </a:r>
+            <a:r>
+              <a:rPr lang="en-IN" sz="2000" b="0" i="0" dirty="0" err="1">
+                <a:effectLst/>
+                <a:latin typeface="Times New Roman" panose="02020603050405020304" pitchFamily="18" charset="0"/>
+                <a:cs typeface="Times New Roman" panose="02020603050405020304" pitchFamily="18" charset="0"/>
+                <a:hlinkClick r:id="rId2">
+                  <a:extLst>
+                    <a:ext uri="{A12FA001-AC4F-418D-AE19-62706E023703}">
+                      <ahyp:hlinkClr xmlns:ahyp="http://schemas.microsoft.com/office/drawing/2018/hyperlinkcolor" val="tx"/>
+                    </a:ext>
+                  </a:extLst>
+                </a:hlinkClick>
+              </a:rPr>
+              <a:t>Sunasra</a:t>
+            </a:r>
+            <a:r>
+              <a:rPr lang="en-IN" sz="2000" b="0" i="0" dirty="0">
+                <a:effectLst/>
+                <a:latin typeface="Times New Roman" panose="02020603050405020304" pitchFamily="18" charset="0"/>
+                <a:cs typeface="Times New Roman" panose="02020603050405020304" pitchFamily="18" charset="0"/>
+                <a:hlinkClick r:id="rId2">
+                  <a:extLst>
+                    <a:ext uri="{A12FA001-AC4F-418D-AE19-62706E023703}">
+                      <ahyp:hlinkClr xmlns:ahyp="http://schemas.microsoft.com/office/drawing/2018/hyperlinkcolor" val="tx"/>
+                    </a:ext>
+                  </a:extLst>
+                </a:hlinkClick>
+              </a:rPr>
+              <a:t>, and Renuka Nagpure. </a:t>
+            </a:r>
+            <a:r>
+              <a:rPr lang="en-IN" sz="2000" b="1" i="0" dirty="0">
+                <a:effectLst/>
+                <a:latin typeface="Times New Roman" panose="02020603050405020304" pitchFamily="18" charset="0"/>
+                <a:cs typeface="Times New Roman" panose="02020603050405020304" pitchFamily="18" charset="0"/>
+                <a:hlinkClick r:id="rId2">
+                  <a:extLst>
+                    <a:ext uri="{A12FA001-AC4F-418D-AE19-62706E023703}">
+                      <ahyp:hlinkClr xmlns:ahyp="http://schemas.microsoft.com/office/drawing/2018/hyperlinkcolor" val="tx"/>
+                    </a:ext>
+                  </a:extLst>
+                </a:hlinkClick>
+              </a:rPr>
+              <a:t>"Automatic timetable generation using genetic algorithm." </a:t>
+            </a:r>
+            <a:r>
+              <a:rPr lang="en-IN" sz="2000" b="0" i="1" dirty="0">
+                <a:effectLst/>
+                <a:latin typeface="Times New Roman" panose="02020603050405020304" pitchFamily="18" charset="0"/>
+                <a:cs typeface="Times New Roman" panose="02020603050405020304" pitchFamily="18" charset="0"/>
+                <a:hlinkClick r:id="rId2">
+                  <a:extLst>
+                    <a:ext uri="{A12FA001-AC4F-418D-AE19-62706E023703}">
+                      <ahyp:hlinkClr xmlns:ahyp="http://schemas.microsoft.com/office/drawing/2018/hyperlinkcolor" val="tx"/>
+                    </a:ext>
+                  </a:extLst>
+                </a:hlinkClick>
+              </a:rPr>
+              <a:t>International Journal of Advanced Research in Computer and Communication Engineering</a:t>
+            </a:r>
+            <a:r>
+              <a:rPr lang="en-IN" sz="2000" b="0" i="0" dirty="0">
+                <a:effectLst/>
+                <a:latin typeface="Times New Roman" panose="02020603050405020304" pitchFamily="18" charset="0"/>
+                <a:cs typeface="Times New Roman" panose="02020603050405020304" pitchFamily="18" charset="0"/>
+                <a:hlinkClick r:id="rId2">
+                  <a:extLst>
+                    <a:ext uri="{A12FA001-AC4F-418D-AE19-62706E023703}">
+                      <ahyp:hlinkClr xmlns:ahyp="http://schemas.microsoft.com/office/drawing/2018/hyperlinkcolor" val="tx"/>
+                    </a:ext>
+                  </a:extLst>
+                </a:hlinkClick>
+              </a:rPr>
+              <a:t> 4, no. 2 (2015): 245-248.</a:t>
+            </a:r>
+            <a:endParaRPr lang="en-IN" sz="2000" b="0" i="0" dirty="0">
+              <a:effectLst/>
+              <a:latin typeface="Times New Roman" panose="02020603050405020304" pitchFamily="18" charset="0"/>
+              <a:cs typeface="Times New Roman" panose="02020603050405020304" pitchFamily="18" charset="0"/>
+            </a:endParaRPr>
+          </a:p>
+          <a:p>
+            <a:pPr algn="just"/>
+            <a:endParaRPr lang="en-IN" sz="2000" b="0" i="0" dirty="0">
+              <a:effectLst/>
+              <a:latin typeface="Times New Roman" panose="02020603050405020304" pitchFamily="18" charset="0"/>
+              <a:cs typeface="Times New Roman" panose="02020603050405020304" pitchFamily="18" charset="0"/>
+            </a:endParaRPr>
+          </a:p>
+          <a:p>
+            <a:pPr algn="just"/>
+            <a:r>
+              <a:rPr lang="en-IN" sz="2000" b="0" i="0" dirty="0">
+                <a:effectLst/>
+                <a:latin typeface="Times New Roman" panose="02020603050405020304" pitchFamily="18" charset="0"/>
+                <a:cs typeface="Times New Roman" panose="02020603050405020304" pitchFamily="18" charset="0"/>
+                <a:hlinkClick r:id="rId3">
+                  <a:extLst>
+                    <a:ext uri="{A12FA001-AC4F-418D-AE19-62706E023703}">
+                      <ahyp:hlinkClr xmlns:ahyp="http://schemas.microsoft.com/office/drawing/2018/hyperlinkcolor" val="tx"/>
+                    </a:ext>
+                  </a:extLst>
+                </a:hlinkClick>
+              </a:rPr>
+              <a:t>Abdelhalim, Esraa A., and Ghada A. El Khayat. </a:t>
+            </a:r>
+            <a:r>
+              <a:rPr lang="en-IN" sz="2000" b="1" i="0" dirty="0">
+                <a:effectLst/>
+                <a:latin typeface="Times New Roman" panose="02020603050405020304" pitchFamily="18" charset="0"/>
+                <a:cs typeface="Times New Roman" panose="02020603050405020304" pitchFamily="18" charset="0"/>
+                <a:hlinkClick r:id="rId3">
+                  <a:extLst>
+                    <a:ext uri="{A12FA001-AC4F-418D-AE19-62706E023703}">
+                      <ahyp:hlinkClr xmlns:ahyp="http://schemas.microsoft.com/office/drawing/2018/hyperlinkcolor" val="tx"/>
+                    </a:ext>
+                  </a:extLst>
+                </a:hlinkClick>
+              </a:rPr>
+              <a:t>"A utilization-based genetic algorithm for solving the university timetabling problem (UGA)." </a:t>
+            </a:r>
+            <a:r>
+              <a:rPr lang="en-IN" sz="2000" b="0" i="1" dirty="0">
+                <a:effectLst/>
+                <a:latin typeface="Times New Roman" panose="02020603050405020304" pitchFamily="18" charset="0"/>
+                <a:cs typeface="Times New Roman" panose="02020603050405020304" pitchFamily="18" charset="0"/>
+                <a:hlinkClick r:id="rId3">
+                  <a:extLst>
+                    <a:ext uri="{A12FA001-AC4F-418D-AE19-62706E023703}">
+                      <ahyp:hlinkClr xmlns:ahyp="http://schemas.microsoft.com/office/drawing/2018/hyperlinkcolor" val="tx"/>
+                    </a:ext>
+                  </a:extLst>
+                </a:hlinkClick>
+              </a:rPr>
+              <a:t>Alexandria Engineering Journal</a:t>
+            </a:r>
+            <a:r>
+              <a:rPr lang="en-IN" sz="2000" b="0" i="0" dirty="0">
+                <a:effectLst/>
+                <a:latin typeface="Times New Roman" panose="02020603050405020304" pitchFamily="18" charset="0"/>
+                <a:cs typeface="Times New Roman" panose="02020603050405020304" pitchFamily="18" charset="0"/>
+                <a:hlinkClick r:id="rId3">
+                  <a:extLst>
+                    <a:ext uri="{A12FA001-AC4F-418D-AE19-62706E023703}">
+                      <ahyp:hlinkClr xmlns:ahyp="http://schemas.microsoft.com/office/drawing/2018/hyperlinkcolor" val="tx"/>
+                    </a:ext>
+                  </a:extLst>
+                </a:hlinkClick>
+              </a:rPr>
+              <a:t> 55, no. 2 (2016): 1395-1409.</a:t>
+            </a:r>
+            <a:endParaRPr lang="en-IN" sz="2000" b="0" i="0" dirty="0">
+              <a:effectLst/>
+              <a:latin typeface="Times New Roman" panose="02020603050405020304" pitchFamily="18" charset="0"/>
+              <a:cs typeface="Times New Roman" panose="02020603050405020304" pitchFamily="18" charset="0"/>
+            </a:endParaRPr>
+          </a:p>
+          <a:p>
+            <a:pPr algn="just"/>
+            <a:endParaRPr lang="en-IN" sz="2000" b="0" i="0" dirty="0">
+              <a:effectLst/>
+              <a:latin typeface="Times New Roman" panose="02020603050405020304" pitchFamily="18" charset="0"/>
+              <a:cs typeface="Times New Roman" panose="02020603050405020304" pitchFamily="18" charset="0"/>
+            </a:endParaRPr>
+          </a:p>
+          <a:p>
+            <a:pPr algn="just"/>
+            <a:r>
+              <a:rPr lang="en-IN" sz="2000" b="0" i="0" dirty="0">
+                <a:effectLst/>
+                <a:latin typeface="Times New Roman" panose="02020603050405020304" pitchFamily="18" charset="0"/>
+                <a:cs typeface="Times New Roman" panose="02020603050405020304" pitchFamily="18" charset="0"/>
+                <a:hlinkClick r:id="rId4">
+                  <a:extLst>
+                    <a:ext uri="{A12FA001-AC4F-418D-AE19-62706E023703}">
+                      <ahyp:hlinkClr xmlns:ahyp="http://schemas.microsoft.com/office/drawing/2018/hyperlinkcolor" val="tx"/>
+                    </a:ext>
+                  </a:extLst>
+                </a:hlinkClick>
+              </a:rPr>
+              <a:t>Prabhakaran, Bhavadharani </a:t>
+            </a:r>
+            <a:r>
+              <a:rPr lang="en-IN" sz="2000" b="0" i="0" dirty="0" err="1">
+                <a:effectLst/>
+                <a:latin typeface="Times New Roman" panose="02020603050405020304" pitchFamily="18" charset="0"/>
+                <a:cs typeface="Times New Roman" panose="02020603050405020304" pitchFamily="18" charset="0"/>
+                <a:hlinkClick r:id="rId4">
+                  <a:extLst>
+                    <a:ext uri="{A12FA001-AC4F-418D-AE19-62706E023703}">
+                      <ahyp:hlinkClr xmlns:ahyp="http://schemas.microsoft.com/office/drawing/2018/hyperlinkcolor" val="tx"/>
+                    </a:ext>
+                  </a:extLst>
+                </a:hlinkClick>
+              </a:rPr>
+              <a:t>Swaminadhan</a:t>
+            </a:r>
+            <a:r>
+              <a:rPr lang="en-IN" sz="2000" b="0" i="0" dirty="0">
+                <a:effectLst/>
+                <a:latin typeface="Times New Roman" panose="02020603050405020304" pitchFamily="18" charset="0"/>
+                <a:cs typeface="Times New Roman" panose="02020603050405020304" pitchFamily="18" charset="0"/>
+                <a:hlinkClick r:id="rId4">
+                  <a:extLst>
+                    <a:ext uri="{A12FA001-AC4F-418D-AE19-62706E023703}">
+                      <ahyp:hlinkClr xmlns:ahyp="http://schemas.microsoft.com/office/drawing/2018/hyperlinkcolor" val="tx"/>
+                    </a:ext>
+                  </a:extLst>
+                </a:hlinkClick>
+              </a:rPr>
+              <a:t>, Maheswari Shanmugam, Chaaru </a:t>
+            </a:r>
+            <a:r>
+              <a:rPr lang="en-IN" sz="2000" b="0" i="0" dirty="0" err="1">
+                <a:effectLst/>
+                <a:latin typeface="Times New Roman" panose="02020603050405020304" pitchFamily="18" charset="0"/>
+                <a:cs typeface="Times New Roman" panose="02020603050405020304" pitchFamily="18" charset="0"/>
+                <a:hlinkClick r:id="rId4">
+                  <a:extLst>
+                    <a:ext uri="{A12FA001-AC4F-418D-AE19-62706E023703}">
+                      <ahyp:hlinkClr xmlns:ahyp="http://schemas.microsoft.com/office/drawing/2018/hyperlinkcolor" val="tx"/>
+                    </a:ext>
+                  </a:extLst>
+                </a:hlinkClick>
+              </a:rPr>
+              <a:t>Bhala</a:t>
+            </a:r>
+            <a:r>
+              <a:rPr lang="en-IN" sz="2000" b="0" i="0" dirty="0">
+                <a:effectLst/>
+                <a:latin typeface="Times New Roman" panose="02020603050405020304" pitchFamily="18" charset="0"/>
+                <a:cs typeface="Times New Roman" panose="02020603050405020304" pitchFamily="18" charset="0"/>
+                <a:hlinkClick r:id="rId4">
+                  <a:extLst>
+                    <a:ext uri="{A12FA001-AC4F-418D-AE19-62706E023703}">
+                      <ahyp:hlinkClr xmlns:ahyp="http://schemas.microsoft.com/office/drawing/2018/hyperlinkcolor" val="tx"/>
+                    </a:ext>
+                  </a:extLst>
+                </a:hlinkClick>
+              </a:rPr>
+              <a:t> Karunakaran, Bhumika Murugesan, and </a:t>
+            </a:r>
+            <a:r>
+              <a:rPr lang="en-IN" sz="2000" b="0" i="0" dirty="0" err="1">
+                <a:effectLst/>
+                <a:latin typeface="Times New Roman" panose="02020603050405020304" pitchFamily="18" charset="0"/>
+                <a:cs typeface="Times New Roman" panose="02020603050405020304" pitchFamily="18" charset="0"/>
+                <a:hlinkClick r:id="rId4">
+                  <a:extLst>
+                    <a:ext uri="{A12FA001-AC4F-418D-AE19-62706E023703}">
+                      <ahyp:hlinkClr xmlns:ahyp="http://schemas.microsoft.com/office/drawing/2018/hyperlinkcolor" val="tx"/>
+                    </a:ext>
+                  </a:extLst>
+                </a:hlinkClick>
+              </a:rPr>
+              <a:t>Deepalakshmi</a:t>
+            </a:r>
+            <a:r>
+              <a:rPr lang="en-IN" sz="2000" b="0" i="0" dirty="0">
+                <a:effectLst/>
+                <a:latin typeface="Times New Roman" panose="02020603050405020304" pitchFamily="18" charset="0"/>
+                <a:cs typeface="Times New Roman" panose="02020603050405020304" pitchFamily="18" charset="0"/>
+                <a:hlinkClick r:id="rId4">
+                  <a:extLst>
+                    <a:ext uri="{A12FA001-AC4F-418D-AE19-62706E023703}">
+                      <ahyp:hlinkClr xmlns:ahyp="http://schemas.microsoft.com/office/drawing/2018/hyperlinkcolor" val="tx"/>
+                    </a:ext>
+                  </a:extLst>
+                </a:hlinkClick>
+              </a:rPr>
+              <a:t> Manimaran. </a:t>
+            </a:r>
+            <a:r>
+              <a:rPr lang="en-IN" sz="2000" b="1" i="0" dirty="0">
+                <a:effectLst/>
+                <a:latin typeface="Times New Roman" panose="02020603050405020304" pitchFamily="18" charset="0"/>
+                <a:cs typeface="Times New Roman" panose="02020603050405020304" pitchFamily="18" charset="0"/>
+                <a:hlinkClick r:id="rId4">
+                  <a:extLst>
+                    <a:ext uri="{A12FA001-AC4F-418D-AE19-62706E023703}">
+                      <ahyp:hlinkClr xmlns:ahyp="http://schemas.microsoft.com/office/drawing/2018/hyperlinkcolor" val="tx"/>
+                    </a:ext>
+                  </a:extLst>
+                </a:hlinkClick>
+              </a:rPr>
+              <a:t>"Automatic Timetable Generator Using Genetic Algorithm."</a:t>
+            </a:r>
+            <a:r>
+              <a:rPr lang="en-IN" sz="2000" b="0" i="0" dirty="0">
+                <a:effectLst/>
+                <a:latin typeface="Times New Roman" panose="02020603050405020304" pitchFamily="18" charset="0"/>
+                <a:cs typeface="Times New Roman" panose="02020603050405020304" pitchFamily="18" charset="0"/>
+                <a:hlinkClick r:id="rId4">
+                  <a:extLst>
+                    <a:ext uri="{A12FA001-AC4F-418D-AE19-62706E023703}">
+                      <ahyp:hlinkClr xmlns:ahyp="http://schemas.microsoft.com/office/drawing/2018/hyperlinkcolor" val="tx"/>
+                    </a:ext>
+                  </a:extLst>
+                </a:hlinkClick>
+              </a:rPr>
+              <a:t> In </a:t>
+            </a:r>
+            <a:r>
+              <a:rPr lang="en-IN" sz="2000" b="0" i="1" dirty="0">
+                <a:effectLst/>
+                <a:latin typeface="Times New Roman" panose="02020603050405020304" pitchFamily="18" charset="0"/>
+                <a:cs typeface="Times New Roman" panose="02020603050405020304" pitchFamily="18" charset="0"/>
+                <a:hlinkClick r:id="rId4">
+                  <a:extLst>
+                    <a:ext uri="{A12FA001-AC4F-418D-AE19-62706E023703}">
+                      <ahyp:hlinkClr xmlns:ahyp="http://schemas.microsoft.com/office/drawing/2018/hyperlinkcolor" val="tx"/>
+                    </a:ext>
+                  </a:extLst>
+                </a:hlinkClick>
+              </a:rPr>
+              <a:t>6th International Conference on Intelligent Computing (ICIC-6 2023)</a:t>
+            </a:r>
+            <a:r>
+              <a:rPr lang="en-IN" sz="2000" b="0" i="0" dirty="0">
+                <a:effectLst/>
+                <a:latin typeface="Times New Roman" panose="02020603050405020304" pitchFamily="18" charset="0"/>
+                <a:cs typeface="Times New Roman" panose="02020603050405020304" pitchFamily="18" charset="0"/>
+                <a:hlinkClick r:id="rId4">
+                  <a:extLst>
+                    <a:ext uri="{A12FA001-AC4F-418D-AE19-62706E023703}">
+                      <ahyp:hlinkClr xmlns:ahyp="http://schemas.microsoft.com/office/drawing/2018/hyperlinkcolor" val="tx"/>
+                    </a:ext>
+                  </a:extLst>
+                </a:hlinkClick>
+              </a:rPr>
+              <a:t>, pp. 84-89. Atlantis Press, 2023.</a:t>
+            </a:r>
+            <a:endParaRPr lang="en-US" sz="2000" dirty="0">
+              <a:latin typeface="Times New Roman" panose="02020603050405020304" pitchFamily="18" charset="0"/>
+              <a:cs typeface="Times New Roman" panose="02020603050405020304" pitchFamily="18" charset="0"/>
+            </a:endParaRPr>
+          </a:p>
+        </p:txBody>
+      </p:sp>
+      <p:sp>
+        <p:nvSpPr>
+          <p:cNvPr id="8" name="Slide Number Placeholder 7">
+            <a:extLst>
+              <a:ext uri="{FF2B5EF4-FFF2-40B4-BE49-F238E27FC236}">
+                <a16:creationId xmlns:a16="http://schemas.microsoft.com/office/drawing/2014/main" id="{B35EB4B4-8B7F-F287-43E4-8BF4CFFA97DC}"/>
+              </a:ext>
+            </a:extLst>
+          </p:cNvPr>
+          <p:cNvSpPr>
+            <a:spLocks noGrp="1"/>
+          </p:cNvSpPr>
+          <p:nvPr>
+            <p:ph type="sldNum" sz="quarter" idx="12"/>
+          </p:nvPr>
+        </p:nvSpPr>
+        <p:spPr/>
+        <p:txBody>
+          <a:bodyPr/>
+          <a:lstStyle/>
+          <a:p>
+            <a:fld id="{D19EB42E-18EF-4ADA-8D91-F15AD1AFC8DD}" type="slidenum">
+              <a:rPr lang="en-IN" smtClean="0">
+                <a:latin typeface="Times New Roman" panose="02020603050405020304" pitchFamily="18" charset="0"/>
+                <a:cs typeface="Times New Roman" panose="02020603050405020304" pitchFamily="18" charset="0"/>
+              </a:rPr>
+              <a:t>10</a:t>
+            </a:fld>
+            <a:endParaRPr lang="en-IN" dirty="0">
+              <a:latin typeface="Times New Roman" panose="02020603050405020304" pitchFamily="18" charset="0"/>
+              <a:cs typeface="Times New Roman" panose="02020603050405020304" pitchFamily="18" charset="0"/>
+            </a:endParaRPr>
+          </a:p>
+        </p:txBody>
+      </p:sp>
+    </p:spTree>
+    <p:extLst>
+      <p:ext uri="{BB962C8B-B14F-4D97-AF65-F5344CB8AC3E}">
+        <p14:creationId xmlns:p14="http://schemas.microsoft.com/office/powerpoint/2010/main" val="3147679759"/>
+      </p:ext>
+    </p:extLst>
+  </p:cSld>
+  <p:clrMapOvr>
+    <a:masterClrMapping/>
+  </p:clrMapOvr>
+</p:sld>
+</file>
+
 <file path=ppt/slides/slide2.xml><?xml version="1.0" encoding="utf-8"?>
 <p:sld xmlns:a="http://schemas.openxmlformats.org/drawingml/2006/main" xmlns:r="http://schemas.openxmlformats.org/officeDocument/2006/relationships" xmlns:p="http://schemas.openxmlformats.org/presentationml/2006/main">
   <p:cSld>
@@ -5043,14 +5541,42 @@
         <p:spPr>
           <a:xfrm>
             <a:off x="548832" y="1737771"/>
-            <a:ext cx="11094336" cy="2356480"/>
+            <a:ext cx="11181052" cy="3483158"/>
           </a:xfrm>
         </p:spPr>
         <p:txBody>
           <a:bodyPr>
-            <a:normAutofit/>
+            <a:normAutofit fontScale="85000" lnSpcReduction="10000"/>
           </a:bodyPr>
           <a:lstStyle/>
+          <a:p>
+            <a:pPr algn="just">
+              <a:lnSpc>
+                <a:spcPct val="160000"/>
+              </a:lnSpc>
+            </a:pPr>
+            <a:r>
+              <a:rPr lang="en-US" dirty="0">
+                <a:latin typeface="Times New Roman" panose="02020603050405020304" pitchFamily="18" charset="0"/>
+                <a:cs typeface="Times New Roman" panose="02020603050405020304" pitchFamily="18" charset="0"/>
+              </a:rPr>
+              <a:t>Timetable scheduling is an NP-Hard combinatorial optimization problem faced by educational institutions. The challenge involves allocating courses, instructors, students, and classrooms to specific time slots while adhering to multiple constraints.</a:t>
+            </a:r>
+          </a:p>
+          <a:p>
+            <a:pPr algn="just">
+              <a:lnSpc>
+                <a:spcPct val="160000"/>
+              </a:lnSpc>
+            </a:pPr>
+            <a:r>
+              <a:rPr lang="en-US" dirty="0">
+                <a:latin typeface="Times New Roman" panose="02020603050405020304" pitchFamily="18" charset="0"/>
+                <a:cs typeface="Times New Roman" panose="02020603050405020304" pitchFamily="18" charset="0"/>
+              </a:rPr>
+              <a:t> The traditional manual approach to timetable generation is time-consuming, error-prone, and often leads to scheduling conflicts.</a:t>
+            </a:r>
+          </a:p>
           <a:p>
             <a:pPr algn="just">
               <a:lnSpc>
@@ -5201,6 +5727,20 @@
                 <a:spcPct val="150000"/>
               </a:lnSpc>
             </a:pPr>
+            <a:r>
+              <a:rPr lang="en-IN" sz="2400" dirty="0">
+                <a:latin typeface="Times New Roman" panose="02020603050405020304" pitchFamily="18" charset="0"/>
+                <a:cs typeface="Times New Roman" panose="02020603050405020304" pitchFamily="18" charset="0"/>
+              </a:rPr>
+              <a:t>Timetables are manually created by coordinators, requiring significant time and effort to ensure proper scheduling. Coordinators must carefully analyse multiple factors to prevent conflicts such as overlapping lectures, faculty unavailability and limited classroom resources, making the process prone to errors.</a:t>
+            </a:r>
+          </a:p>
+          <a:p>
+            <a:pPr>
+              <a:lnSpc>
+                <a:spcPct val="150000"/>
+              </a:lnSpc>
+            </a:pPr>
             <a:endParaRPr lang="en-IN" sz="2400" dirty="0">
               <a:latin typeface="Times New Roman" panose="02020603050405020304" pitchFamily="18" charset="0"/>
               <a:cs typeface="Times New Roman" panose="02020603050405020304" pitchFamily="18" charset="0"/>
@@ -5344,6 +5884,63 @@
               <a:lnSpc>
                 <a:spcPct val="150000"/>
               </a:lnSpc>
+              <a:buNone/>
+            </a:pPr>
+            <a:r>
+              <a:rPr lang="en-US" sz="2400" dirty="0">
+                <a:latin typeface="Times New Roman" panose="02020603050405020304" pitchFamily="18" charset="0"/>
+                <a:cs typeface="Times New Roman" panose="02020603050405020304" pitchFamily="18" charset="0"/>
+              </a:rPr>
+              <a:t>The proposed solution utilizes a Genetic Algorithm (GA) for automatic timetable generation. GA mimics natural selection principles to evolve an optimal timetable by iteratively improving solution. This method ensures:</a:t>
+            </a:r>
+          </a:p>
+          <a:p>
+            <a:pPr lvl="1" algn="just">
+              <a:lnSpc>
+                <a:spcPct val="150000"/>
+              </a:lnSpc>
+            </a:pPr>
+            <a:r>
+              <a:rPr lang="en-US" dirty="0">
+                <a:latin typeface="Times New Roman" panose="02020603050405020304" pitchFamily="18" charset="0"/>
+                <a:cs typeface="Times New Roman" panose="02020603050405020304" pitchFamily="18" charset="0"/>
+              </a:rPr>
+              <a:t>Minimized timetable conflicts.</a:t>
+            </a:r>
+          </a:p>
+          <a:p>
+            <a:pPr lvl="1" algn="just">
+              <a:lnSpc>
+                <a:spcPct val="150000"/>
+              </a:lnSpc>
+            </a:pPr>
+            <a:r>
+              <a:rPr lang="en-US" dirty="0">
+                <a:latin typeface="Times New Roman" panose="02020603050405020304" pitchFamily="18" charset="0"/>
+                <a:cs typeface="Times New Roman" panose="02020603050405020304" pitchFamily="18" charset="0"/>
+              </a:rPr>
+              <a:t>Optimal utilization of resources (classrooms, faculty, and time slots).</a:t>
+            </a:r>
+          </a:p>
+          <a:p>
+            <a:pPr lvl="1" algn="just">
+              <a:lnSpc>
+                <a:spcPct val="150000"/>
+              </a:lnSpc>
+            </a:pPr>
+            <a:r>
+              <a:rPr lang="en-US" dirty="0">
+                <a:latin typeface="Times New Roman" panose="02020603050405020304" pitchFamily="18" charset="0"/>
+                <a:cs typeface="Times New Roman" panose="02020603050405020304" pitchFamily="18" charset="0"/>
+              </a:rPr>
+              <a:t>Reduction in human intervention and errors.</a:t>
+            </a:r>
+          </a:p>
+          <a:p>
+            <a:pPr algn="just">
+              <a:lnSpc>
+                <a:spcPct val="150000"/>
+              </a:lnSpc>
             </a:pPr>
             <a:endParaRPr lang="en-IN" sz="2400" dirty="0">
               <a:latin typeface="Times New Roman" panose="02020603050405020304" pitchFamily="18" charset="0"/>
@@ -5622,7 +6219,7 @@
                 <a:latin typeface="Times New Roman" panose="02020603050405020304" pitchFamily="18" charset="0"/>
                 <a:cs typeface="Times New Roman" panose="02020603050405020304" pitchFamily="18" charset="0"/>
               </a:rPr>
-              <a:t>Identifying the requirements of the Certificate generation process.</a:t>
+              <a:t>Identifying the requirements of the institution.</a:t>
             </a:r>
           </a:p>
           <a:p>
@@ -5632,7 +6229,7 @@
                 <a:latin typeface="Times New Roman" panose="02020603050405020304" pitchFamily="18" charset="0"/>
                 <a:cs typeface="Times New Roman" panose="02020603050405020304" pitchFamily="18" charset="0"/>
               </a:rPr>
-              <a:t>Details about the events, workshops or conferences.</a:t>
+              <a:t>Details about the Faculty, Courses, Classes, Classrooms, Labs.</a:t>
             </a:r>
           </a:p>
           <a:p>
@@ -5642,7 +6239,7 @@
                 <a:latin typeface="Times New Roman" panose="02020603050405020304" pitchFamily="18" charset="0"/>
                 <a:cs typeface="Times New Roman" panose="02020603050405020304" pitchFamily="18" charset="0"/>
               </a:rPr>
-              <a:t>Customization of templates as per the event requirements. </a:t>
+              <a:t>Customization of timetable as per the requirements. </a:t>
             </a:r>
           </a:p>
           <a:p>
@@ -5752,17 +6349,46 @@
                 <a:latin typeface="Times New Roman" panose="02020603050405020304" pitchFamily="18" charset="0"/>
                 <a:cs typeface="Times New Roman" panose="02020603050405020304" pitchFamily="18" charset="0"/>
               </a:rPr>
-              <a:t>Methodology</a:t>
-            </a:r>
+              <a:t>Flow Chart</a:t>
+            </a:r>
+          </a:p>
+        </p:txBody>
+      </p:sp>
+      <p:sp>
+        <p:nvSpPr>
+          <p:cNvPr id="8" name="Slide Number Placeholder 7">
+            <a:extLst>
+              <a:ext uri="{FF2B5EF4-FFF2-40B4-BE49-F238E27FC236}">
+                <a16:creationId xmlns:a16="http://schemas.microsoft.com/office/drawing/2014/main" id="{6CBD0871-B522-D837-0C12-CC593055CE70}"/>
+              </a:ext>
+            </a:extLst>
+          </p:cNvPr>
+          <p:cNvSpPr>
+            <a:spLocks noGrp="1"/>
+          </p:cNvSpPr>
+          <p:nvPr>
+            <p:ph type="sldNum" sz="quarter" idx="12"/>
+          </p:nvPr>
+        </p:nvSpPr>
+        <p:spPr/>
+        <p:txBody>
+          <a:bodyPr/>
+          <a:lstStyle/>
+          <a:p>
+            <a:fld id="{D19EB42E-18EF-4ADA-8D91-F15AD1AFC8DD}" type="slidenum">
+              <a:rPr lang="en-IN" smtClean="0"/>
+              <a:t>6</a:t>
+            </a:fld>
+            <a:endParaRPr lang="en-IN"/>
           </a:p>
         </p:txBody>
       </p:sp>
       <p:pic>
         <p:nvPicPr>
-          <p:cNvPr id="7" name="Picture 6">
+          <p:cNvPr id="3" name="Picture 2">
             <a:extLst>
               <a:ext uri="{FF2B5EF4-FFF2-40B4-BE49-F238E27FC236}">
-                <a16:creationId xmlns:a16="http://schemas.microsoft.com/office/drawing/2014/main" id="{CCE84FB3-F69B-C330-9A3C-5EB81059A27F}"/>
+                <a16:creationId xmlns:a16="http://schemas.microsoft.com/office/drawing/2014/main" id="{87C33F19-CCBE-AE8D-168A-079A8BEAAA1D}"/>
               </a:ext>
             </a:extLst>
           </p:cNvPr>
@@ -5785,43 +6411,14 @@
         </p:blipFill>
         <p:spPr>
           <a:xfrm>
-            <a:off x="1769078" y="948314"/>
-            <a:ext cx="8404320" cy="5909685"/>
+            <a:off x="4024311" y="1242085"/>
+            <a:ext cx="3451309" cy="5395150"/>
           </a:xfrm>
           <a:prstGeom prst="rect">
             <a:avLst/>
           </a:prstGeom>
         </p:spPr>
       </p:pic>
-      <p:sp>
-        <p:nvSpPr>
-          <p:cNvPr id="8" name="Slide Number Placeholder 7">
-            <a:extLst>
-              <a:ext uri="{FF2B5EF4-FFF2-40B4-BE49-F238E27FC236}">
-                <a16:creationId xmlns:a16="http://schemas.microsoft.com/office/drawing/2014/main" id="{6CBD0871-B522-D837-0C12-CC593055CE70}"/>
-              </a:ext>
-            </a:extLst>
-          </p:cNvPr>
-          <p:cNvSpPr>
-            <a:spLocks noGrp="1"/>
-          </p:cNvSpPr>
-          <p:nvPr>
-            <p:ph type="sldNum" sz="quarter" idx="12"/>
-          </p:nvPr>
-        </p:nvSpPr>
-        <p:spPr/>
-        <p:txBody>
-          <a:bodyPr/>
-          <a:lstStyle/>
-          <a:p>
-            <a:fld id="{D19EB42E-18EF-4ADA-8D91-F15AD1AFC8DD}" type="slidenum">
-              <a:rPr lang="en-IN" smtClean="0"/>
-              <a:t>6</a:t>
-            </a:fld>
-            <a:endParaRPr lang="en-IN"/>
-          </a:p>
-        </p:txBody>
-      </p:sp>
     </p:spTree>
     <p:extLst>
       <p:ext uri="{BB962C8B-B14F-4D97-AF65-F5344CB8AC3E}">
@@ -5854,223 +6451,10 @@
       </p:grpSpPr>
       <p:sp>
         <p:nvSpPr>
-          <p:cNvPr id="2" name="Title 1">
+          <p:cNvPr id="4" name="Slide Number Placeholder 3">
             <a:extLst>
               <a:ext uri="{FF2B5EF4-FFF2-40B4-BE49-F238E27FC236}">
-                <a16:creationId xmlns:a16="http://schemas.microsoft.com/office/drawing/2014/main" id="{CC3C47C7-228C-0586-A0DB-47FFEE638757}"/>
-              </a:ext>
-            </a:extLst>
-          </p:cNvPr>
-          <p:cNvSpPr>
-            <a:spLocks noGrp="1"/>
-          </p:cNvSpPr>
-          <p:nvPr>
-            <p:ph type="title"/>
-          </p:nvPr>
-        </p:nvSpPr>
-        <p:spPr>
-          <a:xfrm>
-            <a:off x="548833" y="399849"/>
-            <a:ext cx="10515600" cy="1325563"/>
-          </a:xfrm>
-        </p:spPr>
-        <p:txBody>
-          <a:bodyPr/>
-          <a:lstStyle/>
-          <a:p>
-            <a:pPr marL="571500" indent="-571500">
-              <a:buFont typeface="Wingdings" panose="05000000000000000000" pitchFamily="2" charset="2"/>
-              <a:buChar char="Ø"/>
-            </a:pPr>
-            <a:r>
-              <a:rPr lang="en-US" dirty="0">
-                <a:solidFill>
-                  <a:schemeClr val="accent1">
-                    <a:lumMod val="75000"/>
-                  </a:schemeClr>
-                </a:solidFill>
-                <a:latin typeface="Times New Roman" panose="02020603050405020304" pitchFamily="18" charset="0"/>
-                <a:cs typeface="Times New Roman" panose="02020603050405020304" pitchFamily="18" charset="0"/>
-              </a:rPr>
-              <a:t>Methodology</a:t>
-            </a:r>
-            <a:endParaRPr lang="en-IN" dirty="0">
-              <a:solidFill>
-                <a:schemeClr val="accent1">
-                  <a:lumMod val="75000"/>
-                </a:schemeClr>
-              </a:solidFill>
-              <a:latin typeface="Times New Roman" panose="02020603050405020304" pitchFamily="18" charset="0"/>
-              <a:cs typeface="Times New Roman" panose="02020603050405020304" pitchFamily="18" charset="0"/>
-            </a:endParaRPr>
-          </a:p>
-        </p:txBody>
-      </p:sp>
-      <p:sp>
-        <p:nvSpPr>
-          <p:cNvPr id="3" name="Content Placeholder 2">
-            <a:extLst>
-              <a:ext uri="{FF2B5EF4-FFF2-40B4-BE49-F238E27FC236}">
-                <a16:creationId xmlns:a16="http://schemas.microsoft.com/office/drawing/2014/main" id="{C950621D-BE4A-93C6-9FA2-B5DFCA8A0C98}"/>
-              </a:ext>
-            </a:extLst>
-          </p:cNvPr>
-          <p:cNvSpPr>
-            <a:spLocks noGrp="1"/>
-          </p:cNvSpPr>
-          <p:nvPr>
-            <p:ph idx="1"/>
-          </p:nvPr>
-        </p:nvSpPr>
-        <p:spPr>
-          <a:xfrm>
-            <a:off x="548833" y="1725412"/>
-            <a:ext cx="10515600" cy="4351338"/>
-          </a:xfrm>
-        </p:spPr>
-        <p:txBody>
-          <a:bodyPr>
-            <a:noAutofit/>
-          </a:bodyPr>
-          <a:lstStyle/>
-          <a:p>
-            <a:pPr algn="just"/>
-            <a:r>
-              <a:rPr lang="en-US" sz="2400" b="1" dirty="0">
-                <a:latin typeface="Times New Roman" panose="02020603050405020304" pitchFamily="18" charset="0"/>
-                <a:cs typeface="Times New Roman" panose="02020603050405020304" pitchFamily="18" charset="0"/>
-              </a:rPr>
-              <a:t>Design and Development</a:t>
-            </a:r>
-            <a:r>
-              <a:rPr lang="en-US" sz="2400" dirty="0">
-                <a:latin typeface="Times New Roman" panose="02020603050405020304" pitchFamily="18" charset="0"/>
-                <a:cs typeface="Times New Roman" panose="02020603050405020304" pitchFamily="18" charset="0"/>
-              </a:rPr>
-              <a:t>:</a:t>
-            </a:r>
-          </a:p>
-          <a:p>
-            <a:pPr lvl="1" algn="just"/>
-            <a:r>
-              <a:rPr lang="en-US" dirty="0">
-                <a:latin typeface="Times New Roman" panose="02020603050405020304" pitchFamily="18" charset="0"/>
-                <a:cs typeface="Times New Roman" panose="02020603050405020304" pitchFamily="18" charset="0"/>
-              </a:rPr>
-              <a:t>User friendly interface for uploading PPT templates and CSV data.</a:t>
-            </a:r>
-          </a:p>
-          <a:p>
-            <a:pPr lvl="1" algn="just"/>
-            <a:r>
-              <a:rPr lang="en-US" dirty="0">
-                <a:latin typeface="Times New Roman" panose="02020603050405020304" pitchFamily="18" charset="0"/>
-                <a:cs typeface="Times New Roman" panose="02020603050405020304" pitchFamily="18" charset="0"/>
-              </a:rPr>
-              <a:t>Using basic HTML, CSS and Django and other </a:t>
-            </a:r>
-            <a:r>
-              <a:rPr lang="en-US" dirty="0" err="1">
-                <a:latin typeface="Times New Roman" panose="02020603050405020304" pitchFamily="18" charset="0"/>
-                <a:cs typeface="Times New Roman" panose="02020603050405020304" pitchFamily="18" charset="0"/>
-              </a:rPr>
-              <a:t>PyPi</a:t>
-            </a:r>
-            <a:r>
-              <a:rPr lang="en-US" dirty="0">
-                <a:latin typeface="Times New Roman" panose="02020603050405020304" pitchFamily="18" charset="0"/>
-                <a:cs typeface="Times New Roman" panose="02020603050405020304" pitchFamily="18" charset="0"/>
-              </a:rPr>
-              <a:t> libraries for development ( ppt2pdf, </a:t>
-            </a:r>
-            <a:r>
-              <a:rPr lang="en-US" dirty="0" err="1">
-                <a:latin typeface="Times New Roman" panose="02020603050405020304" pitchFamily="18" charset="0"/>
-                <a:cs typeface="Times New Roman" panose="02020603050405020304" pitchFamily="18" charset="0"/>
-              </a:rPr>
-              <a:t>pymail</a:t>
-            </a:r>
-            <a:r>
-              <a:rPr lang="en-US" dirty="0">
-                <a:latin typeface="Times New Roman" panose="02020603050405020304" pitchFamily="18" charset="0"/>
-                <a:cs typeface="Times New Roman" panose="02020603050405020304" pitchFamily="18" charset="0"/>
-              </a:rPr>
-              <a:t>, excel2csv, </a:t>
-            </a:r>
-            <a:r>
-              <a:rPr lang="en-US" dirty="0" err="1">
-                <a:latin typeface="Times New Roman" panose="02020603050405020304" pitchFamily="18" charset="0"/>
-                <a:cs typeface="Times New Roman" panose="02020603050405020304" pitchFamily="18" charset="0"/>
-              </a:rPr>
-              <a:t>etc</a:t>
-            </a:r>
-            <a:r>
-              <a:rPr lang="en-US" dirty="0">
-                <a:latin typeface="Times New Roman" panose="02020603050405020304" pitchFamily="18" charset="0"/>
-                <a:cs typeface="Times New Roman" panose="02020603050405020304" pitchFamily="18" charset="0"/>
-              </a:rPr>
-              <a:t> ).</a:t>
-            </a:r>
-          </a:p>
-          <a:p>
-            <a:pPr lvl="1" algn="just"/>
-            <a:r>
-              <a:rPr lang="en-US" dirty="0">
-                <a:latin typeface="Times New Roman" panose="02020603050405020304" pitchFamily="18" charset="0"/>
-                <a:cs typeface="Times New Roman" panose="02020603050405020304" pitchFamily="18" charset="0"/>
-              </a:rPr>
-              <a:t>Integration of Email for automated distribution(*Google Workspace Account).</a:t>
-            </a:r>
-          </a:p>
-          <a:p>
-            <a:pPr algn="just"/>
-            <a:r>
-              <a:rPr lang="en-US" sz="2400" b="1" dirty="0">
-                <a:latin typeface="Times New Roman" panose="02020603050405020304" pitchFamily="18" charset="0"/>
-                <a:cs typeface="Times New Roman" panose="02020603050405020304" pitchFamily="18" charset="0"/>
-              </a:rPr>
-              <a:t>Deployment</a:t>
-            </a:r>
-            <a:r>
-              <a:rPr lang="en-US" sz="2400" dirty="0">
-                <a:latin typeface="Times New Roman" panose="02020603050405020304" pitchFamily="18" charset="0"/>
-                <a:cs typeface="Times New Roman" panose="02020603050405020304" pitchFamily="18" charset="0"/>
-              </a:rPr>
-              <a:t>:</a:t>
-            </a:r>
-          </a:p>
-          <a:p>
-            <a:pPr lvl="1" algn="just"/>
-            <a:r>
-              <a:rPr lang="en-US" dirty="0">
-                <a:latin typeface="Times New Roman" panose="02020603050405020304" pitchFamily="18" charset="0"/>
-                <a:cs typeface="Times New Roman" panose="02020603050405020304" pitchFamily="18" charset="0"/>
-              </a:rPr>
-              <a:t>Deploying the System in the Server / Cloud platform (AWS or Google Cloud).</a:t>
-            </a:r>
-          </a:p>
-          <a:p>
-            <a:pPr lvl="1" algn="just"/>
-            <a:r>
-              <a:rPr lang="en-US" dirty="0">
-                <a:latin typeface="Times New Roman" panose="02020603050405020304" pitchFamily="18" charset="0"/>
-                <a:cs typeface="Times New Roman" panose="02020603050405020304" pitchFamily="18" charset="0"/>
-              </a:rPr>
-              <a:t>GitHub for managing the Code.</a:t>
-            </a:r>
-            <a:endParaRPr lang="en-IN" dirty="0">
-              <a:latin typeface="Times New Roman" panose="02020603050405020304" pitchFamily="18" charset="0"/>
-              <a:cs typeface="Times New Roman" panose="02020603050405020304" pitchFamily="18" charset="0"/>
-            </a:endParaRPr>
-          </a:p>
-        </p:txBody>
-      </p:sp>
-      <p:sp>
-        <p:nvSpPr>
-          <p:cNvPr id="8" name="Slide Number Placeholder 7">
-            <a:extLst>
-              <a:ext uri="{FF2B5EF4-FFF2-40B4-BE49-F238E27FC236}">
-                <a16:creationId xmlns:a16="http://schemas.microsoft.com/office/drawing/2014/main" id="{8653F594-5A14-BC95-78E4-2E32BD5CD09C}"/>
+                <a16:creationId xmlns:a16="http://schemas.microsoft.com/office/drawing/2014/main" id="{C708CAEA-E1CA-D7A9-8DB5-7DB344C8DAAB}"/>
               </a:ext>
             </a:extLst>
           </p:cNvPr>
@@ -6094,10 +6478,115 @@
           </a:p>
         </p:txBody>
       </p:sp>
+      <p:sp>
+        <p:nvSpPr>
+          <p:cNvPr id="7" name="Title 1">
+            <a:extLst>
+              <a:ext uri="{FF2B5EF4-FFF2-40B4-BE49-F238E27FC236}">
+                <a16:creationId xmlns:a16="http://schemas.microsoft.com/office/drawing/2014/main" id="{21A81E5F-386B-8A3E-A1CE-F413802A21FF}"/>
+              </a:ext>
+            </a:extLst>
+          </p:cNvPr>
+          <p:cNvSpPr>
+            <a:spLocks noGrp="1"/>
+          </p:cNvSpPr>
+          <p:nvPr>
+            <p:ph type="title"/>
+          </p:nvPr>
+        </p:nvSpPr>
+        <p:spPr>
+          <a:xfrm>
+            <a:off x="558664" y="-117988"/>
+            <a:ext cx="10515600" cy="1325563"/>
+          </a:xfrm>
+        </p:spPr>
+        <p:txBody>
+          <a:bodyPr/>
+          <a:lstStyle/>
+          <a:p>
+            <a:pPr marL="571500" indent="-571500">
+              <a:buFont typeface="Wingdings" panose="05000000000000000000" pitchFamily="2" charset="2"/>
+              <a:buChar char="Ø"/>
+            </a:pPr>
+            <a:r>
+              <a:rPr lang="en-US" dirty="0">
+                <a:solidFill>
+                  <a:schemeClr val="accent1">
+                    <a:lumMod val="75000"/>
+                  </a:schemeClr>
+                </a:solidFill>
+                <a:latin typeface="Times New Roman" panose="02020603050405020304" pitchFamily="18" charset="0"/>
+                <a:cs typeface="Times New Roman" panose="02020603050405020304" pitchFamily="18" charset="0"/>
+              </a:rPr>
+              <a:t>A</a:t>
+            </a:r>
+            <a:r>
+              <a:rPr lang="en-IN" dirty="0" err="1">
+                <a:solidFill>
+                  <a:schemeClr val="accent1">
+                    <a:lumMod val="75000"/>
+                  </a:schemeClr>
+                </a:solidFill>
+                <a:latin typeface="Times New Roman" panose="02020603050405020304" pitchFamily="18" charset="0"/>
+                <a:cs typeface="Times New Roman" panose="02020603050405020304" pitchFamily="18" charset="0"/>
+              </a:rPr>
+              <a:t>ctivity</a:t>
+            </a:r>
+            <a:r>
+              <a:rPr lang="en-IN" dirty="0">
+                <a:solidFill>
+                  <a:schemeClr val="accent1">
+                    <a:lumMod val="75000"/>
+                  </a:schemeClr>
+                </a:solidFill>
+                <a:latin typeface="Times New Roman" panose="02020603050405020304" pitchFamily="18" charset="0"/>
+                <a:cs typeface="Times New Roman" panose="02020603050405020304" pitchFamily="18" charset="0"/>
+              </a:rPr>
+              <a:t> Diagram</a:t>
+            </a:r>
+          </a:p>
+        </p:txBody>
+      </p:sp>
+      <p:pic>
+        <p:nvPicPr>
+          <p:cNvPr id="9" name="Picture 8">
+            <a:extLst>
+              <a:ext uri="{FF2B5EF4-FFF2-40B4-BE49-F238E27FC236}">
+                <a16:creationId xmlns:a16="http://schemas.microsoft.com/office/drawing/2014/main" id="{34B50465-7153-E38C-F07F-F22ED5AC1DC0}"/>
+              </a:ext>
+            </a:extLst>
+          </p:cNvPr>
+          <p:cNvPicPr>
+            <a:picLocks noChangeAspect="1"/>
+          </p:cNvPicPr>
+          <p:nvPr/>
+        </p:nvPicPr>
+        <p:blipFill>
+          <a:blip r:embed="rId2">
+            <a:extLst>
+              <a:ext uri="{28A0092B-C50C-407E-A947-70E740481C1C}">
+                <a14:useLocalDpi xmlns:a14="http://schemas.microsoft.com/office/drawing/2010/main" val="0"/>
+              </a:ext>
+            </a:extLst>
+          </a:blip>
+          <a:stretch>
+            <a:fillRect/>
+          </a:stretch>
+        </p:blipFill>
+        <p:spPr>
+          <a:xfrm>
+            <a:off x="2369488" y="886235"/>
+            <a:ext cx="7453023" cy="5835240"/>
+          </a:xfrm>
+          <a:prstGeom prst="rect">
+            <a:avLst/>
+          </a:prstGeom>
+        </p:spPr>
+      </p:pic>
     </p:spTree>
     <p:extLst>
       <p:ext uri="{BB962C8B-B14F-4D97-AF65-F5344CB8AC3E}">
-        <p14:creationId xmlns:p14="http://schemas.microsoft.com/office/powerpoint/2010/main" val="563370002"/>
+        <p14:creationId xmlns:p14="http://schemas.microsoft.com/office/powerpoint/2010/main" val="1150949483"/>
       </p:ext>
     </p:extLst>
   </p:cSld>
@@ -6129,7 +6618,7 @@
           <p:cNvPr id="2" name="Title 1">
             <a:extLst>
               <a:ext uri="{FF2B5EF4-FFF2-40B4-BE49-F238E27FC236}">
-                <a16:creationId xmlns:a16="http://schemas.microsoft.com/office/drawing/2014/main" id="{E2C68626-3BE7-4580-F05D-866CB54DE4AC}"/>
+                <a16:creationId xmlns:a16="http://schemas.microsoft.com/office/drawing/2014/main" id="{CC3C47C7-228C-0586-A0DB-47FFEE638757}"/>
               </a:ext>
             </a:extLst>
           </p:cNvPr>
@@ -6155,7 +6644,7 @@
               <a:buChar char="Ø"/>
             </a:pPr>
             <a:r>
-              <a:rPr lang="en-IN" dirty="0">
+              <a:rPr lang="en-US" dirty="0">
                 <a:solidFill>
                   <a:schemeClr val="accent1">
                     <a:lumMod val="75000"/>
@@ -6164,8 +6653,17 @@
                 <a:latin typeface="Times New Roman" panose="02020603050405020304" pitchFamily="18" charset="0"/>
                 <a:cs typeface="Times New Roman" panose="02020603050405020304" pitchFamily="18" charset="0"/>
               </a:rPr>
-              <a:t>Conclusion</a:t>
-            </a:r>
+              <a:t>Methodology</a:t>
+            </a:r>
+            <a:endParaRPr lang="en-IN" dirty="0">
+              <a:solidFill>
+                <a:schemeClr val="accent1">
+                  <a:lumMod val="75000"/>
+                </a:schemeClr>
+              </a:solidFill>
+              <a:latin typeface="Times New Roman" panose="02020603050405020304" pitchFamily="18" charset="0"/>
+              <a:cs typeface="Times New Roman" panose="02020603050405020304" pitchFamily="18" charset="0"/>
+            </a:endParaRPr>
           </a:p>
         </p:txBody>
       </p:sp>
@@ -6174,7 +6672,7 @@
           <p:cNvPr id="3" name="Content Placeholder 2">
             <a:extLst>
               <a:ext uri="{FF2B5EF4-FFF2-40B4-BE49-F238E27FC236}">
-                <a16:creationId xmlns:a16="http://schemas.microsoft.com/office/drawing/2014/main" id="{D8046ABC-16CE-210D-17D4-7F4327520C78}"/>
+                <a16:creationId xmlns:a16="http://schemas.microsoft.com/office/drawing/2014/main" id="{C950621D-BE4A-93C6-9FA2-B5DFCA8A0C98}"/>
               </a:ext>
             </a:extLst>
           </p:cNvPr>
@@ -6185,17 +6683,115 @@
             <p:ph idx="1"/>
           </p:nvPr>
         </p:nvSpPr>
-        <p:spPr/>
+        <p:spPr>
+          <a:xfrm>
+            <a:off x="548833" y="1725412"/>
+            <a:ext cx="10515600" cy="4351338"/>
+          </a:xfrm>
+        </p:spPr>
         <p:txBody>
           <a:bodyPr>
-            <a:normAutofit/>
+            <a:noAutofit/>
           </a:bodyPr>
           <a:lstStyle/>
           <a:p>
-            <a:pPr marL="0" indent="0" algn="just">
-              <a:buNone/>
-            </a:pPr>
-            <a:endParaRPr lang="en-IN" sz="2400" dirty="0">
+            <a:pPr algn="just"/>
+            <a:r>
+              <a:rPr lang="en-US" sz="2400" b="1" dirty="0">
+                <a:latin typeface="Times New Roman" panose="02020603050405020304" pitchFamily="18" charset="0"/>
+                <a:cs typeface="Times New Roman" panose="02020603050405020304" pitchFamily="18" charset="0"/>
+              </a:rPr>
+              <a:t>Design and Development</a:t>
+            </a:r>
+            <a:r>
+              <a:rPr lang="en-US" sz="2400" dirty="0">
+                <a:latin typeface="Times New Roman" panose="02020603050405020304" pitchFamily="18" charset="0"/>
+                <a:cs typeface="Times New Roman" panose="02020603050405020304" pitchFamily="18" charset="0"/>
+              </a:rPr>
+              <a:t>:</a:t>
+            </a:r>
+          </a:p>
+          <a:p>
+            <a:pPr lvl="1" algn="just"/>
+            <a:r>
+              <a:rPr lang="en-US" dirty="0">
+                <a:latin typeface="Times New Roman" panose="02020603050405020304" pitchFamily="18" charset="0"/>
+                <a:cs typeface="Times New Roman" panose="02020603050405020304" pitchFamily="18" charset="0"/>
+              </a:rPr>
+              <a:t>User friendly interface for timetable generation.</a:t>
+            </a:r>
+          </a:p>
+          <a:p>
+            <a:pPr lvl="1" algn="just"/>
+            <a:r>
+              <a:rPr lang="en-US" dirty="0">
+                <a:latin typeface="Times New Roman" panose="02020603050405020304" pitchFamily="18" charset="0"/>
+                <a:cs typeface="Times New Roman" panose="02020603050405020304" pitchFamily="18" charset="0"/>
+              </a:rPr>
+              <a:t>Using basic HTML, CSS and Django and other </a:t>
+            </a:r>
+            <a:r>
+              <a:rPr lang="en-US" dirty="0" err="1">
+                <a:latin typeface="Times New Roman" panose="02020603050405020304" pitchFamily="18" charset="0"/>
+                <a:cs typeface="Times New Roman" panose="02020603050405020304" pitchFamily="18" charset="0"/>
+              </a:rPr>
+              <a:t>PyPi</a:t>
+            </a:r>
+            <a:r>
+              <a:rPr lang="en-US" dirty="0">
+                <a:latin typeface="Times New Roman" panose="02020603050405020304" pitchFamily="18" charset="0"/>
+                <a:cs typeface="Times New Roman" panose="02020603050405020304" pitchFamily="18" charset="0"/>
+              </a:rPr>
+              <a:t> libraries for development.</a:t>
+            </a:r>
+          </a:p>
+          <a:p>
+            <a:pPr lvl="1" algn="just"/>
+            <a:r>
+              <a:rPr lang="en-US" dirty="0">
+                <a:latin typeface="Times New Roman" panose="02020603050405020304" pitchFamily="18" charset="0"/>
+                <a:cs typeface="Times New Roman" panose="02020603050405020304" pitchFamily="18" charset="0"/>
+              </a:rPr>
+              <a:t>Integration of Email for User  account creation.</a:t>
+            </a:r>
+          </a:p>
+          <a:p>
+            <a:pPr algn="just"/>
+            <a:r>
+              <a:rPr lang="en-US" sz="2400" b="1" dirty="0">
+                <a:latin typeface="Times New Roman" panose="02020603050405020304" pitchFamily="18" charset="0"/>
+                <a:cs typeface="Times New Roman" panose="02020603050405020304" pitchFamily="18" charset="0"/>
+              </a:rPr>
+              <a:t>Deployment</a:t>
+            </a:r>
+            <a:r>
+              <a:rPr lang="en-US" sz="2400" dirty="0">
+                <a:latin typeface="Times New Roman" panose="02020603050405020304" pitchFamily="18" charset="0"/>
+                <a:cs typeface="Times New Roman" panose="02020603050405020304" pitchFamily="18" charset="0"/>
+              </a:rPr>
+              <a:t>:</a:t>
+            </a:r>
+          </a:p>
+          <a:p>
+            <a:pPr lvl="1" algn="just"/>
+            <a:r>
+              <a:rPr lang="en-US" dirty="0">
+                <a:latin typeface="Times New Roman" panose="02020603050405020304" pitchFamily="18" charset="0"/>
+                <a:cs typeface="Times New Roman" panose="02020603050405020304" pitchFamily="18" charset="0"/>
+              </a:rPr>
+              <a:t>Deploying the System in the Server / Cloud platform (AWS or Google Cloud).</a:t>
+            </a:r>
+          </a:p>
+          <a:p>
+            <a:pPr lvl="1" algn="just"/>
+            <a:r>
+              <a:rPr lang="en-US" dirty="0">
+                <a:latin typeface="Times New Roman" panose="02020603050405020304" pitchFamily="18" charset="0"/>
+                <a:cs typeface="Times New Roman" panose="02020603050405020304" pitchFamily="18" charset="0"/>
+              </a:rPr>
+              <a:t>GitHub for managing the Code.</a:t>
+            </a:r>
+            <a:endParaRPr lang="en-IN" dirty="0">
               <a:latin typeface="Times New Roman" panose="02020603050405020304" pitchFamily="18" charset="0"/>
               <a:cs typeface="Times New Roman" panose="02020603050405020304" pitchFamily="18" charset="0"/>
             </a:endParaRPr>
@@ -6207,7 +6803,7 @@
           <p:cNvPr id="8" name="Slide Number Placeholder 7">
             <a:extLst>
               <a:ext uri="{FF2B5EF4-FFF2-40B4-BE49-F238E27FC236}">
-                <a16:creationId xmlns:a16="http://schemas.microsoft.com/office/drawing/2014/main" id="{BB230758-FB0A-8344-3307-F9D313073EE3}"/>
+                <a16:creationId xmlns:a16="http://schemas.microsoft.com/office/drawing/2014/main" id="{8653F594-5A14-BC95-78E4-2E32BD5CD09C}"/>
               </a:ext>
             </a:extLst>
           </p:cNvPr>
@@ -6234,7 +6830,7 @@
     </p:spTree>
     <p:extLst>
       <p:ext uri="{BB962C8B-B14F-4D97-AF65-F5344CB8AC3E}">
-        <p14:creationId xmlns:p14="http://schemas.microsoft.com/office/powerpoint/2010/main" val="1025537525"/>
+        <p14:creationId xmlns:p14="http://schemas.microsoft.com/office/powerpoint/2010/main" val="563370002"/>
       </p:ext>
     </p:extLst>
   </p:cSld>
@@ -6266,7 +6862,7 @@
           <p:cNvPr id="2" name="Title 1">
             <a:extLst>
               <a:ext uri="{FF2B5EF4-FFF2-40B4-BE49-F238E27FC236}">
-                <a16:creationId xmlns:a16="http://schemas.microsoft.com/office/drawing/2014/main" id="{EDF604D6-DAB9-26D1-CB5F-815BC7DF2B74}"/>
+                <a16:creationId xmlns:a16="http://schemas.microsoft.com/office/drawing/2014/main" id="{E2C68626-3BE7-4580-F05D-866CB54DE4AC}"/>
               </a:ext>
             </a:extLst>
           </p:cNvPr>
@@ -6279,7 +6875,7 @@
         </p:nvSpPr>
         <p:spPr>
           <a:xfrm>
-            <a:off x="537258" y="411424"/>
+            <a:off x="548833" y="399849"/>
             <a:ext cx="10515600" cy="1325563"/>
           </a:xfrm>
         </p:spPr>
@@ -6301,7 +6897,7 @@
                 <a:latin typeface="Times New Roman" panose="02020603050405020304" pitchFamily="18" charset="0"/>
                 <a:cs typeface="Times New Roman" panose="02020603050405020304" pitchFamily="18" charset="0"/>
               </a:rPr>
-              <a:t>References</a:t>
+              <a:t>Conclusion</a:t>
             </a:r>
           </a:p>
         </p:txBody>
@@ -6311,7 +6907,7 @@
           <p:cNvPr id="3" name="Content Placeholder 2">
             <a:extLst>
               <a:ext uri="{FF2B5EF4-FFF2-40B4-BE49-F238E27FC236}">
-                <a16:creationId xmlns:a16="http://schemas.microsoft.com/office/drawing/2014/main" id="{DDA3C992-E4DC-44AF-E7CE-E9D3E65FFD3A}"/>
+                <a16:creationId xmlns:a16="http://schemas.microsoft.com/office/drawing/2014/main" id="{D8046ABC-16CE-210D-17D4-7F4327520C78}"/>
               </a:ext>
             </a:extLst>
           </p:cNvPr>
@@ -6322,12 +6918,7 @@
             <p:ph idx="1"/>
           </p:nvPr>
         </p:nvSpPr>
-        <p:spPr>
-          <a:xfrm>
-            <a:off x="537258" y="1736987"/>
-            <a:ext cx="10515600" cy="4351338"/>
-          </a:xfrm>
-        </p:spPr>
+        <p:spPr/>
         <p:txBody>
           <a:bodyPr>
             <a:normAutofit/>
@@ -6335,10 +6926,23 @@
           <a:lstStyle/>
           <a:p>
             <a:pPr algn="just"/>
-            <a:endParaRPr lang="en-US" sz="2400" dirty="0">
-              <a:latin typeface="Times New Roman" panose="02020603050405020304" pitchFamily="18" charset="0"/>
-              <a:cs typeface="Times New Roman" panose="02020603050405020304" pitchFamily="18" charset="0"/>
-            </a:endParaRPr>
+            <a:r>
+              <a:rPr lang="en-US" sz="2400" dirty="0">
+                <a:latin typeface="Times New Roman" panose="02020603050405020304" pitchFamily="18" charset="0"/>
+                <a:cs typeface="Times New Roman" panose="02020603050405020304" pitchFamily="18" charset="0"/>
+              </a:rPr>
+              <a:t>As discussed, an evolutionary algorithm, genetics algorithm for time tabling has been proposed. The intention of the algorithm to generate a time-table schedule automatically is satisfied. The algorithm incorporates a number of techniques, aimed to improve the efficiency of the search operation. By automating this process with the help of computer assistance timetable generator can save a lot of precious time of administrators who are involved in creating and managing various timetables of the institute.</a:t>
+            </a:r>
+          </a:p>
+          <a:p>
+            <a:pPr algn="just"/>
+            <a:r>
+              <a:rPr lang="en-US" sz="2400" dirty="0">
+                <a:latin typeface="Times New Roman" panose="02020603050405020304" pitchFamily="18" charset="0"/>
+                <a:cs typeface="Times New Roman" panose="02020603050405020304" pitchFamily="18" charset="0"/>
+              </a:rPr>
+              <a:t>This reduces time consumption and the error in framing the timetable manually. The benefits of this approach are simplified design and reduced development time. </a:t>
+            </a:r>
           </a:p>
         </p:txBody>
       </p:sp>
@@ -6347,7 +6951,7 @@
           <p:cNvPr id="8" name="Slide Number Placeholder 7">
             <a:extLst>
               <a:ext uri="{FF2B5EF4-FFF2-40B4-BE49-F238E27FC236}">
-                <a16:creationId xmlns:a16="http://schemas.microsoft.com/office/drawing/2014/main" id="{B35EB4B4-8B7F-F287-43E4-8BF4CFFA97DC}"/>
+                <a16:creationId xmlns:a16="http://schemas.microsoft.com/office/drawing/2014/main" id="{BB230758-FB0A-8344-3307-F9D313073EE3}"/>
               </a:ext>
             </a:extLst>
           </p:cNvPr>
@@ -6374,7 +6978,7 @@
     </p:spTree>
     <p:extLst>
       <p:ext uri="{BB962C8B-B14F-4D97-AF65-F5344CB8AC3E}">
-        <p14:creationId xmlns:p14="http://schemas.microsoft.com/office/powerpoint/2010/main" val="3147679759"/>
+        <p14:creationId xmlns:p14="http://schemas.microsoft.com/office/powerpoint/2010/main" val="1025537525"/>
       </p:ext>
     </p:extLst>
   </p:cSld>

--- a/Synopsis/Synopsis Presentation.pptx
+++ b/Synopsis/Synopsis Presentation.pptx
@@ -5,19 +5,20 @@
     <p:sldMasterId id="2147483696" r:id="rId1"/>
   </p:sldMasterIdLst>
   <p:notesMasterIdLst>
-    <p:notesMasterId r:id="rId12"/>
+    <p:notesMasterId r:id="rId13"/>
   </p:notesMasterIdLst>
   <p:sldIdLst>
     <p:sldId id="256" r:id="rId2"/>
-    <p:sldId id="257" r:id="rId3"/>
-    <p:sldId id="258" r:id="rId4"/>
-    <p:sldId id="259" r:id="rId5"/>
-    <p:sldId id="260" r:id="rId6"/>
-    <p:sldId id="261" r:id="rId7"/>
-    <p:sldId id="265" r:id="rId8"/>
-    <p:sldId id="264" r:id="rId9"/>
-    <p:sldId id="262" r:id="rId10"/>
-    <p:sldId id="263" r:id="rId11"/>
+    <p:sldId id="266" r:id="rId3"/>
+    <p:sldId id="257" r:id="rId4"/>
+    <p:sldId id="258" r:id="rId5"/>
+    <p:sldId id="259" r:id="rId6"/>
+    <p:sldId id="260" r:id="rId7"/>
+    <p:sldId id="261" r:id="rId8"/>
+    <p:sldId id="265" r:id="rId9"/>
+    <p:sldId id="264" r:id="rId10"/>
+    <p:sldId id="262" r:id="rId11"/>
+    <p:sldId id="263" r:id="rId12"/>
   </p:sldIdLst>
   <p:sldSz cx="12192000" cy="6858000"/>
   <p:notesSz cx="6858000" cy="9144000"/>
@@ -206,7 +207,7 @@
           <a:p>
             <a:fld id="{DDBD07C2-A8D5-442F-93E7-71925FF71000}" type="datetimeFigureOut">
               <a:rPr lang="en-IN" smtClean="0"/>
-              <a:t>26-03-2025</a:t>
+              <a:t>27-03-2025</a:t>
             </a:fld>
             <a:endParaRPr lang="en-IN"/>
           </a:p>
@@ -623,7 +624,7 @@
           <a:p>
             <a:fld id="{312FC62F-66EE-4F31-9BCD-675275CDC678}" type="slidenum">
               <a:rPr lang="en-IN" smtClean="0"/>
-              <a:t>3</a:t>
+              <a:t>4</a:t>
             </a:fld>
             <a:endParaRPr lang="en-IN"/>
           </a:p>
@@ -773,7 +774,7 @@
           <a:p>
             <a:fld id="{93FE507B-74E9-434B-B589-61639C269BD2}" type="datetime1">
               <a:rPr lang="en-IN" smtClean="0"/>
-              <a:t>26-03-2025</a:t>
+              <a:t>27-03-2025</a:t>
             </a:fld>
             <a:endParaRPr lang="en-IN"/>
           </a:p>
@@ -943,7 +944,7 @@
           <a:p>
             <a:fld id="{1DF852E4-941D-4D93-8BE7-96DFDEB218D4}" type="datetime1">
               <a:rPr lang="en-IN" smtClean="0"/>
-              <a:t>26-03-2025</a:t>
+              <a:t>27-03-2025</a:t>
             </a:fld>
             <a:endParaRPr lang="en-IN"/>
           </a:p>
@@ -1123,7 +1124,7 @@
           <a:p>
             <a:fld id="{B713C6D0-628E-4C8C-B674-0FC5911BFD3F}" type="datetime1">
               <a:rPr lang="en-IN" smtClean="0"/>
-              <a:t>26-03-2025</a:t>
+              <a:t>27-03-2025</a:t>
             </a:fld>
             <a:endParaRPr lang="en-IN"/>
           </a:p>
@@ -1293,7 +1294,7 @@
           <a:p>
             <a:fld id="{02C27CEE-AECC-488D-B081-6669003DE492}" type="datetime1">
               <a:rPr lang="en-IN" smtClean="0"/>
-              <a:t>26-03-2025</a:t>
+              <a:t>27-03-2025</a:t>
             </a:fld>
             <a:endParaRPr lang="en-IN"/>
           </a:p>
@@ -1539,7 +1540,7 @@
           <a:p>
             <a:fld id="{5F907550-43C7-482D-BA34-265D3A59D17F}" type="datetime1">
               <a:rPr lang="en-IN" smtClean="0"/>
-              <a:t>26-03-2025</a:t>
+              <a:t>27-03-2025</a:t>
             </a:fld>
             <a:endParaRPr lang="en-IN"/>
           </a:p>
@@ -1771,7 +1772,7 @@
           <a:p>
             <a:fld id="{94D77DB3-F920-470E-B309-869FDF9C0108}" type="datetime1">
               <a:rPr lang="en-IN" smtClean="0"/>
-              <a:t>26-03-2025</a:t>
+              <a:t>27-03-2025</a:t>
             </a:fld>
             <a:endParaRPr lang="en-IN"/>
           </a:p>
@@ -2138,7 +2139,7 @@
           <a:p>
             <a:fld id="{5B45A2ED-077A-4579-A46A-43231F0F597B}" type="datetime1">
               <a:rPr lang="en-IN" smtClean="0"/>
-              <a:t>26-03-2025</a:t>
+              <a:t>27-03-2025</a:t>
             </a:fld>
             <a:endParaRPr lang="en-IN"/>
           </a:p>
@@ -2256,7 +2257,7 @@
           <a:p>
             <a:fld id="{485FFD98-AA31-4581-BF2A-5A2077300591}" type="datetime1">
               <a:rPr lang="en-IN" smtClean="0"/>
-              <a:t>26-03-2025</a:t>
+              <a:t>27-03-2025</a:t>
             </a:fld>
             <a:endParaRPr lang="en-IN"/>
           </a:p>
@@ -2351,7 +2352,7 @@
           <a:p>
             <a:fld id="{4058E697-6A5A-41D6-A5BF-DF6DC04A6DFC}" type="datetime1">
               <a:rPr lang="en-IN" smtClean="0"/>
-              <a:t>26-03-2025</a:t>
+              <a:t>27-03-2025</a:t>
             </a:fld>
             <a:endParaRPr lang="en-IN"/>
           </a:p>
@@ -2628,7 +2629,7 @@
           <a:p>
             <a:fld id="{86822B0A-2DE6-43ED-9578-1137B94F3B65}" type="datetime1">
               <a:rPr lang="en-IN" smtClean="0"/>
-              <a:t>26-03-2025</a:t>
+              <a:t>27-03-2025</a:t>
             </a:fld>
             <a:endParaRPr lang="en-IN"/>
           </a:p>
@@ -2885,7 +2886,7 @@
           <a:p>
             <a:fld id="{0781F493-348F-40BE-912D-787DF7E33694}" type="datetime1">
               <a:rPr lang="en-IN" smtClean="0"/>
-              <a:t>26-03-2025</a:t>
+              <a:t>27-03-2025</a:t>
             </a:fld>
             <a:endParaRPr lang="en-IN"/>
           </a:p>
@@ -3103,7 +3104,7 @@
           <a:p>
             <a:fld id="{D296BE42-94BA-4EFF-BD05-5C4A4AD389AE}" type="datetime1">
               <a:rPr lang="en-IN" smtClean="0"/>
-              <a:t>26-03-2025</a:t>
+              <a:t>27-03-2025</a:t>
             </a:fld>
             <a:endParaRPr lang="en-IN"/>
           </a:p>
@@ -4985,6 +4986,154 @@
           <p:cNvPr id="2" name="Title 1">
             <a:extLst>
               <a:ext uri="{FF2B5EF4-FFF2-40B4-BE49-F238E27FC236}">
+                <a16:creationId xmlns:a16="http://schemas.microsoft.com/office/drawing/2014/main" id="{E2C68626-3BE7-4580-F05D-866CB54DE4AC}"/>
+              </a:ext>
+            </a:extLst>
+          </p:cNvPr>
+          <p:cNvSpPr>
+            <a:spLocks noGrp="1"/>
+          </p:cNvSpPr>
+          <p:nvPr>
+            <p:ph type="title"/>
+          </p:nvPr>
+        </p:nvSpPr>
+        <p:spPr>
+          <a:xfrm>
+            <a:off x="548833" y="399849"/>
+            <a:ext cx="10515600" cy="1325563"/>
+          </a:xfrm>
+        </p:spPr>
+        <p:txBody>
+          <a:bodyPr/>
+          <a:lstStyle/>
+          <a:p>
+            <a:pPr marL="571500" indent="-571500">
+              <a:buFont typeface="Wingdings" panose="05000000000000000000" pitchFamily="2" charset="2"/>
+              <a:buChar char="Ø"/>
+            </a:pPr>
+            <a:r>
+              <a:rPr lang="en-IN" dirty="0">
+                <a:solidFill>
+                  <a:schemeClr val="accent1">
+                    <a:lumMod val="75000"/>
+                  </a:schemeClr>
+                </a:solidFill>
+                <a:latin typeface="Times New Roman" panose="02020603050405020304" pitchFamily="18" charset="0"/>
+                <a:cs typeface="Times New Roman" panose="02020603050405020304" pitchFamily="18" charset="0"/>
+              </a:rPr>
+              <a:t>Conclusion</a:t>
+            </a:r>
+          </a:p>
+        </p:txBody>
+      </p:sp>
+      <p:sp>
+        <p:nvSpPr>
+          <p:cNvPr id="3" name="Content Placeholder 2">
+            <a:extLst>
+              <a:ext uri="{FF2B5EF4-FFF2-40B4-BE49-F238E27FC236}">
+                <a16:creationId xmlns:a16="http://schemas.microsoft.com/office/drawing/2014/main" id="{D8046ABC-16CE-210D-17D4-7F4327520C78}"/>
+              </a:ext>
+            </a:extLst>
+          </p:cNvPr>
+          <p:cNvSpPr>
+            <a:spLocks noGrp="1"/>
+          </p:cNvSpPr>
+          <p:nvPr>
+            <p:ph idx="1"/>
+          </p:nvPr>
+        </p:nvSpPr>
+        <p:spPr/>
+        <p:txBody>
+          <a:bodyPr>
+            <a:normAutofit/>
+          </a:bodyPr>
+          <a:lstStyle/>
+          <a:p>
+            <a:pPr algn="just"/>
+            <a:r>
+              <a:rPr lang="en-US" sz="2400" dirty="0">
+                <a:latin typeface="Times New Roman" panose="02020603050405020304" pitchFamily="18" charset="0"/>
+                <a:cs typeface="Times New Roman" panose="02020603050405020304" pitchFamily="18" charset="0"/>
+              </a:rPr>
+              <a:t>As discussed, an evolutionary algorithm, genetics algorithm for time tabling has been proposed. The intention of the algorithm to generate a time-table schedule automatically is satisfied. The algorithm incorporates a number of techniques, aimed to improve the efficiency of the search operation. By automating this process with the help of computer assistance timetable generator can save a lot of precious time of administrators who are involved in creating and managing various timetables of the institute.</a:t>
+            </a:r>
+          </a:p>
+          <a:p>
+            <a:pPr algn="just"/>
+            <a:r>
+              <a:rPr lang="en-US" sz="2400" dirty="0">
+                <a:latin typeface="Times New Roman" panose="02020603050405020304" pitchFamily="18" charset="0"/>
+                <a:cs typeface="Times New Roman" panose="02020603050405020304" pitchFamily="18" charset="0"/>
+              </a:rPr>
+              <a:t>This reduces time consumption and the error in framing the timetable manually. The benefits of this approach are simplified design and reduced development time. </a:t>
+            </a:r>
+          </a:p>
+        </p:txBody>
+      </p:sp>
+      <p:sp>
+        <p:nvSpPr>
+          <p:cNvPr id="8" name="Slide Number Placeholder 7">
+            <a:extLst>
+              <a:ext uri="{FF2B5EF4-FFF2-40B4-BE49-F238E27FC236}">
+                <a16:creationId xmlns:a16="http://schemas.microsoft.com/office/drawing/2014/main" id="{BB230758-FB0A-8344-3307-F9D313073EE3}"/>
+              </a:ext>
+            </a:extLst>
+          </p:cNvPr>
+          <p:cNvSpPr>
+            <a:spLocks noGrp="1"/>
+          </p:cNvSpPr>
+          <p:nvPr>
+            <p:ph type="sldNum" sz="quarter" idx="12"/>
+          </p:nvPr>
+        </p:nvSpPr>
+        <p:spPr/>
+        <p:txBody>
+          <a:bodyPr/>
+          <a:lstStyle/>
+          <a:p>
+            <a:fld id="{D19EB42E-18EF-4ADA-8D91-F15AD1AFC8DD}" type="slidenum">
+              <a:rPr lang="en-IN" smtClean="0"/>
+              <a:t>10</a:t>
+            </a:fld>
+            <a:endParaRPr lang="en-IN"/>
+          </a:p>
+        </p:txBody>
+      </p:sp>
+    </p:spTree>
+    <p:extLst>
+      <p:ext uri="{BB962C8B-B14F-4D97-AF65-F5344CB8AC3E}">
+        <p14:creationId xmlns:p14="http://schemas.microsoft.com/office/powerpoint/2010/main" val="1025537525"/>
+      </p:ext>
+    </p:extLst>
+  </p:cSld>
+  <p:clrMapOvr>
+    <a:masterClrMapping/>
+  </p:clrMapOvr>
+</p:sld>
+</file>
+
+<file path=ppt/slides/slide11.xml><?xml version="1.0" encoding="utf-8"?>
+<p:sld xmlns:a="http://schemas.openxmlformats.org/drawingml/2006/main" xmlns:r="http://schemas.openxmlformats.org/officeDocument/2006/relationships" xmlns:p="http://schemas.openxmlformats.org/presentationml/2006/main">
+  <p:cSld>
+    <p:spTree>
+      <p:nvGrpSpPr>
+        <p:cNvPr id="1" name=""/>
+        <p:cNvGrpSpPr/>
+        <p:nvPr/>
+      </p:nvGrpSpPr>
+      <p:grpSpPr>
+        <a:xfrm>
+          <a:off x="0" y="0"/>
+          <a:ext cx="0" cy="0"/>
+          <a:chOff x="0" y="0"/>
+          <a:chExt cx="0" cy="0"/>
+        </a:xfrm>
+      </p:grpSpPr>
+      <p:sp>
+        <p:nvSpPr>
+          <p:cNvPr id="2" name="Title 1">
+            <a:extLst>
+              <a:ext uri="{FF2B5EF4-FFF2-40B4-BE49-F238E27FC236}">
                 <a16:creationId xmlns:a16="http://schemas.microsoft.com/office/drawing/2014/main" id="{EDF604D6-DAB9-26D1-CB5F-815BC7DF2B74}"/>
               </a:ext>
             </a:extLst>
@@ -5438,7 +5587,7 @@
                 <a:latin typeface="Times New Roman" panose="02020603050405020304" pitchFamily="18" charset="0"/>
                 <a:cs typeface="Times New Roman" panose="02020603050405020304" pitchFamily="18" charset="0"/>
               </a:rPr>
-              <a:t>10</a:t>
+              <a:t>11</a:t>
             </a:fld>
             <a:endParaRPr lang="en-IN" dirty="0">
               <a:latin typeface="Times New Roman" panose="02020603050405020304" pitchFamily="18" charset="0"/>
@@ -5479,10 +5628,100 @@
       </p:grpSpPr>
       <p:sp>
         <p:nvSpPr>
-          <p:cNvPr id="2" name="Title 1">
+          <p:cNvPr id="3" name="Content Placeholder 2">
             <a:extLst>
               <a:ext uri="{FF2B5EF4-FFF2-40B4-BE49-F238E27FC236}">
-                <a16:creationId xmlns:a16="http://schemas.microsoft.com/office/drawing/2014/main" id="{D25927DB-0BC4-10A5-F04D-0AAC9C571289}"/>
+                <a16:creationId xmlns:a16="http://schemas.microsoft.com/office/drawing/2014/main" id="{CA679245-D237-9406-DED1-C7952946444E}"/>
+              </a:ext>
+            </a:extLst>
+          </p:cNvPr>
+          <p:cNvSpPr>
+            <a:spLocks noGrp="1"/>
+          </p:cNvSpPr>
+          <p:nvPr>
+            <p:ph idx="1"/>
+          </p:nvPr>
+        </p:nvSpPr>
+        <p:spPr>
+          <a:xfrm>
+            <a:off x="548832" y="1737771"/>
+            <a:ext cx="11318271" cy="5192461"/>
+          </a:xfrm>
+        </p:spPr>
+        <p:txBody>
+          <a:bodyPr>
+            <a:noAutofit/>
+          </a:bodyPr>
+          <a:lstStyle/>
+          <a:p>
+            <a:pPr>
+              <a:lnSpc>
+                <a:spcPct val="150000"/>
+              </a:lnSpc>
+            </a:pPr>
+            <a:r>
+              <a:rPr lang="en-US" sz="2200" dirty="0">
+                <a:latin typeface="Times New Roman" panose="02020603050405020304" pitchFamily="18" charset="0"/>
+                <a:cs typeface="Times New Roman" panose="02020603050405020304" pitchFamily="18" charset="0"/>
+              </a:rPr>
+              <a:t>Web-based Automatic timetable Scheduler for schools and colleges, eliminating the need for manual scheduling. It ensures efficient allocation of subjects, faculty, and classrooms while avoiding conflicts and reducing human effort. The system provides a user-friendly web interface where administrators can input details, and the algorithm takes care of scheduling.</a:t>
+            </a:r>
+          </a:p>
+          <a:p>
+            <a:pPr>
+              <a:lnSpc>
+                <a:spcPct val="150000"/>
+              </a:lnSpc>
+            </a:pPr>
+            <a:r>
+              <a:rPr lang="en-US" sz="2200" dirty="0">
+                <a:latin typeface="Times New Roman" panose="02020603050405020304" pitchFamily="18" charset="0"/>
+                <a:cs typeface="Times New Roman" panose="02020603050405020304" pitchFamily="18" charset="0"/>
+              </a:rPr>
+              <a:t>This is a NP-Hard Problem where the exact solution cannot be determined thus the project uses the Genetic Algorithm (GA) to optimize timetables by generating multiple scheduling options, evaluating them for conflicts, and improving them through selection, crossover, and mutation. The process continues until the best possible timetable is achieved, ensuring a balanced, conflict-free, and efficient schedule for all stakeholders.</a:t>
+            </a:r>
+            <a:endParaRPr lang="en-IN" sz="2200" dirty="0">
+              <a:latin typeface="Times New Roman" panose="02020603050405020304" pitchFamily="18" charset="0"/>
+              <a:cs typeface="Times New Roman" panose="02020603050405020304" pitchFamily="18" charset="0"/>
+            </a:endParaRPr>
+          </a:p>
+        </p:txBody>
+      </p:sp>
+      <p:sp>
+        <p:nvSpPr>
+          <p:cNvPr id="4" name="Slide Number Placeholder 3">
+            <a:extLst>
+              <a:ext uri="{FF2B5EF4-FFF2-40B4-BE49-F238E27FC236}">
+                <a16:creationId xmlns:a16="http://schemas.microsoft.com/office/drawing/2014/main" id="{B25F8A58-2497-666C-ADA8-D2B0FFAF2C93}"/>
+              </a:ext>
+            </a:extLst>
+          </p:cNvPr>
+          <p:cNvSpPr>
+            <a:spLocks noGrp="1"/>
+          </p:cNvSpPr>
+          <p:nvPr>
+            <p:ph type="sldNum" sz="quarter" idx="12"/>
+          </p:nvPr>
+        </p:nvSpPr>
+        <p:spPr/>
+        <p:txBody>
+          <a:bodyPr/>
+          <a:lstStyle/>
+          <a:p>
+            <a:fld id="{D19EB42E-18EF-4ADA-8D91-F15AD1AFC8DD}" type="slidenum">
+              <a:rPr lang="en-IN" smtClean="0"/>
+              <a:t>2</a:t>
+            </a:fld>
+            <a:endParaRPr lang="en-IN"/>
+          </a:p>
+        </p:txBody>
+      </p:sp>
+      <p:sp>
+        <p:nvSpPr>
+          <p:cNvPr id="5" name="Title 1">
+            <a:extLst>
+              <a:ext uri="{FF2B5EF4-FFF2-40B4-BE49-F238E27FC236}">
+                <a16:creationId xmlns:a16="http://schemas.microsoft.com/office/drawing/2014/main" id="{0690D6F9-2995-3CE3-5880-89BC162C6EFD}"/>
               </a:ext>
             </a:extLst>
           </p:cNvPr>
@@ -5508,7 +5747,7 @@
               <a:buChar char="Ø"/>
             </a:pPr>
             <a:r>
-              <a:rPr lang="en-IN" dirty="0">
+              <a:rPr lang="en-US" dirty="0">
                 <a:solidFill>
                   <a:schemeClr val="accent1">
                     <a:lumMod val="75000"/>
@@ -5517,112 +5756,36 @@
                 <a:latin typeface="Times New Roman" panose="02020603050405020304" pitchFamily="18" charset="0"/>
                 <a:cs typeface="Times New Roman" panose="02020603050405020304" pitchFamily="18" charset="0"/>
               </a:rPr>
-              <a:t>Problem Identification</a:t>
-            </a:r>
-          </a:p>
-        </p:txBody>
-      </p:sp>
-      <p:sp>
-        <p:nvSpPr>
-          <p:cNvPr id="3" name="Content Placeholder 2">
-            <a:extLst>
-              <a:ext uri="{FF2B5EF4-FFF2-40B4-BE49-F238E27FC236}">
-                <a16:creationId xmlns:a16="http://schemas.microsoft.com/office/drawing/2014/main" id="{533891F3-5C12-F109-C168-313B222F5D26}"/>
-              </a:ext>
-            </a:extLst>
-          </p:cNvPr>
-          <p:cNvSpPr>
-            <a:spLocks noGrp="1"/>
-          </p:cNvSpPr>
-          <p:nvPr>
-            <p:ph idx="1"/>
-          </p:nvPr>
-        </p:nvSpPr>
-        <p:spPr>
-          <a:xfrm>
-            <a:off x="548832" y="1737771"/>
-            <a:ext cx="11181052" cy="3483158"/>
-          </a:xfrm>
-        </p:spPr>
-        <p:txBody>
-          <a:bodyPr>
-            <a:normAutofit fontScale="85000" lnSpcReduction="10000"/>
-          </a:bodyPr>
-          <a:lstStyle/>
-          <a:p>
-            <a:pPr algn="just">
-              <a:lnSpc>
-                <a:spcPct val="160000"/>
-              </a:lnSpc>
-            </a:pPr>
-            <a:r>
-              <a:rPr lang="en-US" dirty="0">
-                <a:latin typeface="Times New Roman" panose="02020603050405020304" pitchFamily="18" charset="0"/>
-                <a:cs typeface="Times New Roman" panose="02020603050405020304" pitchFamily="18" charset="0"/>
-              </a:rPr>
-              <a:t>Timetable scheduling is an NP-Hard combinatorial optimization problem faced by educational institutions. The challenge involves allocating courses, instructors, students, and classrooms to specific time slots while adhering to multiple constraints.</a:t>
-            </a:r>
-          </a:p>
-          <a:p>
-            <a:pPr algn="just">
-              <a:lnSpc>
-                <a:spcPct val="160000"/>
-              </a:lnSpc>
-            </a:pPr>
-            <a:r>
-              <a:rPr lang="en-US" dirty="0">
-                <a:latin typeface="Times New Roman" panose="02020603050405020304" pitchFamily="18" charset="0"/>
-                <a:cs typeface="Times New Roman" panose="02020603050405020304" pitchFamily="18" charset="0"/>
-              </a:rPr>
-              <a:t> The traditional manual approach to timetable generation is time-consuming, error-prone, and often leads to scheduling conflicts.</a:t>
-            </a:r>
-          </a:p>
-          <a:p>
-            <a:pPr algn="just">
-              <a:lnSpc>
-                <a:spcPct val="160000"/>
-              </a:lnSpc>
-            </a:pPr>
-            <a:endParaRPr lang="en-IN" sz="2400" dirty="0">
+              <a:t>I</a:t>
+            </a:r>
+            <a:r>
+              <a:rPr lang="en-IN" dirty="0" err="1">
+                <a:solidFill>
+                  <a:schemeClr val="accent1">
+                    <a:lumMod val="75000"/>
+                  </a:schemeClr>
+                </a:solidFill>
+                <a:latin typeface="Times New Roman" panose="02020603050405020304" pitchFamily="18" charset="0"/>
+                <a:cs typeface="Times New Roman" panose="02020603050405020304" pitchFamily="18" charset="0"/>
+              </a:rPr>
+              <a:t>ntroduction</a:t>
+            </a:r>
+            <a:endParaRPr lang="en-IN" dirty="0">
+              <a:solidFill>
+                <a:schemeClr val="accent1">
+                  <a:lumMod val="75000"/>
+                </a:schemeClr>
+              </a:solidFill>
               <a:latin typeface="Times New Roman" panose="02020603050405020304" pitchFamily="18" charset="0"/>
               <a:cs typeface="Times New Roman" panose="02020603050405020304" pitchFamily="18" charset="0"/>
             </a:endParaRPr>
           </a:p>
         </p:txBody>
       </p:sp>
-      <p:sp>
-        <p:nvSpPr>
-          <p:cNvPr id="8" name="Slide Number Placeholder 7">
-            <a:extLst>
-              <a:ext uri="{FF2B5EF4-FFF2-40B4-BE49-F238E27FC236}">
-                <a16:creationId xmlns:a16="http://schemas.microsoft.com/office/drawing/2014/main" id="{943B2B1A-BAFD-8784-A1B7-51B51F23CE6D}"/>
-              </a:ext>
-            </a:extLst>
-          </p:cNvPr>
-          <p:cNvSpPr>
-            <a:spLocks noGrp="1"/>
-          </p:cNvSpPr>
-          <p:nvPr>
-            <p:ph type="sldNum" sz="quarter" idx="12"/>
-          </p:nvPr>
-        </p:nvSpPr>
-        <p:spPr/>
-        <p:txBody>
-          <a:bodyPr/>
-          <a:lstStyle/>
-          <a:p>
-            <a:fld id="{D19EB42E-18EF-4ADA-8D91-F15AD1AFC8DD}" type="slidenum">
-              <a:rPr lang="en-IN" smtClean="0"/>
-              <a:t>2</a:t>
-            </a:fld>
-            <a:endParaRPr lang="en-IN"/>
-          </a:p>
-        </p:txBody>
-      </p:sp>
     </p:spTree>
     <p:extLst>
       <p:ext uri="{BB962C8B-B14F-4D97-AF65-F5344CB8AC3E}">
-        <p14:creationId xmlns:p14="http://schemas.microsoft.com/office/powerpoint/2010/main" val="920758399"/>
+        <p14:creationId xmlns:p14="http://schemas.microsoft.com/office/powerpoint/2010/main" val="2113258088"/>
       </p:ext>
     </p:extLst>
   </p:cSld>
@@ -5654,7 +5817,7 @@
           <p:cNvPr id="2" name="Title 1">
             <a:extLst>
               <a:ext uri="{FF2B5EF4-FFF2-40B4-BE49-F238E27FC236}">
-                <a16:creationId xmlns:a16="http://schemas.microsoft.com/office/drawing/2014/main" id="{4B7FBB85-F981-C077-3C7A-8E4B68D8D52F}"/>
+                <a16:creationId xmlns:a16="http://schemas.microsoft.com/office/drawing/2014/main" id="{D25927DB-0BC4-10A5-F04D-0AAC9C571289}"/>
               </a:ext>
             </a:extLst>
           </p:cNvPr>
@@ -5667,7 +5830,7 @@
         </p:nvSpPr>
         <p:spPr>
           <a:xfrm>
-            <a:off x="548833" y="411424"/>
+            <a:off x="548832" y="412208"/>
             <a:ext cx="10515600" cy="1325563"/>
           </a:xfrm>
         </p:spPr>
@@ -5675,7 +5838,7 @@
           <a:bodyPr/>
           <a:lstStyle/>
           <a:p>
-            <a:pPr marL="571500" indent="-571500">
+            <a:pPr marL="571500" indent="-571500" algn="just">
               <a:buFont typeface="Wingdings" panose="05000000000000000000" pitchFamily="2" charset="2"/>
               <a:buChar char="Ø"/>
             </a:pPr>
@@ -5689,7 +5852,7 @@
                 <a:latin typeface="Times New Roman" panose="02020603050405020304" pitchFamily="18" charset="0"/>
                 <a:cs typeface="Times New Roman" panose="02020603050405020304" pitchFamily="18" charset="0"/>
               </a:rPr>
-              <a:t>Existing solution</a:t>
+              <a:t>Problem Statement</a:t>
             </a:r>
           </a:p>
         </p:txBody>
@@ -5699,7 +5862,7 @@
           <p:cNvPr id="3" name="Content Placeholder 2">
             <a:extLst>
               <a:ext uri="{FF2B5EF4-FFF2-40B4-BE49-F238E27FC236}">
-                <a16:creationId xmlns:a16="http://schemas.microsoft.com/office/drawing/2014/main" id="{B4F899A8-F3CE-8244-9190-3C03DE376DB5}"/>
+                <a16:creationId xmlns:a16="http://schemas.microsoft.com/office/drawing/2014/main" id="{533891F3-5C12-F109-C168-313B222F5D26}"/>
               </a:ext>
             </a:extLst>
           </p:cNvPr>
@@ -5712,33 +5875,47 @@
         </p:nvSpPr>
         <p:spPr>
           <a:xfrm>
-            <a:off x="548833" y="1736987"/>
-            <a:ext cx="10691648" cy="2756885"/>
+            <a:off x="548832" y="1737771"/>
+            <a:ext cx="11181052" cy="3483158"/>
           </a:xfrm>
         </p:spPr>
         <p:txBody>
           <a:bodyPr>
-            <a:normAutofit/>
+            <a:normAutofit fontScale="85000" lnSpcReduction="10000"/>
           </a:bodyPr>
           <a:lstStyle/>
           <a:p>
-            <a:pPr>
+            <a:pPr algn="just">
               <a:lnSpc>
-                <a:spcPct val="150000"/>
+                <a:spcPct val="160000"/>
               </a:lnSpc>
             </a:pPr>
             <a:r>
-              <a:rPr lang="en-IN" sz="2400" dirty="0">
-                <a:latin typeface="Times New Roman" panose="02020603050405020304" pitchFamily="18" charset="0"/>
-                <a:cs typeface="Times New Roman" panose="02020603050405020304" pitchFamily="18" charset="0"/>
-              </a:rPr>
-              <a:t>Timetables are manually created by coordinators, requiring significant time and effort to ensure proper scheduling. Coordinators must carefully analyse multiple factors to prevent conflicts such as overlapping lectures, faculty unavailability and limited classroom resources, making the process prone to errors.</a:t>
-            </a:r>
-          </a:p>
-          <a:p>
-            <a:pPr>
+              <a:rPr lang="en-US" dirty="0">
+                <a:latin typeface="Times New Roman" panose="02020603050405020304" pitchFamily="18" charset="0"/>
+                <a:cs typeface="Times New Roman" panose="02020603050405020304" pitchFamily="18" charset="0"/>
+              </a:rPr>
+              <a:t>Timetable scheduling is an NP-Hard combinatorial optimization problem faced by educational institutions. The challenge involves allocating courses, instructors, students, and classrooms to specific time slots while adhering to multiple constraints.</a:t>
+            </a:r>
+          </a:p>
+          <a:p>
+            <a:pPr algn="just">
               <a:lnSpc>
-                <a:spcPct val="150000"/>
+                <a:spcPct val="160000"/>
+              </a:lnSpc>
+            </a:pPr>
+            <a:r>
+              <a:rPr lang="en-US" dirty="0">
+                <a:latin typeface="Times New Roman" panose="02020603050405020304" pitchFamily="18" charset="0"/>
+                <a:cs typeface="Times New Roman" panose="02020603050405020304" pitchFamily="18" charset="0"/>
+              </a:rPr>
+              <a:t> The traditional manual approach to timetable generation is time-consuming, error-prone, and often leads to scheduling conflicts.</a:t>
+            </a:r>
+          </a:p>
+          <a:p>
+            <a:pPr algn="just">
+              <a:lnSpc>
+                <a:spcPct val="160000"/>
               </a:lnSpc>
             </a:pPr>
             <a:endParaRPr lang="en-IN" sz="2400" dirty="0">
@@ -5753,7 +5930,7 @@
           <p:cNvPr id="8" name="Slide Number Placeholder 7">
             <a:extLst>
               <a:ext uri="{FF2B5EF4-FFF2-40B4-BE49-F238E27FC236}">
-                <a16:creationId xmlns:a16="http://schemas.microsoft.com/office/drawing/2014/main" id="{F43B6C3C-38C3-E59B-8EAE-58953157FFC4}"/>
+                <a16:creationId xmlns:a16="http://schemas.microsoft.com/office/drawing/2014/main" id="{943B2B1A-BAFD-8784-A1B7-51B51F23CE6D}"/>
               </a:ext>
             </a:extLst>
           </p:cNvPr>
@@ -5780,7 +5957,7 @@
     </p:spTree>
     <p:extLst>
       <p:ext uri="{BB962C8B-B14F-4D97-AF65-F5344CB8AC3E}">
-        <p14:creationId xmlns:p14="http://schemas.microsoft.com/office/powerpoint/2010/main" val="2790123033"/>
+        <p14:creationId xmlns:p14="http://schemas.microsoft.com/office/powerpoint/2010/main" val="920758399"/>
       </p:ext>
     </p:extLst>
   </p:cSld>
@@ -5812,7 +5989,7 @@
           <p:cNvPr id="2" name="Title 1">
             <a:extLst>
               <a:ext uri="{FF2B5EF4-FFF2-40B4-BE49-F238E27FC236}">
-                <a16:creationId xmlns:a16="http://schemas.microsoft.com/office/drawing/2014/main" id="{C72B9790-7065-E88F-A651-20A3489F2AEB}"/>
+                <a16:creationId xmlns:a16="http://schemas.microsoft.com/office/drawing/2014/main" id="{4B7FBB85-F981-C077-3C7A-8E4B68D8D52F}"/>
               </a:ext>
             </a:extLst>
           </p:cNvPr>
@@ -5825,7 +6002,7 @@
         </p:nvSpPr>
         <p:spPr>
           <a:xfrm>
-            <a:off x="548833" y="411423"/>
+            <a:off x="548833" y="411424"/>
             <a:ext cx="10515600" cy="1325563"/>
           </a:xfrm>
         </p:spPr>
@@ -5847,7 +6024,7 @@
                 <a:latin typeface="Times New Roman" panose="02020603050405020304" pitchFamily="18" charset="0"/>
                 <a:cs typeface="Times New Roman" panose="02020603050405020304" pitchFamily="18" charset="0"/>
               </a:rPr>
-              <a:t>Proposed Solution</a:t>
+              <a:t>Existing solution</a:t>
             </a:r>
           </a:p>
         </p:txBody>
@@ -5857,7 +6034,7 @@
           <p:cNvPr id="3" name="Content Placeholder 2">
             <a:extLst>
               <a:ext uri="{FF2B5EF4-FFF2-40B4-BE49-F238E27FC236}">
-                <a16:creationId xmlns:a16="http://schemas.microsoft.com/office/drawing/2014/main" id="{E1110629-7CFF-0CD0-A7EA-799DD1291E9C}"/>
+                <a16:creationId xmlns:a16="http://schemas.microsoft.com/office/drawing/2014/main" id="{B4F899A8-F3CE-8244-9190-3C03DE376DB5}"/>
               </a:ext>
             </a:extLst>
           </p:cNvPr>
@@ -5870,8 +6047,8 @@
         </p:nvSpPr>
         <p:spPr>
           <a:xfrm>
-            <a:off x="548833" y="1736986"/>
-            <a:ext cx="10515600" cy="4351338"/>
+            <a:off x="548833" y="1736987"/>
+            <a:ext cx="10691648" cy="2756885"/>
           </a:xfrm>
         </p:spPr>
         <p:txBody>
@@ -5880,64 +6057,21 @@
           </a:bodyPr>
           <a:lstStyle/>
           <a:p>
-            <a:pPr algn="just">
-              <a:lnSpc>
-                <a:spcPct val="150000"/>
-              </a:lnSpc>
-              <a:buNone/>
-            </a:pPr>
-            <a:r>
-              <a:rPr lang="en-US" sz="2400" dirty="0">
-                <a:latin typeface="Times New Roman" panose="02020603050405020304" pitchFamily="18" charset="0"/>
-                <a:cs typeface="Times New Roman" panose="02020603050405020304" pitchFamily="18" charset="0"/>
-              </a:rPr>
-              <a:t>The proposed solution utilizes a Genetic Algorithm (GA) for automatic timetable generation. GA mimics natural selection principles to evolve an optimal timetable by iteratively improving solution. This method ensures:</a:t>
-            </a:r>
-          </a:p>
-          <a:p>
-            <a:pPr lvl="1" algn="just">
+            <a:pPr>
               <a:lnSpc>
                 <a:spcPct val="150000"/>
               </a:lnSpc>
             </a:pPr>
             <a:r>
-              <a:rPr lang="en-US" dirty="0">
-                <a:latin typeface="Times New Roman" panose="02020603050405020304" pitchFamily="18" charset="0"/>
-                <a:cs typeface="Times New Roman" panose="02020603050405020304" pitchFamily="18" charset="0"/>
-              </a:rPr>
-              <a:t>Minimized timetable conflicts.</a:t>
-            </a:r>
-          </a:p>
-          <a:p>
-            <a:pPr lvl="1" algn="just">
-              <a:lnSpc>
-                <a:spcPct val="150000"/>
-              </a:lnSpc>
-            </a:pPr>
-            <a:r>
-              <a:rPr lang="en-US" dirty="0">
-                <a:latin typeface="Times New Roman" panose="02020603050405020304" pitchFamily="18" charset="0"/>
-                <a:cs typeface="Times New Roman" panose="02020603050405020304" pitchFamily="18" charset="0"/>
-              </a:rPr>
-              <a:t>Optimal utilization of resources (classrooms, faculty, and time slots).</a:t>
-            </a:r>
-          </a:p>
-          <a:p>
-            <a:pPr lvl="1" algn="just">
-              <a:lnSpc>
-                <a:spcPct val="150000"/>
-              </a:lnSpc>
-            </a:pPr>
-            <a:r>
-              <a:rPr lang="en-US" dirty="0">
-                <a:latin typeface="Times New Roman" panose="02020603050405020304" pitchFamily="18" charset="0"/>
-                <a:cs typeface="Times New Roman" panose="02020603050405020304" pitchFamily="18" charset="0"/>
-              </a:rPr>
-              <a:t>Reduction in human intervention and errors.</a:t>
-            </a:r>
-          </a:p>
-          <a:p>
-            <a:pPr algn="just">
+              <a:rPr lang="en-IN" sz="2400" dirty="0">
+                <a:latin typeface="Times New Roman" panose="02020603050405020304" pitchFamily="18" charset="0"/>
+                <a:cs typeface="Times New Roman" panose="02020603050405020304" pitchFamily="18" charset="0"/>
+              </a:rPr>
+              <a:t>Timetables are manually created by coordinators, requiring significant time and effort to ensure proper scheduling. Coordinators must carefully analyse multiple factors to prevent conflicts such as overlapping lectures, faculty unavailability and limited classroom resources, making the process prone to errors.</a:t>
+            </a:r>
+          </a:p>
+          <a:p>
+            <a:pPr>
               <a:lnSpc>
                 <a:spcPct val="150000"/>
               </a:lnSpc>
@@ -5954,7 +6088,7 @@
           <p:cNvPr id="8" name="Slide Number Placeholder 7">
             <a:extLst>
               <a:ext uri="{FF2B5EF4-FFF2-40B4-BE49-F238E27FC236}">
-                <a16:creationId xmlns:a16="http://schemas.microsoft.com/office/drawing/2014/main" id="{EFDB9BE3-73BF-04CF-0122-C78DE668ED19}"/>
+                <a16:creationId xmlns:a16="http://schemas.microsoft.com/office/drawing/2014/main" id="{F43B6C3C-38C3-E59B-8EAE-58953157FFC4}"/>
               </a:ext>
             </a:extLst>
           </p:cNvPr>
@@ -5981,7 +6115,7 @@
     </p:spTree>
     <p:extLst>
       <p:ext uri="{BB962C8B-B14F-4D97-AF65-F5344CB8AC3E}">
-        <p14:creationId xmlns:p14="http://schemas.microsoft.com/office/powerpoint/2010/main" val="2248465735"/>
+        <p14:creationId xmlns:p14="http://schemas.microsoft.com/office/powerpoint/2010/main" val="2790123033"/>
       </p:ext>
     </p:extLst>
   </p:cSld>
@@ -6013,7 +6147,7 @@
           <p:cNvPr id="2" name="Title 1">
             <a:extLst>
               <a:ext uri="{FF2B5EF4-FFF2-40B4-BE49-F238E27FC236}">
-                <a16:creationId xmlns:a16="http://schemas.microsoft.com/office/drawing/2014/main" id="{D7800AAC-535A-CA5B-CD60-82440E3F8D60}"/>
+                <a16:creationId xmlns:a16="http://schemas.microsoft.com/office/drawing/2014/main" id="{C72B9790-7065-E88F-A651-20A3489F2AEB}"/>
               </a:ext>
             </a:extLst>
           </p:cNvPr>
@@ -6026,7 +6160,7 @@
         </p:nvSpPr>
         <p:spPr>
           <a:xfrm>
-            <a:off x="548834" y="411423"/>
+            <a:off x="548833" y="411423"/>
             <a:ext cx="10515600" cy="1325563"/>
           </a:xfrm>
         </p:spPr>
@@ -6048,7 +6182,7 @@
                 <a:latin typeface="Times New Roman" panose="02020603050405020304" pitchFamily="18" charset="0"/>
                 <a:cs typeface="Times New Roman" panose="02020603050405020304" pitchFamily="18" charset="0"/>
               </a:rPr>
-              <a:t>User requirements</a:t>
+              <a:t>Proposed Solution</a:t>
             </a:r>
           </a:p>
         </p:txBody>
@@ -6058,7 +6192,7 @@
           <p:cNvPr id="3" name="Content Placeholder 2">
             <a:extLst>
               <a:ext uri="{FF2B5EF4-FFF2-40B4-BE49-F238E27FC236}">
-                <a16:creationId xmlns:a16="http://schemas.microsoft.com/office/drawing/2014/main" id="{1975CCD3-A117-4C76-F635-F31538082751}"/>
+                <a16:creationId xmlns:a16="http://schemas.microsoft.com/office/drawing/2014/main" id="{E1110629-7CFF-0CD0-A7EA-799DD1291E9C}"/>
               </a:ext>
             </a:extLst>
           </p:cNvPr>
@@ -6071,7 +6205,7 @@
         </p:nvSpPr>
         <p:spPr>
           <a:xfrm>
-            <a:off x="548834" y="1736986"/>
+            <a:off x="548833" y="1736986"/>
             <a:ext cx="10515600" cy="4351338"/>
           </a:xfrm>
         </p:spPr>
@@ -6081,173 +6215,73 @@
           </a:bodyPr>
           <a:lstStyle/>
           <a:p>
-            <a:r>
-              <a:rPr lang="en-US" sz="2400" b="1" dirty="0">
-                <a:latin typeface="Times New Roman" panose="02020603050405020304" pitchFamily="18" charset="0"/>
-                <a:cs typeface="Times New Roman" panose="02020603050405020304" pitchFamily="18" charset="0"/>
-              </a:rPr>
-              <a:t>System Requirements</a:t>
-            </a:r>
+            <a:pPr algn="just">
+              <a:lnSpc>
+                <a:spcPct val="150000"/>
+              </a:lnSpc>
+              <a:buNone/>
+            </a:pPr>
             <a:r>
               <a:rPr lang="en-US" sz="2400" dirty="0">
                 <a:latin typeface="Times New Roman" panose="02020603050405020304" pitchFamily="18" charset="0"/>
                 <a:cs typeface="Times New Roman" panose="02020603050405020304" pitchFamily="18" charset="0"/>
               </a:rPr>
-              <a:t>:</a:t>
-            </a:r>
-          </a:p>
-          <a:p>
-            <a:pPr lvl="1"/>
+              <a:t>	The proposed solution utilizes a Genetic Algorithm (GA) for automatic timetable generation. GA mimics natural selection principles to evolve an optimal timetable by iteratively improving solution. This method ensures:</a:t>
+            </a:r>
+          </a:p>
+          <a:p>
+            <a:pPr lvl="1" algn="just">
+              <a:lnSpc>
+                <a:spcPct val="150000"/>
+              </a:lnSpc>
+            </a:pPr>
             <a:r>
               <a:rPr lang="en-US" dirty="0">
                 <a:latin typeface="Times New Roman" panose="02020603050405020304" pitchFamily="18" charset="0"/>
                 <a:cs typeface="Times New Roman" panose="02020603050405020304" pitchFamily="18" charset="0"/>
               </a:rPr>
-              <a:t>PC should have </a:t>
-            </a:r>
-            <a:r>
-              <a:rPr lang="en-US" b="0" i="0" dirty="0">
-                <a:solidFill>
-                  <a:schemeClr val="tx1">
-                    <a:lumMod val="95000"/>
-                    <a:lumOff val="5000"/>
-                  </a:schemeClr>
-                </a:solidFill>
-                <a:effectLst/>
-                <a:latin typeface="Times New Roman" panose="02020603050405020304" pitchFamily="18" charset="0"/>
-                <a:cs typeface="Times New Roman" panose="02020603050405020304" pitchFamily="18" charset="0"/>
-              </a:rPr>
-              <a:t>at least 4 GB of RAM,</a:t>
-            </a:r>
-          </a:p>
-          <a:p>
-            <a:pPr lvl="1"/>
-            <a:r>
-              <a:rPr lang="en-IN" b="0" i="0" dirty="0">
-                <a:solidFill>
-                  <a:schemeClr val="tx1">
-                    <a:lumMod val="95000"/>
-                    <a:lumOff val="5000"/>
-                  </a:schemeClr>
-                </a:solidFill>
-                <a:effectLst/>
-                <a:latin typeface="Times New Roman" panose="02020603050405020304" pitchFamily="18" charset="0"/>
-                <a:cs typeface="Times New Roman" panose="02020603050405020304" pitchFamily="18" charset="0"/>
-              </a:rPr>
-              <a:t>Windows 7 and upwards.</a:t>
-            </a:r>
-            <a:endParaRPr lang="en-US" dirty="0">
-              <a:solidFill>
-                <a:schemeClr val="tx1">
-                  <a:lumMod val="95000"/>
-                  <a:lumOff val="5000"/>
-                </a:schemeClr>
-              </a:solidFill>
+              <a:t>Minimized timetable conflicts.</a:t>
+            </a:r>
+          </a:p>
+          <a:p>
+            <a:pPr lvl="1" algn="just">
+              <a:lnSpc>
+                <a:spcPct val="150000"/>
+              </a:lnSpc>
+            </a:pPr>
+            <a:r>
+              <a:rPr lang="en-US" dirty="0">
+                <a:latin typeface="Times New Roman" panose="02020603050405020304" pitchFamily="18" charset="0"/>
+                <a:cs typeface="Times New Roman" panose="02020603050405020304" pitchFamily="18" charset="0"/>
+              </a:rPr>
+              <a:t>Optimal utilization of resources (classrooms, faculty, and time slots).</a:t>
+            </a:r>
+          </a:p>
+          <a:p>
+            <a:pPr lvl="1" algn="just">
+              <a:lnSpc>
+                <a:spcPct val="150000"/>
+              </a:lnSpc>
+            </a:pPr>
+            <a:r>
+              <a:rPr lang="en-US" dirty="0">
+                <a:latin typeface="Times New Roman" panose="02020603050405020304" pitchFamily="18" charset="0"/>
+                <a:cs typeface="Times New Roman" panose="02020603050405020304" pitchFamily="18" charset="0"/>
+              </a:rPr>
+              <a:t>Reduction in human intervention and errors.</a:t>
+            </a:r>
+          </a:p>
+          <a:p>
+            <a:pPr algn="just">
+              <a:lnSpc>
+                <a:spcPct val="150000"/>
+              </a:lnSpc>
+            </a:pPr>
+            <a:endParaRPr lang="en-IN" sz="2400" dirty="0">
               <a:latin typeface="Times New Roman" panose="02020603050405020304" pitchFamily="18" charset="0"/>
               <a:cs typeface="Times New Roman" panose="02020603050405020304" pitchFamily="18" charset="0"/>
             </a:endParaRPr>
           </a:p>
-          <a:p>
-            <a:pPr lvl="1"/>
-            <a:r>
-              <a:rPr lang="en-US" b="0" i="0" dirty="0">
-                <a:solidFill>
-                  <a:schemeClr val="tx1">
-                    <a:lumMod val="95000"/>
-                    <a:lumOff val="5000"/>
-                  </a:schemeClr>
-                </a:solidFill>
-                <a:effectLst/>
-                <a:latin typeface="Times New Roman" panose="02020603050405020304" pitchFamily="18" charset="0"/>
-                <a:cs typeface="Times New Roman" panose="02020603050405020304" pitchFamily="18" charset="0"/>
-              </a:rPr>
-              <a:t>Python version least 3.8 or above.</a:t>
-            </a:r>
-          </a:p>
-          <a:p>
-            <a:pPr lvl="1"/>
-            <a:r>
-              <a:rPr lang="en-US" dirty="0">
-                <a:solidFill>
-                  <a:schemeClr val="tx1">
-                    <a:lumMod val="95000"/>
-                    <a:lumOff val="5000"/>
-                  </a:schemeClr>
-                </a:solidFill>
-                <a:latin typeface="Times New Roman" panose="02020603050405020304" pitchFamily="18" charset="0"/>
-                <a:cs typeface="Times New Roman" panose="02020603050405020304" pitchFamily="18" charset="0"/>
-              </a:rPr>
-              <a:t>SQLite default database.</a:t>
-            </a:r>
-          </a:p>
-          <a:p>
-            <a:pPr lvl="1"/>
-            <a:r>
-              <a:rPr lang="en-US" dirty="0">
-                <a:solidFill>
-                  <a:schemeClr val="tx1">
-                    <a:lumMod val="95000"/>
-                    <a:lumOff val="5000"/>
-                  </a:schemeClr>
-                </a:solidFill>
-                <a:latin typeface="Times New Roman" panose="02020603050405020304" pitchFamily="18" charset="0"/>
-                <a:cs typeface="Times New Roman" panose="02020603050405020304" pitchFamily="18" charset="0"/>
-              </a:rPr>
-              <a:t>Internet access.</a:t>
-            </a:r>
-          </a:p>
-          <a:p>
-            <a:r>
-              <a:rPr lang="en-US" sz="2400" b="1" dirty="0">
-                <a:latin typeface="Times New Roman" panose="02020603050405020304" pitchFamily="18" charset="0"/>
-                <a:cs typeface="Times New Roman" panose="02020603050405020304" pitchFamily="18" charset="0"/>
-              </a:rPr>
-              <a:t>Project Components</a:t>
-            </a:r>
-            <a:r>
-              <a:rPr lang="en-US" sz="2400" dirty="0">
-                <a:latin typeface="Times New Roman" panose="02020603050405020304" pitchFamily="18" charset="0"/>
-                <a:cs typeface="Times New Roman" panose="02020603050405020304" pitchFamily="18" charset="0"/>
-              </a:rPr>
-              <a:t>: </a:t>
-            </a:r>
-          </a:p>
-          <a:p>
-            <a:pPr lvl="1" algn="just"/>
-            <a:r>
-              <a:rPr lang="en-US" dirty="0">
-                <a:latin typeface="Times New Roman" panose="02020603050405020304" pitchFamily="18" charset="0"/>
-                <a:cs typeface="Times New Roman" panose="02020603050405020304" pitchFamily="18" charset="0"/>
-              </a:rPr>
-              <a:t>Identifying the requirements of the institution.</a:t>
-            </a:r>
-          </a:p>
-          <a:p>
-            <a:pPr lvl="1"/>
-            <a:r>
-              <a:rPr lang="en-US" dirty="0">
-                <a:latin typeface="Times New Roman" panose="02020603050405020304" pitchFamily="18" charset="0"/>
-                <a:cs typeface="Times New Roman" panose="02020603050405020304" pitchFamily="18" charset="0"/>
-              </a:rPr>
-              <a:t>Details about the Faculty, Courses, Classes, Classrooms, Labs.</a:t>
-            </a:r>
-          </a:p>
-          <a:p>
-            <a:pPr lvl="1" algn="just"/>
-            <a:r>
-              <a:rPr lang="en-US" dirty="0">
-                <a:latin typeface="Times New Roman" panose="02020603050405020304" pitchFamily="18" charset="0"/>
-                <a:cs typeface="Times New Roman" panose="02020603050405020304" pitchFamily="18" charset="0"/>
-              </a:rPr>
-              <a:t>Customization of timetable as per the requirements. </a:t>
-            </a:r>
-          </a:p>
-          <a:p>
-            <a:endParaRPr lang="en-IN" dirty="0">
-              <a:latin typeface="Times New Roman" panose="02020603050405020304" pitchFamily="18" charset="0"/>
-              <a:cs typeface="Times New Roman" panose="02020603050405020304" pitchFamily="18" charset="0"/>
-            </a:endParaRPr>
-          </a:p>
         </p:txBody>
       </p:sp>
       <p:sp>
@@ -6255,7 +6289,7 @@
           <p:cNvPr id="8" name="Slide Number Placeholder 7">
             <a:extLst>
               <a:ext uri="{FF2B5EF4-FFF2-40B4-BE49-F238E27FC236}">
-                <a16:creationId xmlns:a16="http://schemas.microsoft.com/office/drawing/2014/main" id="{5B431902-F7F1-B6CA-C2B3-0EFECA70F7EC}"/>
+                <a16:creationId xmlns:a16="http://schemas.microsoft.com/office/drawing/2014/main" id="{EFDB9BE3-73BF-04CF-0122-C78DE668ED19}"/>
               </a:ext>
             </a:extLst>
           </p:cNvPr>
@@ -6282,7 +6316,7 @@
     </p:spTree>
     <p:extLst>
       <p:ext uri="{BB962C8B-B14F-4D97-AF65-F5344CB8AC3E}">
-        <p14:creationId xmlns:p14="http://schemas.microsoft.com/office/powerpoint/2010/main" val="2635137703"/>
+        <p14:creationId xmlns:p14="http://schemas.microsoft.com/office/powerpoint/2010/main" val="2248465735"/>
       </p:ext>
     </p:extLst>
   </p:cSld>
@@ -6314,6 +6348,307 @@
           <p:cNvPr id="2" name="Title 1">
             <a:extLst>
               <a:ext uri="{FF2B5EF4-FFF2-40B4-BE49-F238E27FC236}">
+                <a16:creationId xmlns:a16="http://schemas.microsoft.com/office/drawing/2014/main" id="{D7800AAC-535A-CA5B-CD60-82440E3F8D60}"/>
+              </a:ext>
+            </a:extLst>
+          </p:cNvPr>
+          <p:cNvSpPr>
+            <a:spLocks noGrp="1"/>
+          </p:cNvSpPr>
+          <p:nvPr>
+            <p:ph type="title"/>
+          </p:nvPr>
+        </p:nvSpPr>
+        <p:spPr>
+          <a:xfrm>
+            <a:off x="548834" y="411423"/>
+            <a:ext cx="10515600" cy="1325563"/>
+          </a:xfrm>
+        </p:spPr>
+        <p:txBody>
+          <a:bodyPr/>
+          <a:lstStyle/>
+          <a:p>
+            <a:pPr marL="571500" indent="-571500">
+              <a:buFont typeface="Wingdings" panose="05000000000000000000" pitchFamily="2" charset="2"/>
+              <a:buChar char="Ø"/>
+            </a:pPr>
+            <a:r>
+              <a:rPr lang="en-IN" dirty="0">
+                <a:solidFill>
+                  <a:schemeClr val="accent1">
+                    <a:lumMod val="75000"/>
+                  </a:schemeClr>
+                </a:solidFill>
+                <a:latin typeface="Times New Roman" panose="02020603050405020304" pitchFamily="18" charset="0"/>
+                <a:cs typeface="Times New Roman" panose="02020603050405020304" pitchFamily="18" charset="0"/>
+              </a:rPr>
+              <a:t>User requirements</a:t>
+            </a:r>
+          </a:p>
+        </p:txBody>
+      </p:sp>
+      <p:sp>
+        <p:nvSpPr>
+          <p:cNvPr id="3" name="Content Placeholder 2">
+            <a:extLst>
+              <a:ext uri="{FF2B5EF4-FFF2-40B4-BE49-F238E27FC236}">
+                <a16:creationId xmlns:a16="http://schemas.microsoft.com/office/drawing/2014/main" id="{1975CCD3-A117-4C76-F635-F31538082751}"/>
+              </a:ext>
+            </a:extLst>
+          </p:cNvPr>
+          <p:cNvSpPr>
+            <a:spLocks noGrp="1"/>
+          </p:cNvSpPr>
+          <p:nvPr>
+            <p:ph idx="1"/>
+          </p:nvPr>
+        </p:nvSpPr>
+        <p:spPr>
+          <a:xfrm>
+            <a:off x="548834" y="1736986"/>
+            <a:ext cx="10515600" cy="4351338"/>
+          </a:xfrm>
+        </p:spPr>
+        <p:txBody>
+          <a:bodyPr>
+            <a:normAutofit/>
+          </a:bodyPr>
+          <a:lstStyle/>
+          <a:p>
+            <a:r>
+              <a:rPr lang="en-US" sz="2400" b="1" dirty="0">
+                <a:latin typeface="Times New Roman" panose="02020603050405020304" pitchFamily="18" charset="0"/>
+                <a:cs typeface="Times New Roman" panose="02020603050405020304" pitchFamily="18" charset="0"/>
+              </a:rPr>
+              <a:t>System Requirements</a:t>
+            </a:r>
+            <a:r>
+              <a:rPr lang="en-US" sz="2400" dirty="0">
+                <a:latin typeface="Times New Roman" panose="02020603050405020304" pitchFamily="18" charset="0"/>
+                <a:cs typeface="Times New Roman" panose="02020603050405020304" pitchFamily="18" charset="0"/>
+              </a:rPr>
+              <a:t>:</a:t>
+            </a:r>
+          </a:p>
+          <a:p>
+            <a:pPr lvl="1"/>
+            <a:r>
+              <a:rPr lang="en-US" dirty="0">
+                <a:latin typeface="Times New Roman" panose="02020603050405020304" pitchFamily="18" charset="0"/>
+                <a:cs typeface="Times New Roman" panose="02020603050405020304" pitchFamily="18" charset="0"/>
+              </a:rPr>
+              <a:t>PC should have </a:t>
+            </a:r>
+            <a:r>
+              <a:rPr lang="en-US" b="0" i="0" dirty="0">
+                <a:solidFill>
+                  <a:schemeClr val="tx1">
+                    <a:lumMod val="95000"/>
+                    <a:lumOff val="5000"/>
+                  </a:schemeClr>
+                </a:solidFill>
+                <a:effectLst/>
+                <a:latin typeface="Times New Roman" panose="02020603050405020304" pitchFamily="18" charset="0"/>
+                <a:cs typeface="Times New Roman" panose="02020603050405020304" pitchFamily="18" charset="0"/>
+              </a:rPr>
+              <a:t>at least 4 GB of RAM,</a:t>
+            </a:r>
+          </a:p>
+          <a:p>
+            <a:pPr lvl="1"/>
+            <a:r>
+              <a:rPr lang="en-IN" b="0" i="0" dirty="0">
+                <a:solidFill>
+                  <a:schemeClr val="tx1">
+                    <a:lumMod val="95000"/>
+                    <a:lumOff val="5000"/>
+                  </a:schemeClr>
+                </a:solidFill>
+                <a:effectLst/>
+                <a:latin typeface="Times New Roman" panose="02020603050405020304" pitchFamily="18" charset="0"/>
+                <a:cs typeface="Times New Roman" panose="02020603050405020304" pitchFamily="18" charset="0"/>
+              </a:rPr>
+              <a:t>Windows 7 and upwards.</a:t>
+            </a:r>
+            <a:endParaRPr lang="en-US" dirty="0">
+              <a:solidFill>
+                <a:schemeClr val="tx1">
+                  <a:lumMod val="95000"/>
+                  <a:lumOff val="5000"/>
+                </a:schemeClr>
+              </a:solidFill>
+              <a:latin typeface="Times New Roman" panose="02020603050405020304" pitchFamily="18" charset="0"/>
+              <a:cs typeface="Times New Roman" panose="02020603050405020304" pitchFamily="18" charset="0"/>
+            </a:endParaRPr>
+          </a:p>
+          <a:p>
+            <a:pPr lvl="1"/>
+            <a:r>
+              <a:rPr lang="en-US" b="0" i="0" dirty="0">
+                <a:solidFill>
+                  <a:schemeClr val="tx1">
+                    <a:lumMod val="95000"/>
+                    <a:lumOff val="5000"/>
+                  </a:schemeClr>
+                </a:solidFill>
+                <a:effectLst/>
+                <a:latin typeface="Times New Roman" panose="02020603050405020304" pitchFamily="18" charset="0"/>
+                <a:cs typeface="Times New Roman" panose="02020603050405020304" pitchFamily="18" charset="0"/>
+              </a:rPr>
+              <a:t>Python version least 3.8 or above.</a:t>
+            </a:r>
+          </a:p>
+          <a:p>
+            <a:pPr lvl="1"/>
+            <a:r>
+              <a:rPr lang="en-US" dirty="0">
+                <a:solidFill>
+                  <a:schemeClr val="tx1">
+                    <a:lumMod val="95000"/>
+                    <a:lumOff val="5000"/>
+                  </a:schemeClr>
+                </a:solidFill>
+                <a:latin typeface="Times New Roman" panose="02020603050405020304" pitchFamily="18" charset="0"/>
+                <a:cs typeface="Times New Roman" panose="02020603050405020304" pitchFamily="18" charset="0"/>
+              </a:rPr>
+              <a:t>SQLite default database.</a:t>
+            </a:r>
+          </a:p>
+          <a:p>
+            <a:pPr lvl="1"/>
+            <a:r>
+              <a:rPr lang="en-US" dirty="0">
+                <a:solidFill>
+                  <a:schemeClr val="tx1">
+                    <a:lumMod val="95000"/>
+                    <a:lumOff val="5000"/>
+                  </a:schemeClr>
+                </a:solidFill>
+                <a:latin typeface="Times New Roman" panose="02020603050405020304" pitchFamily="18" charset="0"/>
+                <a:cs typeface="Times New Roman" panose="02020603050405020304" pitchFamily="18" charset="0"/>
+              </a:rPr>
+              <a:t>Internet access.</a:t>
+            </a:r>
+          </a:p>
+          <a:p>
+            <a:r>
+              <a:rPr lang="en-US" sz="2400" b="1" dirty="0">
+                <a:latin typeface="Times New Roman" panose="02020603050405020304" pitchFamily="18" charset="0"/>
+                <a:cs typeface="Times New Roman" panose="02020603050405020304" pitchFamily="18" charset="0"/>
+              </a:rPr>
+              <a:t>Project Components</a:t>
+            </a:r>
+            <a:r>
+              <a:rPr lang="en-US" sz="2400" dirty="0">
+                <a:latin typeface="Times New Roman" panose="02020603050405020304" pitchFamily="18" charset="0"/>
+                <a:cs typeface="Times New Roman" panose="02020603050405020304" pitchFamily="18" charset="0"/>
+              </a:rPr>
+              <a:t>: </a:t>
+            </a:r>
+          </a:p>
+          <a:p>
+            <a:pPr lvl="1" algn="just"/>
+            <a:r>
+              <a:rPr lang="en-US" dirty="0">
+                <a:latin typeface="Times New Roman" panose="02020603050405020304" pitchFamily="18" charset="0"/>
+                <a:cs typeface="Times New Roman" panose="02020603050405020304" pitchFamily="18" charset="0"/>
+              </a:rPr>
+              <a:t>Identifying the requirements of the institution.</a:t>
+            </a:r>
+          </a:p>
+          <a:p>
+            <a:pPr lvl="1"/>
+            <a:r>
+              <a:rPr lang="en-US" dirty="0">
+                <a:latin typeface="Times New Roman" panose="02020603050405020304" pitchFamily="18" charset="0"/>
+                <a:cs typeface="Times New Roman" panose="02020603050405020304" pitchFamily="18" charset="0"/>
+              </a:rPr>
+              <a:t>Details about the Faculty, Courses, Classes, Classrooms, Labs.</a:t>
+            </a:r>
+          </a:p>
+          <a:p>
+            <a:pPr lvl="1" algn="just"/>
+            <a:r>
+              <a:rPr lang="en-US" dirty="0">
+                <a:latin typeface="Times New Roman" panose="02020603050405020304" pitchFamily="18" charset="0"/>
+                <a:cs typeface="Times New Roman" panose="02020603050405020304" pitchFamily="18" charset="0"/>
+              </a:rPr>
+              <a:t>Customization of timetable as per the requirements. </a:t>
+            </a:r>
+          </a:p>
+          <a:p>
+            <a:endParaRPr lang="en-IN" dirty="0">
+              <a:latin typeface="Times New Roman" panose="02020603050405020304" pitchFamily="18" charset="0"/>
+              <a:cs typeface="Times New Roman" panose="02020603050405020304" pitchFamily="18" charset="0"/>
+            </a:endParaRPr>
+          </a:p>
+        </p:txBody>
+      </p:sp>
+      <p:sp>
+        <p:nvSpPr>
+          <p:cNvPr id="8" name="Slide Number Placeholder 7">
+            <a:extLst>
+              <a:ext uri="{FF2B5EF4-FFF2-40B4-BE49-F238E27FC236}">
+                <a16:creationId xmlns:a16="http://schemas.microsoft.com/office/drawing/2014/main" id="{5B431902-F7F1-B6CA-C2B3-0EFECA70F7EC}"/>
+              </a:ext>
+            </a:extLst>
+          </p:cNvPr>
+          <p:cNvSpPr>
+            <a:spLocks noGrp="1"/>
+          </p:cNvSpPr>
+          <p:nvPr>
+            <p:ph type="sldNum" sz="quarter" idx="12"/>
+          </p:nvPr>
+        </p:nvSpPr>
+        <p:spPr/>
+        <p:txBody>
+          <a:bodyPr/>
+          <a:lstStyle/>
+          <a:p>
+            <a:fld id="{D19EB42E-18EF-4ADA-8D91-F15AD1AFC8DD}" type="slidenum">
+              <a:rPr lang="en-IN" smtClean="0"/>
+              <a:t>6</a:t>
+            </a:fld>
+            <a:endParaRPr lang="en-IN"/>
+          </a:p>
+        </p:txBody>
+      </p:sp>
+    </p:spTree>
+    <p:extLst>
+      <p:ext uri="{BB962C8B-B14F-4D97-AF65-F5344CB8AC3E}">
+        <p14:creationId xmlns:p14="http://schemas.microsoft.com/office/powerpoint/2010/main" val="2635137703"/>
+      </p:ext>
+    </p:extLst>
+  </p:cSld>
+  <p:clrMapOvr>
+    <a:masterClrMapping/>
+  </p:clrMapOvr>
+</p:sld>
+</file>
+
+<file path=ppt/slides/slide7.xml><?xml version="1.0" encoding="utf-8"?>
+<p:sld xmlns:a="http://schemas.openxmlformats.org/drawingml/2006/main" xmlns:r="http://schemas.openxmlformats.org/officeDocument/2006/relationships" xmlns:p="http://schemas.openxmlformats.org/presentationml/2006/main">
+  <p:cSld>
+    <p:spTree>
+      <p:nvGrpSpPr>
+        <p:cNvPr id="1" name=""/>
+        <p:cNvGrpSpPr/>
+        <p:nvPr/>
+      </p:nvGrpSpPr>
+      <p:grpSpPr>
+        <a:xfrm>
+          <a:off x="0" y="0"/>
+          <a:ext cx="0" cy="0"/>
+          <a:chOff x="0" y="0"/>
+          <a:chExt cx="0" cy="0"/>
+        </a:xfrm>
+      </p:grpSpPr>
+      <p:sp>
+        <p:nvSpPr>
+          <p:cNvPr id="2" name="Title 1">
+            <a:extLst>
+              <a:ext uri="{FF2B5EF4-FFF2-40B4-BE49-F238E27FC236}">
                 <a16:creationId xmlns:a16="http://schemas.microsoft.com/office/drawing/2014/main" id="{977A1AF5-3EB8-FCA3-B05C-F14BB5A9992E}"/>
               </a:ext>
             </a:extLst>
@@ -6377,9 +6712,9 @@
           <a:p>
             <a:fld id="{D19EB42E-18EF-4ADA-8D91-F15AD1AFC8DD}" type="slidenum">
               <a:rPr lang="en-IN" smtClean="0"/>
-              <a:t>6</a:t>
+              <a:t>7</a:t>
             </a:fld>
-            <a:endParaRPr lang="en-IN"/>
+            <a:endParaRPr lang="en-IN" dirty="0"/>
           </a:p>
         </p:txBody>
       </p:sp>
@@ -6411,14 +6746,56 @@
         </p:blipFill>
         <p:spPr>
           <a:xfrm>
-            <a:off x="4024311" y="1242085"/>
-            <a:ext cx="3451309" cy="5395150"/>
+            <a:off x="4328335" y="706766"/>
+            <a:ext cx="3380155" cy="5283920"/>
           </a:xfrm>
           <a:prstGeom prst="rect">
             <a:avLst/>
           </a:prstGeom>
         </p:spPr>
       </p:pic>
+      <p:sp>
+        <p:nvSpPr>
+          <p:cNvPr id="4" name="TextBox 3">
+            <a:extLst>
+              <a:ext uri="{FF2B5EF4-FFF2-40B4-BE49-F238E27FC236}">
+                <a16:creationId xmlns:a16="http://schemas.microsoft.com/office/drawing/2014/main" id="{31E2A8DF-9746-CE40-E494-C3EB87603BD3}"/>
+              </a:ext>
+            </a:extLst>
+          </p:cNvPr>
+          <p:cNvSpPr txBox="1"/>
+          <p:nvPr/>
+        </p:nvSpPr>
+        <p:spPr>
+          <a:xfrm>
+            <a:off x="1789471" y="6048488"/>
+            <a:ext cx="8613058" cy="646331"/>
+          </a:xfrm>
+          <a:prstGeom prst="rect">
+            <a:avLst/>
+          </a:prstGeom>
+          <a:noFill/>
+        </p:spPr>
+        <p:txBody>
+          <a:bodyPr wrap="square" rtlCol="0">
+            <a:spAutoFit/>
+          </a:bodyPr>
+          <a:lstStyle/>
+          <a:p>
+            <a:r>
+              <a:rPr lang="en-US" b="1" dirty="0">
+                <a:latin typeface="Times New Roman" panose="02020603050405020304" pitchFamily="18" charset="0"/>
+                <a:cs typeface="Times New Roman" panose="02020603050405020304" pitchFamily="18" charset="0"/>
+              </a:rPr>
+              <a:t>Figure : The flowchart visually represents the automated timetable generation process using a Genetic Algorithm.</a:t>
+            </a:r>
+            <a:endParaRPr lang="en-IN" b="1" dirty="0">
+              <a:latin typeface="Times New Roman" panose="02020603050405020304" pitchFamily="18" charset="0"/>
+              <a:cs typeface="Times New Roman" panose="02020603050405020304" pitchFamily="18" charset="0"/>
+            </a:endParaRPr>
+          </a:p>
+        </p:txBody>
+      </p:sp>
     </p:spTree>
     <p:extLst>
       <p:ext uri="{BB962C8B-B14F-4D97-AF65-F5344CB8AC3E}">
@@ -6432,7 +6809,7 @@
 </p:sld>
 </file>
 
-<file path=ppt/slides/slide7.xml><?xml version="1.0" encoding="utf-8"?>
+<file path=ppt/slides/slide8.xml><?xml version="1.0" encoding="utf-8"?>
 <p:sld xmlns:a="http://schemas.openxmlformats.org/drawingml/2006/main" xmlns:r="http://schemas.openxmlformats.org/officeDocument/2006/relationships" xmlns:p="http://schemas.openxmlformats.org/presentationml/2006/main">
   <p:cSld>
     <p:spTree>
@@ -6472,7 +6849,7 @@
           <a:p>
             <a:fld id="{D19EB42E-18EF-4ADA-8D91-F15AD1AFC8DD}" type="slidenum">
               <a:rPr lang="en-IN" smtClean="0"/>
-              <a:t>7</a:t>
+              <a:t>8</a:t>
             </a:fld>
             <a:endParaRPr lang="en-IN"/>
           </a:p>
@@ -6575,262 +6952,60 @@
         </p:blipFill>
         <p:spPr>
           <a:xfrm>
-            <a:off x="2369488" y="886235"/>
-            <a:ext cx="7453023" cy="5835240"/>
+            <a:off x="2345634" y="711563"/>
+            <a:ext cx="6941659" cy="5434874"/>
           </a:xfrm>
           <a:prstGeom prst="rect">
             <a:avLst/>
           </a:prstGeom>
         </p:spPr>
       </p:pic>
+      <p:sp>
+        <p:nvSpPr>
+          <p:cNvPr id="2" name="TextBox 1">
+            <a:extLst>
+              <a:ext uri="{FF2B5EF4-FFF2-40B4-BE49-F238E27FC236}">
+                <a16:creationId xmlns:a16="http://schemas.microsoft.com/office/drawing/2014/main" id="{D7F7A8C7-3117-7309-CED2-E96CD391F6E8}"/>
+              </a:ext>
+            </a:extLst>
+          </p:cNvPr>
+          <p:cNvSpPr txBox="1"/>
+          <p:nvPr/>
+        </p:nvSpPr>
+        <p:spPr>
+          <a:xfrm>
+            <a:off x="1789471" y="6076420"/>
+            <a:ext cx="8622890" cy="646331"/>
+          </a:xfrm>
+          <a:prstGeom prst="rect">
+            <a:avLst/>
+          </a:prstGeom>
+          <a:noFill/>
+        </p:spPr>
+        <p:txBody>
+          <a:bodyPr wrap="square" rtlCol="0">
+            <a:spAutoFit/>
+          </a:bodyPr>
+          <a:lstStyle/>
+          <a:p>
+            <a:r>
+              <a:rPr lang="en-US" b="1" dirty="0">
+                <a:latin typeface="Times New Roman" panose="02020603050405020304" pitchFamily="18" charset="0"/>
+                <a:cs typeface="Times New Roman" panose="02020603050405020304" pitchFamily="18" charset="0"/>
+              </a:rPr>
+              <a:t>Figure : The activity diagram provides a detailed workflow of the web-based timetable scheduling system, focusing on user interactions and system functions.</a:t>
+            </a:r>
+            <a:endParaRPr lang="en-IN" b="1" dirty="0">
+              <a:latin typeface="Times New Roman" panose="02020603050405020304" pitchFamily="18" charset="0"/>
+              <a:cs typeface="Times New Roman" panose="02020603050405020304" pitchFamily="18" charset="0"/>
+            </a:endParaRPr>
+          </a:p>
+        </p:txBody>
+      </p:sp>
     </p:spTree>
     <p:extLst>
       <p:ext uri="{BB962C8B-B14F-4D97-AF65-F5344CB8AC3E}">
         <p14:creationId xmlns:p14="http://schemas.microsoft.com/office/powerpoint/2010/main" val="1150949483"/>
-      </p:ext>
-    </p:extLst>
-  </p:cSld>
-  <p:clrMapOvr>
-    <a:masterClrMapping/>
-  </p:clrMapOvr>
-</p:sld>
-</file>
-
-<file path=ppt/slides/slide8.xml><?xml version="1.0" encoding="utf-8"?>
-<p:sld xmlns:a="http://schemas.openxmlformats.org/drawingml/2006/main" xmlns:r="http://schemas.openxmlformats.org/officeDocument/2006/relationships" xmlns:p="http://schemas.openxmlformats.org/presentationml/2006/main">
-  <p:cSld>
-    <p:spTree>
-      <p:nvGrpSpPr>
-        <p:cNvPr id="1" name=""/>
-        <p:cNvGrpSpPr/>
-        <p:nvPr/>
-      </p:nvGrpSpPr>
-      <p:grpSpPr>
-        <a:xfrm>
-          <a:off x="0" y="0"/>
-          <a:ext cx="0" cy="0"/>
-          <a:chOff x="0" y="0"/>
-          <a:chExt cx="0" cy="0"/>
-        </a:xfrm>
-      </p:grpSpPr>
-      <p:sp>
-        <p:nvSpPr>
-          <p:cNvPr id="2" name="Title 1">
-            <a:extLst>
-              <a:ext uri="{FF2B5EF4-FFF2-40B4-BE49-F238E27FC236}">
-                <a16:creationId xmlns:a16="http://schemas.microsoft.com/office/drawing/2014/main" id="{CC3C47C7-228C-0586-A0DB-47FFEE638757}"/>
-              </a:ext>
-            </a:extLst>
-          </p:cNvPr>
-          <p:cNvSpPr>
-            <a:spLocks noGrp="1"/>
-          </p:cNvSpPr>
-          <p:nvPr>
-            <p:ph type="title"/>
-          </p:nvPr>
-        </p:nvSpPr>
-        <p:spPr>
-          <a:xfrm>
-            <a:off x="548833" y="399849"/>
-            <a:ext cx="10515600" cy="1325563"/>
-          </a:xfrm>
-        </p:spPr>
-        <p:txBody>
-          <a:bodyPr/>
-          <a:lstStyle/>
-          <a:p>
-            <a:pPr marL="571500" indent="-571500">
-              <a:buFont typeface="Wingdings" panose="05000000000000000000" pitchFamily="2" charset="2"/>
-              <a:buChar char="Ø"/>
-            </a:pPr>
-            <a:r>
-              <a:rPr lang="en-US" dirty="0">
-                <a:solidFill>
-                  <a:schemeClr val="accent1">
-                    <a:lumMod val="75000"/>
-                  </a:schemeClr>
-                </a:solidFill>
-                <a:latin typeface="Times New Roman" panose="02020603050405020304" pitchFamily="18" charset="0"/>
-                <a:cs typeface="Times New Roman" panose="02020603050405020304" pitchFamily="18" charset="0"/>
-              </a:rPr>
-              <a:t>Methodology</a:t>
-            </a:r>
-            <a:endParaRPr lang="en-IN" dirty="0">
-              <a:solidFill>
-                <a:schemeClr val="accent1">
-                  <a:lumMod val="75000"/>
-                </a:schemeClr>
-              </a:solidFill>
-              <a:latin typeface="Times New Roman" panose="02020603050405020304" pitchFamily="18" charset="0"/>
-              <a:cs typeface="Times New Roman" panose="02020603050405020304" pitchFamily="18" charset="0"/>
-            </a:endParaRPr>
-          </a:p>
-        </p:txBody>
-      </p:sp>
-      <p:sp>
-        <p:nvSpPr>
-          <p:cNvPr id="3" name="Content Placeholder 2">
-            <a:extLst>
-              <a:ext uri="{FF2B5EF4-FFF2-40B4-BE49-F238E27FC236}">
-                <a16:creationId xmlns:a16="http://schemas.microsoft.com/office/drawing/2014/main" id="{C950621D-BE4A-93C6-9FA2-B5DFCA8A0C98}"/>
-              </a:ext>
-            </a:extLst>
-          </p:cNvPr>
-          <p:cNvSpPr>
-            <a:spLocks noGrp="1"/>
-          </p:cNvSpPr>
-          <p:nvPr>
-            <p:ph idx="1"/>
-          </p:nvPr>
-        </p:nvSpPr>
-        <p:spPr>
-          <a:xfrm>
-            <a:off x="548833" y="1725412"/>
-            <a:ext cx="10515600" cy="4351338"/>
-          </a:xfrm>
-        </p:spPr>
-        <p:txBody>
-          <a:bodyPr>
-            <a:noAutofit/>
-          </a:bodyPr>
-          <a:lstStyle/>
-          <a:p>
-            <a:pPr algn="just"/>
-            <a:r>
-              <a:rPr lang="en-US" sz="2400" b="1" dirty="0">
-                <a:latin typeface="Times New Roman" panose="02020603050405020304" pitchFamily="18" charset="0"/>
-                <a:cs typeface="Times New Roman" panose="02020603050405020304" pitchFamily="18" charset="0"/>
-              </a:rPr>
-              <a:t>Design and Development</a:t>
-            </a:r>
-            <a:r>
-              <a:rPr lang="en-US" sz="2400" dirty="0">
-                <a:latin typeface="Times New Roman" panose="02020603050405020304" pitchFamily="18" charset="0"/>
-                <a:cs typeface="Times New Roman" panose="02020603050405020304" pitchFamily="18" charset="0"/>
-              </a:rPr>
-              <a:t>:</a:t>
-            </a:r>
-          </a:p>
-          <a:p>
-            <a:pPr lvl="1" algn="just"/>
-            <a:r>
-              <a:rPr lang="en-US" dirty="0">
-                <a:latin typeface="Times New Roman" panose="02020603050405020304" pitchFamily="18" charset="0"/>
-                <a:cs typeface="Times New Roman" panose="02020603050405020304" pitchFamily="18" charset="0"/>
-              </a:rPr>
-              <a:t>User friendly interface for timetable generation.</a:t>
-            </a:r>
-          </a:p>
-          <a:p>
-            <a:pPr lvl="1" algn="just"/>
-            <a:r>
-              <a:rPr lang="en-US" dirty="0">
-                <a:latin typeface="Times New Roman" panose="02020603050405020304" pitchFamily="18" charset="0"/>
-                <a:cs typeface="Times New Roman" panose="02020603050405020304" pitchFamily="18" charset="0"/>
-              </a:rPr>
-              <a:t>Using basic HTML, CSS and Django and other </a:t>
-            </a:r>
-            <a:r>
-              <a:rPr lang="en-US" dirty="0" err="1">
-                <a:latin typeface="Times New Roman" panose="02020603050405020304" pitchFamily="18" charset="0"/>
-                <a:cs typeface="Times New Roman" panose="02020603050405020304" pitchFamily="18" charset="0"/>
-              </a:rPr>
-              <a:t>PyPi</a:t>
-            </a:r>
-            <a:r>
-              <a:rPr lang="en-US" dirty="0">
-                <a:latin typeface="Times New Roman" panose="02020603050405020304" pitchFamily="18" charset="0"/>
-                <a:cs typeface="Times New Roman" panose="02020603050405020304" pitchFamily="18" charset="0"/>
-              </a:rPr>
-              <a:t> libraries for development.</a:t>
-            </a:r>
-          </a:p>
-          <a:p>
-            <a:pPr lvl="1" algn="just"/>
-            <a:r>
-              <a:rPr lang="en-US" dirty="0">
-                <a:latin typeface="Times New Roman" panose="02020603050405020304" pitchFamily="18" charset="0"/>
-                <a:cs typeface="Times New Roman" panose="02020603050405020304" pitchFamily="18" charset="0"/>
-              </a:rPr>
-              <a:t>Integration of Email for User  account creation.</a:t>
-            </a:r>
-          </a:p>
-          <a:p>
-            <a:pPr algn="just"/>
-            <a:r>
-              <a:rPr lang="en-US" sz="2400" b="1" dirty="0">
-                <a:latin typeface="Times New Roman" panose="02020603050405020304" pitchFamily="18" charset="0"/>
-                <a:cs typeface="Times New Roman" panose="02020603050405020304" pitchFamily="18" charset="0"/>
-              </a:rPr>
-              <a:t>Deployment</a:t>
-            </a:r>
-            <a:r>
-              <a:rPr lang="en-US" sz="2400" dirty="0">
-                <a:latin typeface="Times New Roman" panose="02020603050405020304" pitchFamily="18" charset="0"/>
-                <a:cs typeface="Times New Roman" panose="02020603050405020304" pitchFamily="18" charset="0"/>
-              </a:rPr>
-              <a:t>:</a:t>
-            </a:r>
-          </a:p>
-          <a:p>
-            <a:pPr lvl="1" algn="just"/>
-            <a:r>
-              <a:rPr lang="en-US" dirty="0">
-                <a:latin typeface="Times New Roman" panose="02020603050405020304" pitchFamily="18" charset="0"/>
-                <a:cs typeface="Times New Roman" panose="02020603050405020304" pitchFamily="18" charset="0"/>
-              </a:rPr>
-              <a:t>Deploying the System in the Server / Cloud platform (AWS or Google Cloud).</a:t>
-            </a:r>
-          </a:p>
-          <a:p>
-            <a:pPr lvl="1" algn="just"/>
-            <a:r>
-              <a:rPr lang="en-US" dirty="0">
-                <a:latin typeface="Times New Roman" panose="02020603050405020304" pitchFamily="18" charset="0"/>
-                <a:cs typeface="Times New Roman" panose="02020603050405020304" pitchFamily="18" charset="0"/>
-              </a:rPr>
-              <a:t>GitHub for managing the Code.</a:t>
-            </a:r>
-            <a:endParaRPr lang="en-IN" dirty="0">
-              <a:latin typeface="Times New Roman" panose="02020603050405020304" pitchFamily="18" charset="0"/>
-              <a:cs typeface="Times New Roman" panose="02020603050405020304" pitchFamily="18" charset="0"/>
-            </a:endParaRPr>
-          </a:p>
-        </p:txBody>
-      </p:sp>
-      <p:sp>
-        <p:nvSpPr>
-          <p:cNvPr id="8" name="Slide Number Placeholder 7">
-            <a:extLst>
-              <a:ext uri="{FF2B5EF4-FFF2-40B4-BE49-F238E27FC236}">
-                <a16:creationId xmlns:a16="http://schemas.microsoft.com/office/drawing/2014/main" id="{8653F594-5A14-BC95-78E4-2E32BD5CD09C}"/>
-              </a:ext>
-            </a:extLst>
-          </p:cNvPr>
-          <p:cNvSpPr>
-            <a:spLocks noGrp="1"/>
-          </p:cNvSpPr>
-          <p:nvPr>
-            <p:ph type="sldNum" sz="quarter" idx="12"/>
-          </p:nvPr>
-        </p:nvSpPr>
-        <p:spPr/>
-        <p:txBody>
-          <a:bodyPr/>
-          <a:lstStyle/>
-          <a:p>
-            <a:fld id="{D19EB42E-18EF-4ADA-8D91-F15AD1AFC8DD}" type="slidenum">
-              <a:rPr lang="en-IN" smtClean="0"/>
-              <a:t>8</a:t>
-            </a:fld>
-            <a:endParaRPr lang="en-IN"/>
-          </a:p>
-        </p:txBody>
-      </p:sp>
-    </p:spTree>
-    <p:extLst>
-      <p:ext uri="{BB962C8B-B14F-4D97-AF65-F5344CB8AC3E}">
-        <p14:creationId xmlns:p14="http://schemas.microsoft.com/office/powerpoint/2010/main" val="563370002"/>
       </p:ext>
     </p:extLst>
   </p:cSld>
@@ -6862,7 +7037,7 @@
           <p:cNvPr id="2" name="Title 1">
             <a:extLst>
               <a:ext uri="{FF2B5EF4-FFF2-40B4-BE49-F238E27FC236}">
-                <a16:creationId xmlns:a16="http://schemas.microsoft.com/office/drawing/2014/main" id="{E2C68626-3BE7-4580-F05D-866CB54DE4AC}"/>
+                <a16:creationId xmlns:a16="http://schemas.microsoft.com/office/drawing/2014/main" id="{CC3C47C7-228C-0586-A0DB-47FFEE638757}"/>
               </a:ext>
             </a:extLst>
           </p:cNvPr>
@@ -6888,7 +7063,7 @@
               <a:buChar char="Ø"/>
             </a:pPr>
             <a:r>
-              <a:rPr lang="en-IN" dirty="0">
+              <a:rPr lang="en-US" dirty="0">
                 <a:solidFill>
                   <a:schemeClr val="accent1">
                     <a:lumMod val="75000"/>
@@ -6897,8 +7072,17 @@
                 <a:latin typeface="Times New Roman" panose="02020603050405020304" pitchFamily="18" charset="0"/>
                 <a:cs typeface="Times New Roman" panose="02020603050405020304" pitchFamily="18" charset="0"/>
               </a:rPr>
-              <a:t>Conclusion</a:t>
-            </a:r>
+              <a:t>Methodology</a:t>
+            </a:r>
+            <a:endParaRPr lang="en-IN" dirty="0">
+              <a:solidFill>
+                <a:schemeClr val="accent1">
+                  <a:lumMod val="75000"/>
+                </a:schemeClr>
+              </a:solidFill>
+              <a:latin typeface="Times New Roman" panose="02020603050405020304" pitchFamily="18" charset="0"/>
+              <a:cs typeface="Times New Roman" panose="02020603050405020304" pitchFamily="18" charset="0"/>
+            </a:endParaRPr>
           </a:p>
         </p:txBody>
       </p:sp>
@@ -6907,7 +7091,7 @@
           <p:cNvPr id="3" name="Content Placeholder 2">
             <a:extLst>
               <a:ext uri="{FF2B5EF4-FFF2-40B4-BE49-F238E27FC236}">
-                <a16:creationId xmlns:a16="http://schemas.microsoft.com/office/drawing/2014/main" id="{D8046ABC-16CE-210D-17D4-7F4327520C78}"/>
+                <a16:creationId xmlns:a16="http://schemas.microsoft.com/office/drawing/2014/main" id="{C950621D-BE4A-93C6-9FA2-B5DFCA8A0C98}"/>
               </a:ext>
             </a:extLst>
           </p:cNvPr>
@@ -6918,31 +7102,118 @@
             <p:ph idx="1"/>
           </p:nvPr>
         </p:nvSpPr>
-        <p:spPr/>
+        <p:spPr>
+          <a:xfrm>
+            <a:off x="548833" y="1725412"/>
+            <a:ext cx="10515600" cy="4351338"/>
+          </a:xfrm>
+        </p:spPr>
         <p:txBody>
           <a:bodyPr>
-            <a:normAutofit/>
+            <a:noAutofit/>
           </a:bodyPr>
           <a:lstStyle/>
           <a:p>
             <a:pPr algn="just"/>
             <a:r>
+              <a:rPr lang="en-US" sz="2400" b="1" dirty="0">
+                <a:latin typeface="Times New Roman" panose="02020603050405020304" pitchFamily="18" charset="0"/>
+                <a:cs typeface="Times New Roman" panose="02020603050405020304" pitchFamily="18" charset="0"/>
+              </a:rPr>
+              <a:t>Design and Development</a:t>
+            </a:r>
+            <a:r>
               <a:rPr lang="en-US" sz="2400" dirty="0">
                 <a:latin typeface="Times New Roman" panose="02020603050405020304" pitchFamily="18" charset="0"/>
                 <a:cs typeface="Times New Roman" panose="02020603050405020304" pitchFamily="18" charset="0"/>
               </a:rPr>
-              <a:t>As discussed, an evolutionary algorithm, genetics algorithm for time tabling has been proposed. The intention of the algorithm to generate a time-table schedule automatically is satisfied. The algorithm incorporates a number of techniques, aimed to improve the efficiency of the search operation. By automating this process with the help of computer assistance timetable generator can save a lot of precious time of administrators who are involved in creating and managing various timetables of the institute.</a:t>
+              <a:t>:</a:t>
+            </a:r>
+          </a:p>
+          <a:p>
+            <a:pPr lvl="1" algn="just"/>
+            <a:r>
+              <a:rPr lang="en-US" dirty="0">
+                <a:latin typeface="Times New Roman" panose="02020603050405020304" pitchFamily="18" charset="0"/>
+                <a:cs typeface="Times New Roman" panose="02020603050405020304" pitchFamily="18" charset="0"/>
+              </a:rPr>
+              <a:t>User friendly interface for timetable generation.</a:t>
+            </a:r>
+          </a:p>
+          <a:p>
+            <a:pPr lvl="1" algn="just"/>
+            <a:r>
+              <a:rPr lang="en-US" dirty="0">
+                <a:latin typeface="Times New Roman" panose="02020603050405020304" pitchFamily="18" charset="0"/>
+                <a:cs typeface="Times New Roman" panose="02020603050405020304" pitchFamily="18" charset="0"/>
+              </a:rPr>
+              <a:t>Using basic HTML, CSS and Django and other </a:t>
+            </a:r>
+            <a:r>
+              <a:rPr lang="en-US" dirty="0" err="1">
+                <a:latin typeface="Times New Roman" panose="02020603050405020304" pitchFamily="18" charset="0"/>
+                <a:cs typeface="Times New Roman" panose="02020603050405020304" pitchFamily="18" charset="0"/>
+              </a:rPr>
+              <a:t>PyPi</a:t>
+            </a:r>
+            <a:r>
+              <a:rPr lang="en-US" dirty="0">
+                <a:latin typeface="Times New Roman" panose="02020603050405020304" pitchFamily="18" charset="0"/>
+                <a:cs typeface="Times New Roman" panose="02020603050405020304" pitchFamily="18" charset="0"/>
+              </a:rPr>
+              <a:t> libraries for development.</a:t>
+            </a:r>
+          </a:p>
+          <a:p>
+            <a:pPr lvl="1" algn="just"/>
+            <a:r>
+              <a:rPr lang="en-US" dirty="0">
+                <a:latin typeface="Times New Roman" panose="02020603050405020304" pitchFamily="18" charset="0"/>
+                <a:cs typeface="Times New Roman" panose="02020603050405020304" pitchFamily="18" charset="0"/>
+              </a:rPr>
+              <a:t>Integration of Email for User  account creation.</a:t>
             </a:r>
           </a:p>
           <a:p>
             <a:pPr algn="just"/>
             <a:r>
+              <a:rPr lang="en-US" sz="2400" b="1" dirty="0">
+                <a:latin typeface="Times New Roman" panose="02020603050405020304" pitchFamily="18" charset="0"/>
+                <a:cs typeface="Times New Roman" panose="02020603050405020304" pitchFamily="18" charset="0"/>
+              </a:rPr>
+              <a:t>Deployment</a:t>
+            </a:r>
+            <a:r>
               <a:rPr lang="en-US" sz="2400" dirty="0">
                 <a:latin typeface="Times New Roman" panose="02020603050405020304" pitchFamily="18" charset="0"/>
                 <a:cs typeface="Times New Roman" panose="02020603050405020304" pitchFamily="18" charset="0"/>
               </a:rPr>
-              <a:t>This reduces time consumption and the error in framing the timetable manually. The benefits of this approach are simplified design and reduced development time. </a:t>
-            </a:r>
+              <a:t>:</a:t>
+            </a:r>
+          </a:p>
+          <a:p>
+            <a:pPr lvl="1" algn="just"/>
+            <a:r>
+              <a:rPr lang="en-US" dirty="0">
+                <a:latin typeface="Times New Roman" panose="02020603050405020304" pitchFamily="18" charset="0"/>
+                <a:cs typeface="Times New Roman" panose="02020603050405020304" pitchFamily="18" charset="0"/>
+              </a:rPr>
+              <a:t>Deploying the System in the Server / Cloud platform (AWS or Google Cloud).</a:t>
+            </a:r>
+          </a:p>
+          <a:p>
+            <a:pPr lvl="1" algn="just"/>
+            <a:r>
+              <a:rPr lang="en-US" dirty="0">
+                <a:latin typeface="Times New Roman" panose="02020603050405020304" pitchFamily="18" charset="0"/>
+                <a:cs typeface="Times New Roman" panose="02020603050405020304" pitchFamily="18" charset="0"/>
+              </a:rPr>
+              <a:t>GitHub for managing the Code.</a:t>
+            </a:r>
+            <a:endParaRPr lang="en-IN" dirty="0">
+              <a:latin typeface="Times New Roman" panose="02020603050405020304" pitchFamily="18" charset="0"/>
+              <a:cs typeface="Times New Roman" panose="02020603050405020304" pitchFamily="18" charset="0"/>
+            </a:endParaRPr>
           </a:p>
         </p:txBody>
       </p:sp>
@@ -6951,7 +7222,7 @@
           <p:cNvPr id="8" name="Slide Number Placeholder 7">
             <a:extLst>
               <a:ext uri="{FF2B5EF4-FFF2-40B4-BE49-F238E27FC236}">
-                <a16:creationId xmlns:a16="http://schemas.microsoft.com/office/drawing/2014/main" id="{BB230758-FB0A-8344-3307-F9D313073EE3}"/>
+                <a16:creationId xmlns:a16="http://schemas.microsoft.com/office/drawing/2014/main" id="{8653F594-5A14-BC95-78E4-2E32BD5CD09C}"/>
               </a:ext>
             </a:extLst>
           </p:cNvPr>
@@ -6978,7 +7249,7 @@
     </p:spTree>
     <p:extLst>
       <p:ext uri="{BB962C8B-B14F-4D97-AF65-F5344CB8AC3E}">
-        <p14:creationId xmlns:p14="http://schemas.microsoft.com/office/powerpoint/2010/main" val="1025537525"/>
+        <p14:creationId xmlns:p14="http://schemas.microsoft.com/office/powerpoint/2010/main" val="563370002"/>
       </p:ext>
     </p:extLst>
   </p:cSld>

--- a/Synopsis/Synopsis Presentation.pptx
+++ b/Synopsis/Synopsis Presentation.pptx
@@ -5,7 +5,7 @@
     <p:sldMasterId id="2147483696" r:id="rId1"/>
   </p:sldMasterIdLst>
   <p:notesMasterIdLst>
-    <p:notesMasterId r:id="rId13"/>
+    <p:notesMasterId r:id="rId15"/>
   </p:notesMasterIdLst>
   <p:sldIdLst>
     <p:sldId id="256" r:id="rId2"/>
@@ -17,8 +17,10 @@
     <p:sldId id="261" r:id="rId8"/>
     <p:sldId id="265" r:id="rId9"/>
     <p:sldId id="264" r:id="rId10"/>
-    <p:sldId id="262" r:id="rId11"/>
-    <p:sldId id="263" r:id="rId12"/>
+    <p:sldId id="268" r:id="rId11"/>
+    <p:sldId id="262" r:id="rId12"/>
+    <p:sldId id="263" r:id="rId13"/>
+    <p:sldId id="267" r:id="rId14"/>
   </p:sldIdLst>
   <p:sldSz cx="12192000" cy="6858000"/>
   <p:notesSz cx="6858000" cy="9144000"/>
@@ -207,7 +209,7 @@
           <a:p>
             <a:fld id="{DDBD07C2-A8D5-442F-93E7-71925FF71000}" type="datetimeFigureOut">
               <a:rPr lang="en-IN" smtClean="0"/>
-              <a:t>27-03-2025</a:t>
+              <a:t>28-03-2025</a:t>
             </a:fld>
             <a:endParaRPr lang="en-IN"/>
           </a:p>
@@ -774,7 +776,7 @@
           <a:p>
             <a:fld id="{93FE507B-74E9-434B-B589-61639C269BD2}" type="datetime1">
               <a:rPr lang="en-IN" smtClean="0"/>
-              <a:t>27-03-2025</a:t>
+              <a:t>28-03-2025</a:t>
             </a:fld>
             <a:endParaRPr lang="en-IN"/>
           </a:p>
@@ -944,7 +946,7 @@
           <a:p>
             <a:fld id="{1DF852E4-941D-4D93-8BE7-96DFDEB218D4}" type="datetime1">
               <a:rPr lang="en-IN" smtClean="0"/>
-              <a:t>27-03-2025</a:t>
+              <a:t>28-03-2025</a:t>
             </a:fld>
             <a:endParaRPr lang="en-IN"/>
           </a:p>
@@ -1124,7 +1126,7 @@
           <a:p>
             <a:fld id="{B713C6D0-628E-4C8C-B674-0FC5911BFD3F}" type="datetime1">
               <a:rPr lang="en-IN" smtClean="0"/>
-              <a:t>27-03-2025</a:t>
+              <a:t>28-03-2025</a:t>
             </a:fld>
             <a:endParaRPr lang="en-IN"/>
           </a:p>
@@ -1294,7 +1296,7 @@
           <a:p>
             <a:fld id="{02C27CEE-AECC-488D-B081-6669003DE492}" type="datetime1">
               <a:rPr lang="en-IN" smtClean="0"/>
-              <a:t>27-03-2025</a:t>
+              <a:t>28-03-2025</a:t>
             </a:fld>
             <a:endParaRPr lang="en-IN"/>
           </a:p>
@@ -1540,7 +1542,7 @@
           <a:p>
             <a:fld id="{5F907550-43C7-482D-BA34-265D3A59D17F}" type="datetime1">
               <a:rPr lang="en-IN" smtClean="0"/>
-              <a:t>27-03-2025</a:t>
+              <a:t>28-03-2025</a:t>
             </a:fld>
             <a:endParaRPr lang="en-IN"/>
           </a:p>
@@ -1772,7 +1774,7 @@
           <a:p>
             <a:fld id="{94D77DB3-F920-470E-B309-869FDF9C0108}" type="datetime1">
               <a:rPr lang="en-IN" smtClean="0"/>
-              <a:t>27-03-2025</a:t>
+              <a:t>28-03-2025</a:t>
             </a:fld>
             <a:endParaRPr lang="en-IN"/>
           </a:p>
@@ -2139,7 +2141,7 @@
           <a:p>
             <a:fld id="{5B45A2ED-077A-4579-A46A-43231F0F597B}" type="datetime1">
               <a:rPr lang="en-IN" smtClean="0"/>
-              <a:t>27-03-2025</a:t>
+              <a:t>28-03-2025</a:t>
             </a:fld>
             <a:endParaRPr lang="en-IN"/>
           </a:p>
@@ -2257,7 +2259,7 @@
           <a:p>
             <a:fld id="{485FFD98-AA31-4581-BF2A-5A2077300591}" type="datetime1">
               <a:rPr lang="en-IN" smtClean="0"/>
-              <a:t>27-03-2025</a:t>
+              <a:t>28-03-2025</a:t>
             </a:fld>
             <a:endParaRPr lang="en-IN"/>
           </a:p>
@@ -2352,7 +2354,7 @@
           <a:p>
             <a:fld id="{4058E697-6A5A-41D6-A5BF-DF6DC04A6DFC}" type="datetime1">
               <a:rPr lang="en-IN" smtClean="0"/>
-              <a:t>27-03-2025</a:t>
+              <a:t>28-03-2025</a:t>
             </a:fld>
             <a:endParaRPr lang="en-IN"/>
           </a:p>
@@ -2629,7 +2631,7 @@
           <a:p>
             <a:fld id="{86822B0A-2DE6-43ED-9578-1137B94F3B65}" type="datetime1">
               <a:rPr lang="en-IN" smtClean="0"/>
-              <a:t>27-03-2025</a:t>
+              <a:t>28-03-2025</a:t>
             </a:fld>
             <a:endParaRPr lang="en-IN"/>
           </a:p>
@@ -2886,7 +2888,7 @@
           <a:p>
             <a:fld id="{0781F493-348F-40BE-912D-787DF7E33694}" type="datetime1">
               <a:rPr lang="en-IN" smtClean="0"/>
-              <a:t>27-03-2025</a:t>
+              <a:t>28-03-2025</a:t>
             </a:fld>
             <a:endParaRPr lang="en-IN"/>
           </a:p>
@@ -3104,7 +3106,7 @@
           <a:p>
             <a:fld id="{D296BE42-94BA-4EFF-BD05-5C4A4AD389AE}" type="datetime1">
               <a:rPr lang="en-IN" smtClean="0"/>
-              <a:t>27-03-2025</a:t>
+              <a:t>28-03-2025</a:t>
             </a:fld>
             <a:endParaRPr lang="en-IN"/>
           </a:p>
@@ -4983,10 +4985,10 @@
       </p:grpSpPr>
       <p:sp>
         <p:nvSpPr>
-          <p:cNvPr id="2" name="Title 1">
+          <p:cNvPr id="5" name="Title 1">
             <a:extLst>
               <a:ext uri="{FF2B5EF4-FFF2-40B4-BE49-F238E27FC236}">
-                <a16:creationId xmlns:a16="http://schemas.microsoft.com/office/drawing/2014/main" id="{E2C68626-3BE7-4580-F05D-866CB54DE4AC}"/>
+                <a16:creationId xmlns:a16="http://schemas.microsoft.com/office/drawing/2014/main" id="{5FE6BBB2-907C-5F0F-BD30-50F7E58A5481}"/>
               </a:ext>
             </a:extLst>
           </p:cNvPr>
@@ -4999,8 +5001,8 @@
         </p:nvSpPr>
         <p:spPr>
           <a:xfrm>
-            <a:off x="548833" y="399849"/>
-            <a:ext cx="10515600" cy="1325563"/>
+            <a:off x="730469" y="136525"/>
+            <a:ext cx="10407869" cy="843565"/>
           </a:xfrm>
         </p:spPr>
         <p:txBody>
@@ -5021,17 +5023,18 @@
                 <a:latin typeface="Times New Roman" panose="02020603050405020304" pitchFamily="18" charset="0"/>
                 <a:cs typeface="Times New Roman" panose="02020603050405020304" pitchFamily="18" charset="0"/>
               </a:rPr>
-              <a:t>Conclusion</a:t>
-            </a:r>
-          </a:p>
-        </p:txBody>
-      </p:sp>
-      <p:sp>
-        <p:nvSpPr>
-          <p:cNvPr id="3" name="Content Placeholder 2">
+              <a:t>Genetic Algorithm</a:t>
+            </a:r>
+            <a:endParaRPr lang="en-IN" dirty="0"/>
+          </a:p>
+        </p:txBody>
+      </p:sp>
+      <p:sp>
+        <p:nvSpPr>
+          <p:cNvPr id="6" name="Content Placeholder 2">
             <a:extLst>
               <a:ext uri="{FF2B5EF4-FFF2-40B4-BE49-F238E27FC236}">
-                <a16:creationId xmlns:a16="http://schemas.microsoft.com/office/drawing/2014/main" id="{D8046ABC-16CE-210D-17D4-7F4327520C78}"/>
+                <a16:creationId xmlns:a16="http://schemas.microsoft.com/office/drawing/2014/main" id="{BE2AFB1E-6686-1C10-E106-4774151D31DD}"/>
               </a:ext>
             </a:extLst>
           </p:cNvPr>
@@ -5042,40 +5045,226 @@
             <p:ph idx="1"/>
           </p:nvPr>
         </p:nvSpPr>
-        <p:spPr/>
+        <p:spPr>
+          <a:xfrm>
+            <a:off x="580103" y="980090"/>
+            <a:ext cx="11159952" cy="4937234"/>
+          </a:xfrm>
+        </p:spPr>
         <p:txBody>
           <a:bodyPr>
-            <a:normAutofit/>
+            <a:noAutofit/>
           </a:bodyPr>
           <a:lstStyle/>
           <a:p>
-            <a:pPr algn="just"/>
-            <a:r>
-              <a:rPr lang="en-US" sz="2400" dirty="0">
-                <a:latin typeface="Times New Roman" panose="02020603050405020304" pitchFamily="18" charset="0"/>
-                <a:cs typeface="Times New Roman" panose="02020603050405020304" pitchFamily="18" charset="0"/>
-              </a:rPr>
-              <a:t>As discussed, an evolutionary algorithm, genetics algorithm for time tabling has been proposed. The intention of the algorithm to generate a time-table schedule automatically is satisfied. The algorithm incorporates a number of techniques, aimed to improve the efficiency of the search operation. By automating this process with the help of computer assistance timetable generator can save a lot of precious time of administrators who are involved in creating and managing various timetables of the institute.</a:t>
-            </a:r>
-          </a:p>
-          <a:p>
-            <a:pPr algn="just"/>
-            <a:r>
-              <a:rPr lang="en-US" sz="2400" dirty="0">
-                <a:latin typeface="Times New Roman" panose="02020603050405020304" pitchFamily="18" charset="0"/>
-                <a:cs typeface="Times New Roman" panose="02020603050405020304" pitchFamily="18" charset="0"/>
-              </a:rPr>
-              <a:t>This reduces time consumption and the error in framing the timetable manually. The benefits of this approach are simplified design and reduced development time. </a:t>
-            </a:r>
-          </a:p>
-        </p:txBody>
-      </p:sp>
-      <p:sp>
-        <p:nvSpPr>
-          <p:cNvPr id="8" name="Slide Number Placeholder 7">
+            <a:pPr algn="just">
+              <a:lnSpc>
+                <a:spcPct val="150000"/>
+              </a:lnSpc>
+            </a:pPr>
+            <a:r>
+              <a:rPr lang="en-US" sz="2000" b="0" i="0" dirty="0">
+                <a:effectLst/>
+                <a:latin typeface="Times New Roman" panose="02020603050405020304" pitchFamily="18" charset="0"/>
+                <a:cs typeface="Times New Roman" panose="02020603050405020304" pitchFamily="18" charset="0"/>
+              </a:rPr>
+              <a:t>Genetic algorithms are commonly used to generate high-quality solutions to </a:t>
+            </a:r>
+            <a:r>
+              <a:rPr lang="en-US" sz="2000" b="0" i="0" u="none" strike="noStrike" dirty="0">
+                <a:effectLst/>
+                <a:latin typeface="Times New Roman" panose="02020603050405020304" pitchFamily="18" charset="0"/>
+                <a:cs typeface="Times New Roman" panose="02020603050405020304" pitchFamily="18" charset="0"/>
+              </a:rPr>
+              <a:t>optimization</a:t>
+            </a:r>
+            <a:r>
+              <a:rPr lang="en-US" sz="2000" b="0" i="0" dirty="0">
+                <a:effectLst/>
+                <a:latin typeface="Times New Roman" panose="02020603050405020304" pitchFamily="18" charset="0"/>
+                <a:cs typeface="Times New Roman" panose="02020603050405020304" pitchFamily="18" charset="0"/>
+              </a:rPr>
+              <a:t> and </a:t>
+            </a:r>
+            <a:r>
+              <a:rPr lang="en-US" sz="2000" b="0" i="0" u="none" strike="noStrike" dirty="0">
+                <a:effectLst/>
+                <a:latin typeface="Times New Roman" panose="02020603050405020304" pitchFamily="18" charset="0"/>
+                <a:cs typeface="Times New Roman" panose="02020603050405020304" pitchFamily="18" charset="0"/>
+              </a:rPr>
+              <a:t>search problems</a:t>
+            </a:r>
+            <a:r>
+              <a:rPr lang="en-US" sz="2000" b="0" i="0" dirty="0">
+                <a:effectLst/>
+                <a:latin typeface="Times New Roman" panose="02020603050405020304" pitchFamily="18" charset="0"/>
+                <a:cs typeface="Times New Roman" panose="02020603050405020304" pitchFamily="18" charset="0"/>
+              </a:rPr>
+              <a:t> via biologically inspired operators such as </a:t>
+            </a:r>
+            <a:r>
+              <a:rPr lang="en-US" sz="2000" b="0" i="0" u="none" strike="noStrike" dirty="0">
+                <a:effectLst/>
+                <a:latin typeface="Times New Roman" panose="02020603050405020304" pitchFamily="18" charset="0"/>
+                <a:cs typeface="Times New Roman" panose="02020603050405020304" pitchFamily="18" charset="0"/>
+              </a:rPr>
+              <a:t>selection</a:t>
+            </a:r>
+            <a:r>
+              <a:rPr lang="en-US" sz="2000" b="0" i="0" dirty="0">
+                <a:effectLst/>
+                <a:latin typeface="Times New Roman" panose="02020603050405020304" pitchFamily="18" charset="0"/>
+                <a:cs typeface="Times New Roman" panose="02020603050405020304" pitchFamily="18" charset="0"/>
+              </a:rPr>
+              <a:t>, </a:t>
+            </a:r>
+            <a:r>
+              <a:rPr lang="en-US" sz="2000" b="0" i="0" u="none" strike="noStrike" dirty="0">
+                <a:effectLst/>
+                <a:latin typeface="Times New Roman" panose="02020603050405020304" pitchFamily="18" charset="0"/>
+                <a:cs typeface="Times New Roman" panose="02020603050405020304" pitchFamily="18" charset="0"/>
+              </a:rPr>
+              <a:t>crossover</a:t>
+            </a:r>
+            <a:r>
+              <a:rPr lang="en-US" sz="2000" b="0" i="0" dirty="0">
+                <a:effectLst/>
+                <a:latin typeface="Times New Roman" panose="02020603050405020304" pitchFamily="18" charset="0"/>
+                <a:cs typeface="Times New Roman" panose="02020603050405020304" pitchFamily="18" charset="0"/>
+              </a:rPr>
+              <a:t>, and </a:t>
+            </a:r>
+            <a:r>
+              <a:rPr lang="en-US" sz="2000" b="0" i="0" u="none" strike="noStrike" dirty="0">
+                <a:effectLst/>
+                <a:latin typeface="Times New Roman" panose="02020603050405020304" pitchFamily="18" charset="0"/>
+                <a:cs typeface="Times New Roman" panose="02020603050405020304" pitchFamily="18" charset="0"/>
+              </a:rPr>
+              <a:t>mutation</a:t>
+            </a:r>
+            <a:r>
+              <a:rPr lang="en-US" sz="2000" b="0" i="0" dirty="0">
+                <a:effectLst/>
+                <a:latin typeface="Times New Roman" panose="02020603050405020304" pitchFamily="18" charset="0"/>
+                <a:cs typeface="Times New Roman" panose="02020603050405020304" pitchFamily="18" charset="0"/>
+              </a:rPr>
+              <a:t>.</a:t>
+            </a:r>
+          </a:p>
+          <a:p>
+            <a:pPr algn="just">
+              <a:lnSpc>
+                <a:spcPct val="150000"/>
+              </a:lnSpc>
+            </a:pPr>
+            <a:r>
+              <a:rPr lang="en-US" sz="2000" dirty="0">
+                <a:latin typeface="Times New Roman" panose="02020603050405020304" pitchFamily="18" charset="0"/>
+                <a:cs typeface="Times New Roman" panose="02020603050405020304" pitchFamily="18" charset="0"/>
+              </a:rPr>
+              <a:t>Creating Random Timetables – The system first creates many random timetable options.</a:t>
+            </a:r>
+          </a:p>
+          <a:p>
+            <a:pPr algn="just">
+              <a:lnSpc>
+                <a:spcPct val="150000"/>
+              </a:lnSpc>
+            </a:pPr>
+            <a:r>
+              <a:rPr lang="en-US" sz="2000" dirty="0">
+                <a:latin typeface="Times New Roman" panose="02020603050405020304" pitchFamily="18" charset="0"/>
+                <a:cs typeface="Times New Roman" panose="02020603050405020304" pitchFamily="18" charset="0"/>
+              </a:rPr>
+              <a:t>Checking for Mistakes – It examines each timetable to see if there are any clashes, like a teacher being assigned to two classes at the same time.</a:t>
+            </a:r>
+          </a:p>
+          <a:p>
+            <a:pPr algn="just">
+              <a:lnSpc>
+                <a:spcPct val="150000"/>
+              </a:lnSpc>
+            </a:pPr>
+            <a:r>
+              <a:rPr lang="en-US" sz="2000" dirty="0">
+                <a:latin typeface="Times New Roman" panose="02020603050405020304" pitchFamily="18" charset="0"/>
+                <a:cs typeface="Times New Roman" panose="02020603050405020304" pitchFamily="18" charset="0"/>
+              </a:rPr>
+              <a:t>Picking the Best Ones – The system selects the best schedules that have fewer mistakes. </a:t>
+            </a:r>
+          </a:p>
+          <a:p>
+            <a:pPr marL="0" indent="0" algn="just">
+              <a:lnSpc>
+                <a:spcPct val="150000"/>
+              </a:lnSpc>
+              <a:buNone/>
+            </a:pPr>
+            <a:r>
+              <a:rPr lang="en-US" sz="2000" b="1" dirty="0">
+                <a:latin typeface="Times New Roman" panose="02020603050405020304" pitchFamily="18" charset="0"/>
+                <a:cs typeface="Times New Roman" panose="02020603050405020304" pitchFamily="18" charset="0"/>
+              </a:rPr>
+              <a:t>	“Selects the best, rejects the rest”</a:t>
+            </a:r>
+          </a:p>
+          <a:p>
+            <a:pPr algn="just">
+              <a:lnSpc>
+                <a:spcPct val="150000"/>
+              </a:lnSpc>
+            </a:pPr>
+            <a:r>
+              <a:rPr lang="en-US" sz="2000" dirty="0">
+                <a:latin typeface="Times New Roman" panose="02020603050405020304" pitchFamily="18" charset="0"/>
+                <a:cs typeface="Times New Roman" panose="02020603050405020304" pitchFamily="18" charset="0"/>
+              </a:rPr>
+              <a:t>Mixing and Matching – It takes the best schedules and combines them to create even better ones.</a:t>
+            </a:r>
+          </a:p>
+          <a:p>
+            <a:pPr algn="just">
+              <a:lnSpc>
+                <a:spcPct val="150000"/>
+              </a:lnSpc>
+            </a:pPr>
+            <a:r>
+              <a:rPr lang="en-US" sz="2000" dirty="0">
+                <a:latin typeface="Times New Roman" panose="02020603050405020304" pitchFamily="18" charset="0"/>
+                <a:cs typeface="Times New Roman" panose="02020603050405020304" pitchFamily="18" charset="0"/>
+              </a:rPr>
+              <a:t>Making Small Changes – Tiny changes are made to improve the timetable further.</a:t>
+            </a:r>
+          </a:p>
+          <a:p>
+            <a:pPr algn="just">
+              <a:lnSpc>
+                <a:spcPct val="150000"/>
+              </a:lnSpc>
+            </a:pPr>
+            <a:r>
+              <a:rPr lang="en-US" sz="2000" dirty="0">
+                <a:latin typeface="Times New Roman" panose="02020603050405020304" pitchFamily="18" charset="0"/>
+                <a:cs typeface="Times New Roman" panose="02020603050405020304" pitchFamily="18" charset="0"/>
+              </a:rPr>
+              <a:t>Repeating the Process – This cycle continues until the system finds the most perfect timetable possible.</a:t>
+            </a:r>
+            <a:endParaRPr lang="en-IN" sz="2000" dirty="0">
+              <a:latin typeface="Times New Roman" panose="02020603050405020304" pitchFamily="18" charset="0"/>
+              <a:cs typeface="Times New Roman" panose="02020603050405020304" pitchFamily="18" charset="0"/>
+            </a:endParaRPr>
+          </a:p>
+          <a:p>
+            <a:endParaRPr lang="en-IN" sz="2000" dirty="0"/>
+          </a:p>
+        </p:txBody>
+      </p:sp>
+      <p:sp>
+        <p:nvSpPr>
+          <p:cNvPr id="7" name="Slide Number Placeholder 3">
             <a:extLst>
               <a:ext uri="{FF2B5EF4-FFF2-40B4-BE49-F238E27FC236}">
-                <a16:creationId xmlns:a16="http://schemas.microsoft.com/office/drawing/2014/main" id="{BB230758-FB0A-8344-3307-F9D313073EE3}"/>
+                <a16:creationId xmlns:a16="http://schemas.microsoft.com/office/drawing/2014/main" id="{CB44472F-9E28-4793-9A90-6740B445C030}"/>
               </a:ext>
             </a:extLst>
           </p:cNvPr>
@@ -5086,7 +5275,12 @@
             <p:ph type="sldNum" sz="quarter" idx="12"/>
           </p:nvPr>
         </p:nvSpPr>
-        <p:spPr/>
+        <p:spPr>
+          <a:xfrm>
+            <a:off x="10874477" y="6356350"/>
+            <a:ext cx="479323" cy="365125"/>
+          </a:xfrm>
+        </p:spPr>
         <p:txBody>
           <a:bodyPr/>
           <a:lstStyle/>
@@ -5095,14 +5289,67 @@
               <a:rPr lang="en-IN" smtClean="0"/>
               <a:t>10</a:t>
             </a:fld>
-            <a:endParaRPr lang="en-IN"/>
+            <a:endParaRPr lang="en-IN" dirty="0"/>
+          </a:p>
+        </p:txBody>
+      </p:sp>
+      <p:sp>
+        <p:nvSpPr>
+          <p:cNvPr id="8" name="TextBox 7">
+            <a:extLst>
+              <a:ext uri="{FF2B5EF4-FFF2-40B4-BE49-F238E27FC236}">
+                <a16:creationId xmlns:a16="http://schemas.microsoft.com/office/drawing/2014/main" id="{993F30AB-99E6-9DBA-1C81-DEA9C4B5E4EC}"/>
+              </a:ext>
+            </a:extLst>
+          </p:cNvPr>
+          <p:cNvSpPr txBox="1"/>
+          <p:nvPr/>
+        </p:nvSpPr>
+        <p:spPr>
+          <a:xfrm>
+            <a:off x="907450" y="6488668"/>
+            <a:ext cx="6552563" cy="338554"/>
+          </a:xfrm>
+          <a:prstGeom prst="rect">
+            <a:avLst/>
+          </a:prstGeom>
+          <a:noFill/>
+        </p:spPr>
+        <p:txBody>
+          <a:bodyPr wrap="none" rtlCol="0">
+            <a:spAutoFit/>
+          </a:bodyPr>
+          <a:lstStyle/>
+          <a:p>
+            <a:r>
+              <a:rPr lang="en-IN" sz="1600" dirty="0">
+                <a:latin typeface="Times New Roman" panose="02020603050405020304" pitchFamily="18" charset="0"/>
+                <a:cs typeface="Times New Roman" panose="02020603050405020304" pitchFamily="18" charset="0"/>
+              </a:rPr>
+              <a:t>*Introduction to Genetic algorithm by R K </a:t>
+            </a:r>
+            <a:r>
+              <a:rPr lang="en-IN" sz="1600" dirty="0" err="1">
+                <a:latin typeface="Times New Roman" panose="02020603050405020304" pitchFamily="18" charset="0"/>
+                <a:cs typeface="Times New Roman" panose="02020603050405020304" pitchFamily="18" charset="0"/>
+              </a:rPr>
+              <a:t>Bhattachariya</a:t>
+            </a:r>
+            <a:r>
+              <a:rPr lang="en-IN" sz="1600" dirty="0">
+                <a:latin typeface="Times New Roman" panose="02020603050405020304" pitchFamily="18" charset="0"/>
+                <a:cs typeface="Times New Roman" panose="02020603050405020304" pitchFamily="18" charset="0"/>
+              </a:rPr>
+              <a:t>/CE/IIT Guwahati</a:t>
+            </a:r>
+            <a:endParaRPr lang="en-IN" sz="1600" dirty="0"/>
           </a:p>
         </p:txBody>
       </p:sp>
     </p:spTree>
     <p:extLst>
       <p:ext uri="{BB962C8B-B14F-4D97-AF65-F5344CB8AC3E}">
-        <p14:creationId xmlns:p14="http://schemas.microsoft.com/office/powerpoint/2010/main" val="1025537525"/>
+        <p14:creationId xmlns:p14="http://schemas.microsoft.com/office/powerpoint/2010/main" val="1357536502"/>
       </p:ext>
     </p:extLst>
   </p:cSld>
@@ -5134,6 +5381,154 @@
           <p:cNvPr id="2" name="Title 1">
             <a:extLst>
               <a:ext uri="{FF2B5EF4-FFF2-40B4-BE49-F238E27FC236}">
+                <a16:creationId xmlns:a16="http://schemas.microsoft.com/office/drawing/2014/main" id="{E2C68626-3BE7-4580-F05D-866CB54DE4AC}"/>
+              </a:ext>
+            </a:extLst>
+          </p:cNvPr>
+          <p:cNvSpPr>
+            <a:spLocks noGrp="1"/>
+          </p:cNvSpPr>
+          <p:nvPr>
+            <p:ph type="title"/>
+          </p:nvPr>
+        </p:nvSpPr>
+        <p:spPr>
+          <a:xfrm>
+            <a:off x="548833" y="399849"/>
+            <a:ext cx="10515600" cy="1325563"/>
+          </a:xfrm>
+        </p:spPr>
+        <p:txBody>
+          <a:bodyPr/>
+          <a:lstStyle/>
+          <a:p>
+            <a:pPr marL="571500" indent="-571500">
+              <a:buFont typeface="Wingdings" panose="05000000000000000000" pitchFamily="2" charset="2"/>
+              <a:buChar char="Ø"/>
+            </a:pPr>
+            <a:r>
+              <a:rPr lang="en-IN" dirty="0">
+                <a:solidFill>
+                  <a:schemeClr val="accent1">
+                    <a:lumMod val="75000"/>
+                  </a:schemeClr>
+                </a:solidFill>
+                <a:latin typeface="Times New Roman" panose="02020603050405020304" pitchFamily="18" charset="0"/>
+                <a:cs typeface="Times New Roman" panose="02020603050405020304" pitchFamily="18" charset="0"/>
+              </a:rPr>
+              <a:t>Conclusion</a:t>
+            </a:r>
+          </a:p>
+        </p:txBody>
+      </p:sp>
+      <p:sp>
+        <p:nvSpPr>
+          <p:cNvPr id="3" name="Content Placeholder 2">
+            <a:extLst>
+              <a:ext uri="{FF2B5EF4-FFF2-40B4-BE49-F238E27FC236}">
+                <a16:creationId xmlns:a16="http://schemas.microsoft.com/office/drawing/2014/main" id="{D8046ABC-16CE-210D-17D4-7F4327520C78}"/>
+              </a:ext>
+            </a:extLst>
+          </p:cNvPr>
+          <p:cNvSpPr>
+            <a:spLocks noGrp="1"/>
+          </p:cNvSpPr>
+          <p:nvPr>
+            <p:ph idx="1"/>
+          </p:nvPr>
+        </p:nvSpPr>
+        <p:spPr/>
+        <p:txBody>
+          <a:bodyPr>
+            <a:normAutofit/>
+          </a:bodyPr>
+          <a:lstStyle/>
+          <a:p>
+            <a:pPr algn="just"/>
+            <a:r>
+              <a:rPr lang="en-US" sz="2400" dirty="0">
+                <a:latin typeface="Times New Roman" panose="02020603050405020304" pitchFamily="18" charset="0"/>
+                <a:cs typeface="Times New Roman" panose="02020603050405020304" pitchFamily="18" charset="0"/>
+              </a:rPr>
+              <a:t>As discussed, an evolutionary algorithm, genetics algorithm for time tabling has been proposed. The intention of the algorithm to generate a time-table schedule automatically is satisfied. The algorithm incorporates a number of techniques, aimed to improve the efficiency of the search operation. By automating this process with the help of computer assistance timetable generator can save a lot of precious time of administrators who are involved in creating and managing various timetables of the institute.</a:t>
+            </a:r>
+          </a:p>
+          <a:p>
+            <a:pPr algn="just"/>
+            <a:r>
+              <a:rPr lang="en-US" sz="2400" dirty="0">
+                <a:latin typeface="Times New Roman" panose="02020603050405020304" pitchFamily="18" charset="0"/>
+                <a:cs typeface="Times New Roman" panose="02020603050405020304" pitchFamily="18" charset="0"/>
+              </a:rPr>
+              <a:t>This reduces time consumption and the error in framing the timetable manually. The benefits of this approach are simplified design and reduced development time. </a:t>
+            </a:r>
+          </a:p>
+        </p:txBody>
+      </p:sp>
+      <p:sp>
+        <p:nvSpPr>
+          <p:cNvPr id="8" name="Slide Number Placeholder 7">
+            <a:extLst>
+              <a:ext uri="{FF2B5EF4-FFF2-40B4-BE49-F238E27FC236}">
+                <a16:creationId xmlns:a16="http://schemas.microsoft.com/office/drawing/2014/main" id="{BB230758-FB0A-8344-3307-F9D313073EE3}"/>
+              </a:ext>
+            </a:extLst>
+          </p:cNvPr>
+          <p:cNvSpPr>
+            <a:spLocks noGrp="1"/>
+          </p:cNvSpPr>
+          <p:nvPr>
+            <p:ph type="sldNum" sz="quarter" idx="12"/>
+          </p:nvPr>
+        </p:nvSpPr>
+        <p:spPr/>
+        <p:txBody>
+          <a:bodyPr/>
+          <a:lstStyle/>
+          <a:p>
+            <a:fld id="{D19EB42E-18EF-4ADA-8D91-F15AD1AFC8DD}" type="slidenum">
+              <a:rPr lang="en-IN" smtClean="0"/>
+              <a:t>11</a:t>
+            </a:fld>
+            <a:endParaRPr lang="en-IN"/>
+          </a:p>
+        </p:txBody>
+      </p:sp>
+    </p:spTree>
+    <p:extLst>
+      <p:ext uri="{BB962C8B-B14F-4D97-AF65-F5344CB8AC3E}">
+        <p14:creationId xmlns:p14="http://schemas.microsoft.com/office/powerpoint/2010/main" val="1025537525"/>
+      </p:ext>
+    </p:extLst>
+  </p:cSld>
+  <p:clrMapOvr>
+    <a:masterClrMapping/>
+  </p:clrMapOvr>
+</p:sld>
+</file>
+
+<file path=ppt/slides/slide12.xml><?xml version="1.0" encoding="utf-8"?>
+<p:sld xmlns:a="http://schemas.openxmlformats.org/drawingml/2006/main" xmlns:r="http://schemas.openxmlformats.org/officeDocument/2006/relationships" xmlns:p="http://schemas.openxmlformats.org/presentationml/2006/main">
+  <p:cSld>
+    <p:spTree>
+      <p:nvGrpSpPr>
+        <p:cNvPr id="1" name=""/>
+        <p:cNvGrpSpPr/>
+        <p:nvPr/>
+      </p:nvGrpSpPr>
+      <p:grpSpPr>
+        <a:xfrm>
+          <a:off x="0" y="0"/>
+          <a:ext cx="0" cy="0"/>
+          <a:chOff x="0" y="0"/>
+          <a:chExt cx="0" cy="0"/>
+        </a:xfrm>
+      </p:grpSpPr>
+      <p:sp>
+        <p:nvSpPr>
+          <p:cNvPr id="2" name="Title 1">
+            <a:extLst>
+              <a:ext uri="{FF2B5EF4-FFF2-40B4-BE49-F238E27FC236}">
                 <a16:creationId xmlns:a16="http://schemas.microsoft.com/office/drawing/2014/main" id="{EDF604D6-DAB9-26D1-CB5F-815BC7DF2B74}"/>
               </a:ext>
             </a:extLst>
@@ -5587,7 +5982,7 @@
                 <a:latin typeface="Times New Roman" panose="02020603050405020304" pitchFamily="18" charset="0"/>
                 <a:cs typeface="Times New Roman" panose="02020603050405020304" pitchFamily="18" charset="0"/>
               </a:rPr>
-              <a:t>11</a:t>
+              <a:t>12</a:t>
             </a:fld>
             <a:endParaRPr lang="en-IN" dirty="0">
               <a:latin typeface="Times New Roman" panose="02020603050405020304" pitchFamily="18" charset="0"/>
@@ -5600,6 +5995,36 @@
     <p:extLst>
       <p:ext uri="{BB962C8B-B14F-4D97-AF65-F5344CB8AC3E}">
         <p14:creationId xmlns:p14="http://schemas.microsoft.com/office/powerpoint/2010/main" val="3147679759"/>
+      </p:ext>
+    </p:extLst>
+  </p:cSld>
+  <p:clrMapOvr>
+    <a:masterClrMapping/>
+  </p:clrMapOvr>
+</p:sld>
+</file>
+
+<file path=ppt/slides/slide13.xml><?xml version="1.0" encoding="utf-8"?>
+<p:sld xmlns:a="http://schemas.openxmlformats.org/drawingml/2006/main" xmlns:r="http://schemas.openxmlformats.org/officeDocument/2006/relationships" xmlns:p="http://schemas.openxmlformats.org/presentationml/2006/main">
+  <p:cSld>
+    <p:spTree>
+      <p:nvGrpSpPr>
+        <p:cNvPr id="1" name=""/>
+        <p:cNvGrpSpPr/>
+        <p:nvPr/>
+      </p:nvGrpSpPr>
+      <p:grpSpPr>
+        <a:xfrm>
+          <a:off x="0" y="0"/>
+          <a:ext cx="0" cy="0"/>
+          <a:chOff x="0" y="0"/>
+          <a:chExt cx="0" cy="0"/>
+        </a:xfrm>
+      </p:grpSpPr>
+    </p:spTree>
+    <p:extLst>
+      <p:ext uri="{BB962C8B-B14F-4D97-AF65-F5344CB8AC3E}">
+        <p14:creationId xmlns:p14="http://schemas.microsoft.com/office/powerpoint/2010/main" val="2023321505"/>
       </p:ext>
     </p:extLst>
   </p:cSld>
@@ -6053,7 +6478,7 @@
         </p:spPr>
         <p:txBody>
           <a:bodyPr>
-            <a:normAutofit/>
+            <a:noAutofit/>
           </a:bodyPr>
           <a:lstStyle/>
           <a:p>
@@ -6069,6 +6494,31 @@
               </a:rPr>
               <a:t>Timetables are manually created by coordinators, requiring significant time and effort to ensure proper scheduling. Coordinators must carefully analyse multiple factors to prevent conflicts such as overlapping lectures, faculty unavailability and limited classroom resources, making the process prone to errors.</a:t>
             </a:r>
+          </a:p>
+          <a:p>
+            <a:pPr>
+              <a:lnSpc>
+                <a:spcPct val="150000"/>
+              </a:lnSpc>
+            </a:pPr>
+            <a:r>
+              <a:rPr lang="en-IN" sz="2400" dirty="0">
+                <a:latin typeface="Times New Roman" panose="02020603050405020304" pitchFamily="18" charset="0"/>
+                <a:cs typeface="Times New Roman" panose="02020603050405020304" pitchFamily="18" charset="0"/>
+              </a:rPr>
+              <a:t>The automation techniques do not prove efficient as they are not able to satisfy the constraints where the same faculty member is allotted with continuous classes </a:t>
+            </a:r>
+          </a:p>
+          <a:p>
+            <a:pPr>
+              <a:lnSpc>
+                <a:spcPct val="150000"/>
+              </a:lnSpc>
+            </a:pPr>
+            <a:endParaRPr lang="en-IN" sz="2400" dirty="0">
+              <a:latin typeface="Times New Roman" panose="02020603050405020304" pitchFamily="18" charset="0"/>
+              <a:cs typeface="Times New Roman" panose="02020603050405020304" pitchFamily="18" charset="0"/>
+            </a:endParaRPr>
           </a:p>
           <a:p>
             <a:pPr>
@@ -6383,7 +6833,7 @@
                 <a:latin typeface="Times New Roman" panose="02020603050405020304" pitchFamily="18" charset="0"/>
                 <a:cs typeface="Times New Roman" panose="02020603050405020304" pitchFamily="18" charset="0"/>
               </a:rPr>
-              <a:t>User requirements</a:t>
+              <a:t>Requirements</a:t>
             </a:r>
           </a:p>
         </p:txBody>

--- a/Synopsis/Synopsis Presentation.pptx
+++ b/Synopsis/Synopsis Presentation.pptx
@@ -5,7 +5,7 @@
     <p:sldMasterId id="2147483696" r:id="rId1"/>
   </p:sldMasterIdLst>
   <p:notesMasterIdLst>
-    <p:notesMasterId r:id="rId15"/>
+    <p:notesMasterId r:id="rId14"/>
   </p:notesMasterIdLst>
   <p:sldIdLst>
     <p:sldId id="256" r:id="rId2"/>
@@ -20,7 +20,6 @@
     <p:sldId id="268" r:id="rId11"/>
     <p:sldId id="262" r:id="rId12"/>
     <p:sldId id="263" r:id="rId13"/>
-    <p:sldId id="267" r:id="rId14"/>
   </p:sldIdLst>
   <p:sldSz cx="12192000" cy="6858000"/>
   <p:notesSz cx="6858000" cy="9144000"/>
@@ -5047,8 +5046,8 @@
         </p:nvSpPr>
         <p:spPr>
           <a:xfrm>
-            <a:off x="580103" y="980090"/>
-            <a:ext cx="11159952" cy="4937234"/>
+            <a:off x="334297" y="916679"/>
+            <a:ext cx="11523406" cy="5877910"/>
           </a:xfrm>
         </p:spPr>
         <p:txBody>
@@ -5158,11 +5157,18 @@
               </a:lnSpc>
             </a:pPr>
             <a:r>
+              <a:rPr lang="en-US" sz="2000" b="1" dirty="0">
+                <a:latin typeface="Times New Roman" panose="02020603050405020304" pitchFamily="18" charset="0"/>
+                <a:cs typeface="Times New Roman" panose="02020603050405020304" pitchFamily="18" charset="0"/>
+              </a:rPr>
+              <a:t>Creating Random Timetables </a:t>
+            </a:r>
+            <a:r>
               <a:rPr lang="en-US" sz="2000" dirty="0">
                 <a:latin typeface="Times New Roman" panose="02020603050405020304" pitchFamily="18" charset="0"/>
                 <a:cs typeface="Times New Roman" panose="02020603050405020304" pitchFamily="18" charset="0"/>
               </a:rPr>
-              <a:t>Creating Random Timetables – The system first creates many random timetable options.</a:t>
+              <a:t>– The system first creates many random timetable options.</a:t>
             </a:r>
           </a:p>
           <a:p>
@@ -5172,11 +5178,18 @@
               </a:lnSpc>
             </a:pPr>
             <a:r>
+              <a:rPr lang="en-US" sz="2000" b="1" dirty="0">
+                <a:latin typeface="Times New Roman" panose="02020603050405020304" pitchFamily="18" charset="0"/>
+                <a:cs typeface="Times New Roman" panose="02020603050405020304" pitchFamily="18" charset="0"/>
+              </a:rPr>
+              <a:t>Checking for Mistakes </a:t>
+            </a:r>
+            <a:r>
               <a:rPr lang="en-US" sz="2000" dirty="0">
                 <a:latin typeface="Times New Roman" panose="02020603050405020304" pitchFamily="18" charset="0"/>
                 <a:cs typeface="Times New Roman" panose="02020603050405020304" pitchFamily="18" charset="0"/>
               </a:rPr>
-              <a:t>Checking for Mistakes – It examines each timetable to see if there are any clashes, like a teacher being assigned to two classes at the same time.</a:t>
+              <a:t>– It examines each timetable to see if there are any clashes, like a teacher being assigned to two classes at the same time.</a:t>
             </a:r>
           </a:p>
           <a:p>
@@ -5186,11 +5199,18 @@
               </a:lnSpc>
             </a:pPr>
             <a:r>
+              <a:rPr lang="en-US" sz="2000" b="1" dirty="0">
+                <a:latin typeface="Times New Roman" panose="02020603050405020304" pitchFamily="18" charset="0"/>
+                <a:cs typeface="Times New Roman" panose="02020603050405020304" pitchFamily="18" charset="0"/>
+              </a:rPr>
+              <a:t>Picking the Best Ones </a:t>
+            </a:r>
+            <a:r>
               <a:rPr lang="en-US" sz="2000" dirty="0">
                 <a:latin typeface="Times New Roman" panose="02020603050405020304" pitchFamily="18" charset="0"/>
                 <a:cs typeface="Times New Roman" panose="02020603050405020304" pitchFamily="18" charset="0"/>
               </a:rPr>
-              <a:t>Picking the Best Ones – The system selects the best schedules that have fewer mistakes. </a:t>
+              <a:t>– The system selects the best schedules that have fewer mistakes. </a:t>
             </a:r>
           </a:p>
           <a:p>
@@ -5215,11 +5235,18 @@
               </a:lnSpc>
             </a:pPr>
             <a:r>
+              <a:rPr lang="en-US" sz="2000" b="1" dirty="0">
+                <a:latin typeface="Times New Roman" panose="02020603050405020304" pitchFamily="18" charset="0"/>
+                <a:cs typeface="Times New Roman" panose="02020603050405020304" pitchFamily="18" charset="0"/>
+              </a:rPr>
+              <a:t>Mixing and Matching </a:t>
+            </a:r>
+            <a:r>
               <a:rPr lang="en-US" sz="2000" dirty="0">
                 <a:latin typeface="Times New Roman" panose="02020603050405020304" pitchFamily="18" charset="0"/>
                 <a:cs typeface="Times New Roman" panose="02020603050405020304" pitchFamily="18" charset="0"/>
               </a:rPr>
-              <a:t>Mixing and Matching – It takes the best schedules and combines them to create even better ones.</a:t>
+              <a:t>– It takes the best schedules and combines them to create even better ones.</a:t>
             </a:r>
           </a:p>
           <a:p>
@@ -5229,11 +5256,18 @@
               </a:lnSpc>
             </a:pPr>
             <a:r>
+              <a:rPr lang="en-US" sz="2000" b="1" dirty="0">
+                <a:latin typeface="Times New Roman" panose="02020603050405020304" pitchFamily="18" charset="0"/>
+                <a:cs typeface="Times New Roman" panose="02020603050405020304" pitchFamily="18" charset="0"/>
+              </a:rPr>
+              <a:t>Making Small Changes </a:t>
+            </a:r>
+            <a:r>
               <a:rPr lang="en-US" sz="2000" dirty="0">
                 <a:latin typeface="Times New Roman" panose="02020603050405020304" pitchFamily="18" charset="0"/>
                 <a:cs typeface="Times New Roman" panose="02020603050405020304" pitchFamily="18" charset="0"/>
               </a:rPr>
-              <a:t>Making Small Changes – Tiny changes are made to improve the timetable further.</a:t>
+              <a:t>– Tiny changes are made to improve the timetable further.</a:t>
             </a:r>
           </a:p>
           <a:p>
@@ -5243,11 +5277,18 @@
               </a:lnSpc>
             </a:pPr>
             <a:r>
+              <a:rPr lang="en-US" sz="2000" b="1" dirty="0">
+                <a:latin typeface="Times New Roman" panose="02020603050405020304" pitchFamily="18" charset="0"/>
+                <a:cs typeface="Times New Roman" panose="02020603050405020304" pitchFamily="18" charset="0"/>
+              </a:rPr>
+              <a:t>Repeating the Process </a:t>
+            </a:r>
+            <a:r>
               <a:rPr lang="en-US" sz="2000" dirty="0">
                 <a:latin typeface="Times New Roman" panose="02020603050405020304" pitchFamily="18" charset="0"/>
                 <a:cs typeface="Times New Roman" panose="02020603050405020304" pitchFamily="18" charset="0"/>
               </a:rPr>
-              <a:t>Repeating the Process – This cycle continues until the system finds the most perfect timetable possible.</a:t>
+              <a:t>– This cycle continues until the system finds the most perfect timetable possible.</a:t>
             </a:r>
             <a:endParaRPr lang="en-IN" sz="2000" dirty="0">
               <a:latin typeface="Times New Roman" panose="02020603050405020304" pitchFamily="18" charset="0"/>
@@ -5326,21 +5367,7 @@
                 <a:latin typeface="Times New Roman" panose="02020603050405020304" pitchFamily="18" charset="0"/>
                 <a:cs typeface="Times New Roman" panose="02020603050405020304" pitchFamily="18" charset="0"/>
               </a:rPr>
-              <a:t>*Introduction to Genetic algorithm by R K </a:t>
-            </a:r>
-            <a:r>
-              <a:rPr lang="en-IN" sz="1600" dirty="0" err="1">
-                <a:latin typeface="Times New Roman" panose="02020603050405020304" pitchFamily="18" charset="0"/>
-                <a:cs typeface="Times New Roman" panose="02020603050405020304" pitchFamily="18" charset="0"/>
-              </a:rPr>
-              <a:t>Bhattachariya</a:t>
-            </a:r>
-            <a:r>
-              <a:rPr lang="en-IN" sz="1600" dirty="0">
-                <a:latin typeface="Times New Roman" panose="02020603050405020304" pitchFamily="18" charset="0"/>
-                <a:cs typeface="Times New Roman" panose="02020603050405020304" pitchFamily="18" charset="0"/>
-              </a:rPr>
-              <a:t>/CE/IIT Guwahati</a:t>
+              <a:t>*Introduction to Genetic algorithm by R K Bhattachariya/CE/IIT Guwahati</a:t>
             </a:r>
             <a:endParaRPr lang="en-IN" sz="1600" dirty="0"/>
           </a:p>
@@ -5437,7 +5464,12 @@
             <p:ph idx="1"/>
           </p:nvPr>
         </p:nvSpPr>
-        <p:spPr/>
+        <p:spPr>
+          <a:xfrm>
+            <a:off x="329381" y="1725412"/>
+            <a:ext cx="11533238" cy="3759098"/>
+          </a:xfrm>
+        </p:spPr>
         <p:txBody>
           <a:bodyPr>
             <a:normAutofit/>
@@ -5587,8 +5619,8 @@
         </p:nvSpPr>
         <p:spPr>
           <a:xfrm>
-            <a:off x="537258" y="1736987"/>
-            <a:ext cx="10515600" cy="4351338"/>
+            <a:off x="344129" y="1736987"/>
+            <a:ext cx="11503742" cy="4351338"/>
           </a:xfrm>
           <a:noFill/>
           <a:ln>
@@ -5995,36 +6027,6 @@
     <p:extLst>
       <p:ext uri="{BB962C8B-B14F-4D97-AF65-F5344CB8AC3E}">
         <p14:creationId xmlns:p14="http://schemas.microsoft.com/office/powerpoint/2010/main" val="3147679759"/>
-      </p:ext>
-    </p:extLst>
-  </p:cSld>
-  <p:clrMapOvr>
-    <a:masterClrMapping/>
-  </p:clrMapOvr>
-</p:sld>
-</file>
-
-<file path=ppt/slides/slide13.xml><?xml version="1.0" encoding="utf-8"?>
-<p:sld xmlns:a="http://schemas.openxmlformats.org/drawingml/2006/main" xmlns:r="http://schemas.openxmlformats.org/officeDocument/2006/relationships" xmlns:p="http://schemas.openxmlformats.org/presentationml/2006/main">
-  <p:cSld>
-    <p:spTree>
-      <p:nvGrpSpPr>
-        <p:cNvPr id="1" name=""/>
-        <p:cNvGrpSpPr/>
-        <p:nvPr/>
-      </p:nvGrpSpPr>
-      <p:grpSpPr>
-        <a:xfrm>
-          <a:off x="0" y="0"/>
-          <a:ext cx="0" cy="0"/>
-          <a:chOff x="0" y="0"/>
-          <a:chExt cx="0" cy="0"/>
-        </a:xfrm>
-      </p:grpSpPr>
-    </p:spTree>
-    <p:extLst>
-      <p:ext uri="{BB962C8B-B14F-4D97-AF65-F5344CB8AC3E}">
-        <p14:creationId xmlns:p14="http://schemas.microsoft.com/office/powerpoint/2010/main" val="2023321505"/>
       </p:ext>
     </p:extLst>
   </p:cSld>
@@ -6069,8 +6071,8 @@
         </p:nvSpPr>
         <p:spPr>
           <a:xfrm>
-            <a:off x="548832" y="1737771"/>
-            <a:ext cx="11318271" cy="5192461"/>
+            <a:off x="344345" y="1735232"/>
+            <a:ext cx="11503309" cy="5192461"/>
           </a:xfrm>
         </p:spPr>
         <p:txBody>
@@ -6300,8 +6302,8 @@
         </p:nvSpPr>
         <p:spPr>
           <a:xfrm>
-            <a:off x="548832" y="1737771"/>
-            <a:ext cx="11181052" cy="3483158"/>
+            <a:off x="349045" y="1737771"/>
+            <a:ext cx="11493910" cy="3483158"/>
           </a:xfrm>
         </p:spPr>
         <p:txBody>
@@ -6472,8 +6474,8 @@
         </p:nvSpPr>
         <p:spPr>
           <a:xfrm>
-            <a:off x="548833" y="1736987"/>
-            <a:ext cx="10691648" cy="2756885"/>
+            <a:off x="344129" y="1736987"/>
+            <a:ext cx="11503742" cy="3808407"/>
           </a:xfrm>
         </p:spPr>
         <p:txBody>
@@ -6655,8 +6657,8 @@
         </p:nvSpPr>
         <p:spPr>
           <a:xfrm>
-            <a:off x="548833" y="1736986"/>
-            <a:ext cx="10515600" cy="4351338"/>
+            <a:off x="344129" y="1736986"/>
+            <a:ext cx="11513574" cy="3837904"/>
           </a:xfrm>
         </p:spPr>
         <p:txBody>
@@ -6856,8 +6858,8 @@
         </p:nvSpPr>
         <p:spPr>
           <a:xfrm>
-            <a:off x="548834" y="1736986"/>
-            <a:ext cx="10515600" cy="4351338"/>
+            <a:off x="344129" y="1736986"/>
+            <a:ext cx="10720305" cy="4231195"/>
           </a:xfrm>
         </p:spPr>
         <p:txBody>
@@ -6866,6 +6868,9 @@
           </a:bodyPr>
           <a:lstStyle/>
           <a:p>
+            <a:pPr marL="0" indent="0">
+              <a:buNone/>
+            </a:pPr>
             <a:r>
               <a:rPr lang="en-US" sz="2400" b="1" dirty="0">
                 <a:latin typeface="Times New Roman" panose="02020603050405020304" pitchFamily="18" charset="0"/>
@@ -6982,6 +6987,9 @@
             </a:r>
           </a:p>
           <a:p>
+            <a:pPr marL="0" indent="0">
+              <a:buNone/>
+            </a:pPr>
             <a:r>
               <a:rPr lang="en-US" sz="2400" b="1" dirty="0">
                 <a:latin typeface="Times New Roman" panose="02020603050405020304" pitchFamily="18" charset="0"/>
@@ -7554,8 +7562,8 @@
         </p:nvSpPr>
         <p:spPr>
           <a:xfrm>
-            <a:off x="548833" y="1725412"/>
-            <a:ext cx="10515600" cy="4351338"/>
+            <a:off x="353074" y="1769508"/>
+            <a:ext cx="11485851" cy="4351338"/>
           </a:xfrm>
         </p:spPr>
         <p:txBody>

--- a/Synopsis/Synopsis Presentation.pptx
+++ b/Synopsis/Synopsis Presentation.pptx
@@ -208,7 +208,7 @@
           <a:p>
             <a:fld id="{DDBD07C2-A8D5-442F-93E7-71925FF71000}" type="datetimeFigureOut">
               <a:rPr lang="en-IN" smtClean="0"/>
-              <a:t>28-03-2025</a:t>
+              <a:t>29-03-2025</a:t>
             </a:fld>
             <a:endParaRPr lang="en-IN"/>
           </a:p>
@@ -775,7 +775,7 @@
           <a:p>
             <a:fld id="{93FE507B-74E9-434B-B589-61639C269BD2}" type="datetime1">
               <a:rPr lang="en-IN" smtClean="0"/>
-              <a:t>28-03-2025</a:t>
+              <a:t>29-03-2025</a:t>
             </a:fld>
             <a:endParaRPr lang="en-IN"/>
           </a:p>
@@ -945,7 +945,7 @@
           <a:p>
             <a:fld id="{1DF852E4-941D-4D93-8BE7-96DFDEB218D4}" type="datetime1">
               <a:rPr lang="en-IN" smtClean="0"/>
-              <a:t>28-03-2025</a:t>
+              <a:t>29-03-2025</a:t>
             </a:fld>
             <a:endParaRPr lang="en-IN"/>
           </a:p>
@@ -1125,7 +1125,7 @@
           <a:p>
             <a:fld id="{B713C6D0-628E-4C8C-B674-0FC5911BFD3F}" type="datetime1">
               <a:rPr lang="en-IN" smtClean="0"/>
-              <a:t>28-03-2025</a:t>
+              <a:t>29-03-2025</a:t>
             </a:fld>
             <a:endParaRPr lang="en-IN"/>
           </a:p>
@@ -1295,7 +1295,7 @@
           <a:p>
             <a:fld id="{02C27CEE-AECC-488D-B081-6669003DE492}" type="datetime1">
               <a:rPr lang="en-IN" smtClean="0"/>
-              <a:t>28-03-2025</a:t>
+              <a:t>29-03-2025</a:t>
             </a:fld>
             <a:endParaRPr lang="en-IN"/>
           </a:p>
@@ -1541,7 +1541,7 @@
           <a:p>
             <a:fld id="{5F907550-43C7-482D-BA34-265D3A59D17F}" type="datetime1">
               <a:rPr lang="en-IN" smtClean="0"/>
-              <a:t>28-03-2025</a:t>
+              <a:t>29-03-2025</a:t>
             </a:fld>
             <a:endParaRPr lang="en-IN"/>
           </a:p>
@@ -1773,7 +1773,7 @@
           <a:p>
             <a:fld id="{94D77DB3-F920-470E-B309-869FDF9C0108}" type="datetime1">
               <a:rPr lang="en-IN" smtClean="0"/>
-              <a:t>28-03-2025</a:t>
+              <a:t>29-03-2025</a:t>
             </a:fld>
             <a:endParaRPr lang="en-IN"/>
           </a:p>
@@ -2140,7 +2140,7 @@
           <a:p>
             <a:fld id="{5B45A2ED-077A-4579-A46A-43231F0F597B}" type="datetime1">
               <a:rPr lang="en-IN" smtClean="0"/>
-              <a:t>28-03-2025</a:t>
+              <a:t>29-03-2025</a:t>
             </a:fld>
             <a:endParaRPr lang="en-IN"/>
           </a:p>
@@ -2258,7 +2258,7 @@
           <a:p>
             <a:fld id="{485FFD98-AA31-4581-BF2A-5A2077300591}" type="datetime1">
               <a:rPr lang="en-IN" smtClean="0"/>
-              <a:t>28-03-2025</a:t>
+              <a:t>29-03-2025</a:t>
             </a:fld>
             <a:endParaRPr lang="en-IN"/>
           </a:p>
@@ -2353,7 +2353,7 @@
           <a:p>
             <a:fld id="{4058E697-6A5A-41D6-A5BF-DF6DC04A6DFC}" type="datetime1">
               <a:rPr lang="en-IN" smtClean="0"/>
-              <a:t>28-03-2025</a:t>
+              <a:t>29-03-2025</a:t>
             </a:fld>
             <a:endParaRPr lang="en-IN"/>
           </a:p>
@@ -2630,7 +2630,7 @@
           <a:p>
             <a:fld id="{86822B0A-2DE6-43ED-9578-1137B94F3B65}" type="datetime1">
               <a:rPr lang="en-IN" smtClean="0"/>
-              <a:t>28-03-2025</a:t>
+              <a:t>29-03-2025</a:t>
             </a:fld>
             <a:endParaRPr lang="en-IN"/>
           </a:p>
@@ -2887,7 +2887,7 @@
           <a:p>
             <a:fld id="{0781F493-348F-40BE-912D-787DF7E33694}" type="datetime1">
               <a:rPr lang="en-IN" smtClean="0"/>
-              <a:t>28-03-2025</a:t>
+              <a:t>29-03-2025</a:t>
             </a:fld>
             <a:endParaRPr lang="en-IN"/>
           </a:p>
@@ -3105,7 +3105,7 @@
           <a:p>
             <a:fld id="{D296BE42-94BA-4EFF-BD05-5C4A4AD389AE}" type="datetime1">
               <a:rPr lang="en-IN" smtClean="0"/>
-              <a:t>28-03-2025</a:t>
+              <a:t>29-03-2025</a:t>
             </a:fld>
             <a:endParaRPr lang="en-IN"/>
           </a:p>
@@ -5296,6 +5296,7 @@
             </a:endParaRPr>
           </a:p>
           <a:p>
+            <a:pPr algn="just"/>
             <a:endParaRPr lang="en-IN" sz="2000" dirty="0"/>
           </a:p>
         </p:txBody>
@@ -6081,7 +6082,7 @@
           </a:bodyPr>
           <a:lstStyle/>
           <a:p>
-            <a:pPr>
+            <a:pPr algn="just">
               <a:lnSpc>
                 <a:spcPct val="150000"/>
               </a:lnSpc>
@@ -6095,7 +6096,7 @@
             </a:r>
           </a:p>
           <a:p>
-            <a:pPr>
+            <a:pPr algn="just">
               <a:lnSpc>
                 <a:spcPct val="150000"/>
               </a:lnSpc>
@@ -6484,7 +6485,7 @@
           </a:bodyPr>
           <a:lstStyle/>
           <a:p>
-            <a:pPr>
+            <a:pPr algn="just">
               <a:lnSpc>
                 <a:spcPct val="150000"/>
               </a:lnSpc>
@@ -6498,7 +6499,7 @@
             </a:r>
           </a:p>
           <a:p>
-            <a:pPr>
+            <a:pPr algn="just">
               <a:lnSpc>
                 <a:spcPct val="150000"/>
               </a:lnSpc>
@@ -6512,7 +6513,7 @@
             </a:r>
           </a:p>
           <a:p>
-            <a:pPr>
+            <a:pPr algn="just">
               <a:lnSpc>
                 <a:spcPct val="150000"/>
               </a:lnSpc>
@@ -6523,7 +6524,7 @@
             </a:endParaRPr>
           </a:p>
           <a:p>
-            <a:pPr>
+            <a:pPr algn="just">
               <a:lnSpc>
                 <a:spcPct val="150000"/>
               </a:lnSpc>
